--- a/CS688_ProjectPresentation.pptx
+++ b/CS688_ProjectPresentation.pptx
@@ -25,25 +25,22 @@
     <p:sldId id="270" r:id="rId20"/>
     <p:sldId id="271" r:id="rId21"/>
     <p:sldId id="272" r:id="rId22"/>
+    <p:sldId id="273" r:id="rId23"/>
   </p:sldIdLst>
   <p:sldSz cy="5143500" cx="9144000"/>
   <p:notesSz cx="6858000" cy="9144000"/>
   <p:embeddedFontLst>
     <p:embeddedFont>
       <p:font typeface="Roboto Slab"/>
-      <p:regular r:id="rId23"/>
-      <p:bold r:id="rId24"/>
+      <p:regular r:id="rId24"/>
+      <p:bold r:id="rId25"/>
     </p:embeddedFont>
     <p:embeddedFont>
       <p:font typeface="Roboto"/>
-      <p:regular r:id="rId25"/>
-      <p:bold r:id="rId26"/>
-      <p:italic r:id="rId27"/>
-      <p:boldItalic r:id="rId28"/>
-    </p:embeddedFont>
-    <p:embeddedFont>
-      <p:font typeface="Questrial"/>
-      <p:regular r:id="rId29"/>
+      <p:regular r:id="rId26"/>
+      <p:bold r:id="rId27"/>
+      <p:italic r:id="rId28"/>
+      <p:boldItalic r:id="rId29"/>
     </p:embeddedFont>
   </p:embeddedFontLst>
   <p:defaultTextStyle>
@@ -340,7 +337,7 @@
               <a:spcBef>
                 <a:spcPts val="0"/>
               </a:spcBef>
-              <a:buSzPct val="100000"/>
+              <a:buSzPts val="1100"/>
               <a:buChar char="●"/>
               <a:defRPr sz="1100"/>
             </a:lvl1pPr>
@@ -348,7 +345,7 @@
               <a:spcBef>
                 <a:spcPts val="0"/>
               </a:spcBef>
-              <a:buSzPct val="100000"/>
+              <a:buSzPts val="1100"/>
               <a:buChar char="○"/>
               <a:defRPr sz="1100"/>
             </a:lvl2pPr>
@@ -356,7 +353,7 @@
               <a:spcBef>
                 <a:spcPts val="0"/>
               </a:spcBef>
-              <a:buSzPct val="100000"/>
+              <a:buSzPts val="1100"/>
               <a:buChar char="■"/>
               <a:defRPr sz="1100"/>
             </a:lvl3pPr>
@@ -364,7 +361,7 @@
               <a:spcBef>
                 <a:spcPts val="0"/>
               </a:spcBef>
-              <a:buSzPct val="100000"/>
+              <a:buSzPts val="1100"/>
               <a:buChar char="●"/>
               <a:defRPr sz="1100"/>
             </a:lvl4pPr>
@@ -372,7 +369,7 @@
               <a:spcBef>
                 <a:spcPts val="0"/>
               </a:spcBef>
-              <a:buSzPct val="100000"/>
+              <a:buSzPts val="1100"/>
               <a:buChar char="○"/>
               <a:defRPr sz="1100"/>
             </a:lvl5pPr>
@@ -380,7 +377,7 @@
               <a:spcBef>
                 <a:spcPts val="0"/>
               </a:spcBef>
-              <a:buSzPct val="100000"/>
+              <a:buSzPts val="1100"/>
               <a:buChar char="■"/>
               <a:defRPr sz="1100"/>
             </a:lvl6pPr>
@@ -388,7 +385,7 @@
               <a:spcBef>
                 <a:spcPts val="0"/>
               </a:spcBef>
-              <a:buSzPct val="100000"/>
+              <a:buSzPts val="1100"/>
               <a:buChar char="●"/>
               <a:defRPr sz="1100"/>
             </a:lvl7pPr>
@@ -396,7 +393,7 @@
               <a:spcBef>
                 <a:spcPts val="0"/>
               </a:spcBef>
-              <a:buSzPct val="100000"/>
+              <a:buSzPts val="1100"/>
               <a:buChar char="○"/>
               <a:defRPr sz="1100"/>
             </a:lvl8pPr>
@@ -404,7 +401,7 @@
               <a:spcBef>
                 <a:spcPts val="0"/>
               </a:spcBef>
-              <a:buSzPct val="100000"/>
+              <a:buSzPts val="1100"/>
               <a:buChar char="■"/>
               <a:defRPr sz="1100"/>
             </a:lvl9pPr>
@@ -518,7 +515,7 @@
   <p:cSld>
     <p:spTree>
       <p:nvGrpSpPr>
-        <p:cNvPr id="117" name="Shape 117"/>
+        <p:cNvPr id="132" name="Shape 132"/>
         <p:cNvGrpSpPr/>
         <p:nvPr/>
       </p:nvGrpSpPr>
@@ -532,7 +529,7 @@
       </p:grpSpPr>
       <p:sp>
         <p:nvSpPr>
-          <p:cNvPr id="118" name="Shape 118"/>
+          <p:cNvPr id="133" name="Shape 133"/>
           <p:cNvSpPr/>
           <p:nvPr>
             <p:ph idx="2" type="sldImg"/>
@@ -566,7 +563,7 @@
       </p:sp>
       <p:sp>
         <p:nvSpPr>
-          <p:cNvPr id="119" name="Shape 119"/>
+          <p:cNvPr id="134" name="Shape 134"/>
           <p:cNvSpPr txBox="1"/>
           <p:nvPr>
             <p:ph idx="1" type="body"/>
@@ -613,7 +610,7 @@
   <p:cSld>
     <p:spTree>
       <p:nvGrpSpPr>
-        <p:cNvPr id="124" name="Shape 124"/>
+        <p:cNvPr id="139" name="Shape 139"/>
         <p:cNvGrpSpPr/>
         <p:nvPr/>
       </p:nvGrpSpPr>
@@ -627,7 +624,7 @@
       </p:grpSpPr>
       <p:sp>
         <p:nvSpPr>
-          <p:cNvPr id="125" name="Shape 125"/>
+          <p:cNvPr id="140" name="Shape 140"/>
           <p:cNvSpPr/>
           <p:nvPr>
             <p:ph idx="2" type="sldImg"/>
@@ -661,7 +658,7 @@
       </p:sp>
       <p:sp>
         <p:nvSpPr>
-          <p:cNvPr id="126" name="Shape 126"/>
+          <p:cNvPr id="141" name="Shape 141"/>
           <p:cNvSpPr txBox="1"/>
           <p:nvPr>
             <p:ph idx="1" type="body"/>
@@ -708,7 +705,7 @@
   <p:cSld>
     <p:spTree>
       <p:nvGrpSpPr>
-        <p:cNvPr id="131" name="Shape 131"/>
+        <p:cNvPr id="146" name="Shape 146"/>
         <p:cNvGrpSpPr/>
         <p:nvPr/>
       </p:nvGrpSpPr>
@@ -722,7 +719,7 @@
       </p:grpSpPr>
       <p:sp>
         <p:nvSpPr>
-          <p:cNvPr id="132" name="Shape 132"/>
+          <p:cNvPr id="147" name="Shape 147"/>
           <p:cNvSpPr/>
           <p:nvPr>
             <p:ph idx="2" type="sldImg"/>
@@ -756,7 +753,7 @@
       </p:sp>
       <p:sp>
         <p:nvSpPr>
-          <p:cNvPr id="133" name="Shape 133"/>
+          <p:cNvPr id="148" name="Shape 148"/>
           <p:cNvSpPr txBox="1"/>
           <p:nvPr>
             <p:ph idx="1" type="body"/>
@@ -803,7 +800,7 @@
   <p:cSld>
     <p:spTree>
       <p:nvGrpSpPr>
-        <p:cNvPr id="138" name="Shape 138"/>
+        <p:cNvPr id="153" name="Shape 153"/>
         <p:cNvGrpSpPr/>
         <p:nvPr/>
       </p:nvGrpSpPr>
@@ -817,7 +814,7 @@
       </p:grpSpPr>
       <p:sp>
         <p:nvSpPr>
-          <p:cNvPr id="139" name="Shape 139"/>
+          <p:cNvPr id="154" name="Shape 154"/>
           <p:cNvSpPr/>
           <p:nvPr>
             <p:ph idx="2" type="sldImg"/>
@@ -851,7 +848,7 @@
       </p:sp>
       <p:sp>
         <p:nvSpPr>
-          <p:cNvPr id="140" name="Shape 140"/>
+          <p:cNvPr id="155" name="Shape 155"/>
           <p:cNvSpPr txBox="1"/>
           <p:nvPr>
             <p:ph idx="1" type="body"/>
@@ -898,7 +895,7 @@
   <p:cSld>
     <p:spTree>
       <p:nvGrpSpPr>
-        <p:cNvPr id="144" name="Shape 144"/>
+        <p:cNvPr id="159" name="Shape 159"/>
         <p:cNvGrpSpPr/>
         <p:nvPr/>
       </p:nvGrpSpPr>
@@ -912,7 +909,7 @@
       </p:grpSpPr>
       <p:sp>
         <p:nvSpPr>
-          <p:cNvPr id="145" name="Shape 145"/>
+          <p:cNvPr id="160" name="Shape 160"/>
           <p:cNvSpPr/>
           <p:nvPr>
             <p:ph idx="2" type="sldImg"/>
@@ -946,7 +943,7 @@
       </p:sp>
       <p:sp>
         <p:nvSpPr>
-          <p:cNvPr id="146" name="Shape 146"/>
+          <p:cNvPr id="161" name="Shape 161"/>
           <p:cNvSpPr txBox="1"/>
           <p:nvPr>
             <p:ph idx="1" type="body"/>
@@ -993,7 +990,7 @@
   <p:cSld>
     <p:spTree>
       <p:nvGrpSpPr>
-        <p:cNvPr id="151" name="Shape 151"/>
+        <p:cNvPr id="166" name="Shape 166"/>
         <p:cNvGrpSpPr/>
         <p:nvPr/>
       </p:nvGrpSpPr>
@@ -1007,7 +1004,7 @@
       </p:grpSpPr>
       <p:sp>
         <p:nvSpPr>
-          <p:cNvPr id="152" name="Shape 152"/>
+          <p:cNvPr id="167" name="Shape 167"/>
           <p:cNvSpPr/>
           <p:nvPr>
             <p:ph idx="2" type="sldImg"/>
@@ -1041,7 +1038,7 @@
       </p:sp>
       <p:sp>
         <p:nvSpPr>
-          <p:cNvPr id="153" name="Shape 153"/>
+          <p:cNvPr id="168" name="Shape 168"/>
           <p:cNvSpPr txBox="1"/>
           <p:nvPr>
             <p:ph idx="1" type="body"/>
@@ -1069,9 +1066,33 @@
               <a:buNone/>
             </a:pPr>
             <a:r>
-              <a:t/>
+              <a:rPr lang="en"/>
+              <a:t>CNN_2 Layer, best learning rate = 0.001</a:t>
             </a:r>
-            <a:endParaRPr/>
+          </a:p>
+          <a:p>
+            <a:pPr lvl="0">
+              <a:spcBef>
+                <a:spcPts val="0"/>
+              </a:spcBef>
+              <a:buNone/>
+            </a:pPr>
+            <a:r>
+              <a:rPr lang="en"/>
+              <a:t>ResNet-18 (pretrained), best learning rate = 1e-05</a:t>
+            </a:r>
+          </a:p>
+          <a:p>
+            <a:pPr lvl="0">
+              <a:spcBef>
+                <a:spcPts val="0"/>
+              </a:spcBef>
+              <a:buNone/>
+            </a:pPr>
+            <a:r>
+              <a:rPr lang="en"/>
+              <a:t>ResNet-18 (finetuned), best learning rate = 0.001</a:t>
+            </a:r>
           </a:p>
         </p:txBody>
       </p:sp>
@@ -1088,7 +1109,7 @@
   <p:cSld>
     <p:spTree>
       <p:nvGrpSpPr>
-        <p:cNvPr id="157" name="Shape 157"/>
+        <p:cNvPr id="172" name="Shape 172"/>
         <p:cNvGrpSpPr/>
         <p:nvPr/>
       </p:nvGrpSpPr>
@@ -1102,7 +1123,7 @@
       </p:grpSpPr>
       <p:sp>
         <p:nvSpPr>
-          <p:cNvPr id="158" name="Shape 158"/>
+          <p:cNvPr id="173" name="Shape 173"/>
           <p:cNvSpPr/>
           <p:nvPr>
             <p:ph idx="2" type="sldImg"/>
@@ -1136,7 +1157,7 @@
       </p:sp>
       <p:sp>
         <p:nvSpPr>
-          <p:cNvPr id="159" name="Shape 159"/>
+          <p:cNvPr id="174" name="Shape 174"/>
           <p:cNvSpPr txBox="1"/>
           <p:nvPr>
             <p:ph idx="1" type="body"/>
@@ -1183,7 +1204,7 @@
   <p:cSld>
     <p:spTree>
       <p:nvGrpSpPr>
-        <p:cNvPr id="163" name="Shape 163"/>
+        <p:cNvPr id="179" name="Shape 179"/>
         <p:cNvGrpSpPr/>
         <p:nvPr/>
       </p:nvGrpSpPr>
@@ -1197,7 +1218,7 @@
       </p:grpSpPr>
       <p:sp>
         <p:nvSpPr>
-          <p:cNvPr id="164" name="Shape 164"/>
+          <p:cNvPr id="180" name="Shape 180"/>
           <p:cNvSpPr/>
           <p:nvPr>
             <p:ph idx="2" type="sldImg"/>
@@ -1231,7 +1252,102 @@
       </p:sp>
       <p:sp>
         <p:nvSpPr>
-          <p:cNvPr id="165" name="Shape 165"/>
+          <p:cNvPr id="181" name="Shape 181"/>
+          <p:cNvSpPr txBox="1"/>
+          <p:nvPr>
+            <p:ph idx="1" type="body"/>
+          </p:nvPr>
+        </p:nvSpPr>
+        <p:spPr>
+          <a:xfrm>
+            <a:off x="685800" y="4343400"/>
+            <a:ext cx="5486400" cy="4114800"/>
+          </a:xfrm>
+          <a:prstGeom prst="rect">
+            <a:avLst/>
+          </a:prstGeom>
+        </p:spPr>
+        <p:txBody>
+          <a:bodyPr anchorCtr="0" anchor="t" bIns="91425" lIns="91425" rIns="91425" wrap="square" tIns="91425">
+            <a:noAutofit/>
+          </a:bodyPr>
+          <a:lstStyle/>
+          <a:p>
+            <a:pPr lvl="0">
+              <a:spcBef>
+                <a:spcPts val="0"/>
+              </a:spcBef>
+              <a:buNone/>
+            </a:pPr>
+            <a:r>
+              <a:t/>
+            </a:r>
+            <a:endParaRPr/>
+          </a:p>
+        </p:txBody>
+      </p:sp>
+    </p:spTree>
+  </p:cSld>
+  <p:clrMapOvr>
+    <a:masterClrMapping/>
+  </p:clrMapOvr>
+</p:notes>
+</file>
+
+<file path=ppt/notesSlides/notesSlide18.xml><?xml version="1.0" encoding="utf-8"?>
+<p:notes xmlns:a="http://schemas.openxmlformats.org/drawingml/2006/main" xmlns:r="http://schemas.openxmlformats.org/officeDocument/2006/relationships" xmlns:mc="http://schemas.openxmlformats.org/markup-compatibility/2006" xmlns:mv="urn:schemas-microsoft-com:mac:vml" xmlns:p="http://schemas.openxmlformats.org/presentationml/2006/main" xmlns:c="http://schemas.openxmlformats.org/drawingml/2006/chart" xmlns:dgm="http://schemas.openxmlformats.org/drawingml/2006/diagram" xmlns:o="urn:schemas-microsoft-com:office:office" xmlns:v="urn:schemas-microsoft-com:vml" xmlns:pvml="urn:schemas-microsoft-com:office:powerpoint" xmlns:com="http://schemas.openxmlformats.org/drawingml/2006/compatibility" xmlns:p14="http://schemas.microsoft.com/office/powerpoint/2010/main" xmlns:p15="http://schemas.microsoft.com/office/powerpoint/2012/main" showMasterPhAnim="0" showMasterSp="0">
+  <p:cSld>
+    <p:spTree>
+      <p:nvGrpSpPr>
+        <p:cNvPr id="185" name="Shape 185"/>
+        <p:cNvGrpSpPr/>
+        <p:nvPr/>
+      </p:nvGrpSpPr>
+      <p:grpSpPr>
+        <a:xfrm>
+          <a:off x="0" y="0"/>
+          <a:ext cx="0" cy="0"/>
+          <a:chOff x="0" y="0"/>
+          <a:chExt cx="0" cy="0"/>
+        </a:xfrm>
+      </p:grpSpPr>
+      <p:sp>
+        <p:nvSpPr>
+          <p:cNvPr id="186" name="Shape 186"/>
+          <p:cNvSpPr/>
+          <p:nvPr>
+            <p:ph idx="2" type="sldImg"/>
+          </p:nvPr>
+        </p:nvSpPr>
+        <p:spPr>
+          <a:xfrm>
+            <a:off x="381300" y="685800"/>
+            <a:ext cx="6096000" cy="3429000"/>
+          </a:xfrm>
+          <a:custGeom>
+            <a:pathLst>
+              <a:path extrusionOk="0" h="120000" w="120000">
+                <a:moveTo>
+                  <a:pt x="0" y="0"/>
+                </a:moveTo>
+                <a:lnTo>
+                  <a:pt x="120000" y="0"/>
+                </a:lnTo>
+                <a:lnTo>
+                  <a:pt x="120000" y="120000"/>
+                </a:lnTo>
+                <a:lnTo>
+                  <a:pt x="0" y="120000"/>
+                </a:lnTo>
+                <a:close/>
+              </a:path>
+            </a:pathLst>
+          </a:custGeom>
+        </p:spPr>
+      </p:sp>
+      <p:sp>
+        <p:nvSpPr>
+          <p:cNvPr id="187" name="Shape 187"/>
           <p:cNvSpPr txBox="1"/>
           <p:nvPr>
             <p:ph idx="1" type="body"/>
@@ -1943,7 +2059,7 @@
   <p:cSld>
     <p:spTree>
       <p:nvGrpSpPr>
-        <p:cNvPr id="111" name="Shape 111"/>
+        <p:cNvPr id="126" name="Shape 126"/>
         <p:cNvGrpSpPr/>
         <p:nvPr/>
       </p:nvGrpSpPr>
@@ -1957,7 +2073,7 @@
       </p:grpSpPr>
       <p:sp>
         <p:nvSpPr>
-          <p:cNvPr id="112" name="Shape 112"/>
+          <p:cNvPr id="127" name="Shape 127"/>
           <p:cNvSpPr/>
           <p:nvPr>
             <p:ph idx="2" type="sldImg"/>
@@ -1991,7 +2107,7 @@
       </p:sp>
       <p:sp>
         <p:nvSpPr>
-          <p:cNvPr id="113" name="Shape 113"/>
+          <p:cNvPr id="128" name="Shape 128"/>
           <p:cNvSpPr txBox="1"/>
           <p:nvPr>
             <p:ph idx="1" type="body"/>
@@ -2176,63 +2292,72 @@
               <a:spcBef>
                 <a:spcPts val="0"/>
               </a:spcBef>
-              <a:buSzPct val="100000"/>
+              <a:buSzPts val="4000"/>
+              <a:buNone/>
               <a:defRPr sz="4000"/>
             </a:lvl1pPr>
             <a:lvl2pPr lvl="1" algn="ctr">
               <a:spcBef>
                 <a:spcPts val="0"/>
               </a:spcBef>
-              <a:buSzPct val="100000"/>
+              <a:buSzPts val="4000"/>
+              <a:buNone/>
               <a:defRPr sz="4000"/>
             </a:lvl2pPr>
             <a:lvl3pPr lvl="2" algn="ctr">
               <a:spcBef>
                 <a:spcPts val="0"/>
               </a:spcBef>
-              <a:buSzPct val="100000"/>
+              <a:buSzPts val="4000"/>
+              <a:buNone/>
               <a:defRPr sz="4000"/>
             </a:lvl3pPr>
             <a:lvl4pPr lvl="3" algn="ctr">
               <a:spcBef>
                 <a:spcPts val="0"/>
               </a:spcBef>
-              <a:buSzPct val="100000"/>
+              <a:buSzPts val="4000"/>
+              <a:buNone/>
               <a:defRPr sz="4000"/>
             </a:lvl4pPr>
             <a:lvl5pPr lvl="4" algn="ctr">
               <a:spcBef>
                 <a:spcPts val="0"/>
               </a:spcBef>
-              <a:buSzPct val="100000"/>
+              <a:buSzPts val="4000"/>
+              <a:buNone/>
               <a:defRPr sz="4000"/>
             </a:lvl5pPr>
             <a:lvl6pPr lvl="5" algn="ctr">
               <a:spcBef>
                 <a:spcPts val="0"/>
               </a:spcBef>
-              <a:buSzPct val="100000"/>
+              <a:buSzPts val="4000"/>
+              <a:buNone/>
               <a:defRPr sz="4000"/>
             </a:lvl6pPr>
             <a:lvl7pPr lvl="6" algn="ctr">
               <a:spcBef>
                 <a:spcPts val="0"/>
               </a:spcBef>
-              <a:buSzPct val="100000"/>
+              <a:buSzPts val="4000"/>
+              <a:buNone/>
               <a:defRPr sz="4000"/>
             </a:lvl7pPr>
             <a:lvl8pPr lvl="7" algn="ctr">
               <a:spcBef>
                 <a:spcPts val="0"/>
               </a:spcBef>
-              <a:buSzPct val="100000"/>
+              <a:buSzPts val="4000"/>
+              <a:buNone/>
               <a:defRPr sz="4000"/>
             </a:lvl8pPr>
             <a:lvl9pPr lvl="8" algn="ctr">
               <a:spcBef>
                 <a:spcPts val="0"/>
               </a:spcBef>
-              <a:buSzPct val="100000"/>
+              <a:buSzPts val="4000"/>
+              <a:buNone/>
               <a:defRPr sz="4000"/>
             </a:lvl9pPr>
           </a:lstStyle>
@@ -2272,7 +2397,7 @@
               <a:buClr>
                 <a:schemeClr val="accent5"/>
               </a:buClr>
-              <a:buSzPct val="100000"/>
+              <a:buSzPts val="2400"/>
               <a:buFont typeface="Roboto Slab"/>
               <a:buNone/>
               <a:defRPr sz="2400">
@@ -2298,7 +2423,7 @@
               <a:buClr>
                 <a:schemeClr val="accent5"/>
               </a:buClr>
-              <a:buSzPct val="100000"/>
+              <a:buSzPts val="2400"/>
               <a:buFont typeface="Roboto Slab"/>
               <a:buNone/>
               <a:defRPr sz="2400">
@@ -2324,7 +2449,7 @@
               <a:buClr>
                 <a:schemeClr val="accent5"/>
               </a:buClr>
-              <a:buSzPct val="100000"/>
+              <a:buSzPts val="2400"/>
               <a:buFont typeface="Roboto Slab"/>
               <a:buNone/>
               <a:defRPr sz="2400">
@@ -2350,7 +2475,7 @@
               <a:buClr>
                 <a:schemeClr val="accent5"/>
               </a:buClr>
-              <a:buSzPct val="100000"/>
+              <a:buSzPts val="2400"/>
               <a:buFont typeface="Roboto Slab"/>
               <a:buNone/>
               <a:defRPr sz="2400">
@@ -2376,7 +2501,7 @@
               <a:buClr>
                 <a:schemeClr val="accent5"/>
               </a:buClr>
-              <a:buSzPct val="100000"/>
+              <a:buSzPts val="2400"/>
               <a:buFont typeface="Roboto Slab"/>
               <a:buNone/>
               <a:defRPr sz="2400">
@@ -2402,7 +2527,7 @@
               <a:buClr>
                 <a:schemeClr val="accent5"/>
               </a:buClr>
-              <a:buSzPct val="100000"/>
+              <a:buSzPts val="2400"/>
               <a:buFont typeface="Roboto Slab"/>
               <a:buNone/>
               <a:defRPr sz="2400">
@@ -2428,7 +2553,7 @@
               <a:buClr>
                 <a:schemeClr val="accent5"/>
               </a:buClr>
-              <a:buSzPct val="100000"/>
+              <a:buSzPts val="2400"/>
               <a:buFont typeface="Roboto Slab"/>
               <a:buNone/>
               <a:defRPr sz="2400">
@@ -2454,7 +2579,7 @@
               <a:buClr>
                 <a:schemeClr val="accent5"/>
               </a:buClr>
-              <a:buSzPct val="100000"/>
+              <a:buSzPts val="2400"/>
               <a:buFont typeface="Roboto Slab"/>
               <a:buNone/>
               <a:defRPr sz="2400">
@@ -2480,7 +2605,7 @@
               <a:buClr>
                 <a:schemeClr val="accent5"/>
               </a:buClr>
-              <a:buSzPct val="100000"/>
+              <a:buSzPts val="2400"/>
               <a:buFont typeface="Roboto Slab"/>
               <a:buNone/>
               <a:defRPr sz="2400">
@@ -2625,7 +2750,8 @@
               <a:buClr>
                 <a:schemeClr val="accent5"/>
               </a:buClr>
-              <a:buSzPct val="100000"/>
+              <a:buSzPts val="13000"/>
+              <a:buNone/>
               <a:defRPr sz="13000">
                 <a:solidFill>
                   <a:schemeClr val="accent5"/>
@@ -2639,7 +2765,8 @@
               <a:buClr>
                 <a:schemeClr val="accent5"/>
               </a:buClr>
-              <a:buSzPct val="100000"/>
+              <a:buSzPts val="13000"/>
+              <a:buNone/>
               <a:defRPr sz="13000">
                 <a:solidFill>
                   <a:schemeClr val="accent5"/>
@@ -2653,7 +2780,8 @@
               <a:buClr>
                 <a:schemeClr val="accent5"/>
               </a:buClr>
-              <a:buSzPct val="100000"/>
+              <a:buSzPts val="13000"/>
+              <a:buNone/>
               <a:defRPr sz="13000">
                 <a:solidFill>
                   <a:schemeClr val="accent5"/>
@@ -2667,7 +2795,8 @@
               <a:buClr>
                 <a:schemeClr val="accent5"/>
               </a:buClr>
-              <a:buSzPct val="100000"/>
+              <a:buSzPts val="13000"/>
+              <a:buNone/>
               <a:defRPr sz="13000">
                 <a:solidFill>
                   <a:schemeClr val="accent5"/>
@@ -2681,7 +2810,8 @@
               <a:buClr>
                 <a:schemeClr val="accent5"/>
               </a:buClr>
-              <a:buSzPct val="100000"/>
+              <a:buSzPts val="13000"/>
+              <a:buNone/>
               <a:defRPr sz="13000">
                 <a:solidFill>
                   <a:schemeClr val="accent5"/>
@@ -2695,7 +2825,8 @@
               <a:buClr>
                 <a:schemeClr val="accent5"/>
               </a:buClr>
-              <a:buSzPct val="100000"/>
+              <a:buSzPts val="13000"/>
+              <a:buNone/>
               <a:defRPr sz="13000">
                 <a:solidFill>
                   <a:schemeClr val="accent5"/>
@@ -2709,7 +2840,8 @@
               <a:buClr>
                 <a:schemeClr val="accent5"/>
               </a:buClr>
-              <a:buSzPct val="100000"/>
+              <a:buSzPts val="13000"/>
+              <a:buNone/>
               <a:defRPr sz="13000">
                 <a:solidFill>
                   <a:schemeClr val="accent5"/>
@@ -2723,7 +2855,8 @@
               <a:buClr>
                 <a:schemeClr val="accent5"/>
               </a:buClr>
-              <a:buSzPct val="100000"/>
+              <a:buSzPts val="13000"/>
+              <a:buNone/>
               <a:defRPr sz="13000">
                 <a:solidFill>
                   <a:schemeClr val="accent5"/>
@@ -2737,7 +2870,8 @@
               <a:buClr>
                 <a:schemeClr val="accent5"/>
               </a:buClr>
-              <a:buSzPct val="100000"/>
+              <a:buSzPts val="13000"/>
+              <a:buNone/>
               <a:defRPr sz="13000">
                 <a:solidFill>
                   <a:schemeClr val="accent5"/>
@@ -2772,54 +2906,72 @@
               <a:spcBef>
                 <a:spcPts val="0"/>
               </a:spcBef>
+              <a:buSzPts val="1800"/>
+              <a:buChar char="●"/>
               <a:defRPr/>
             </a:lvl1pPr>
             <a:lvl2pPr lvl="1" algn="ctr">
               <a:spcBef>
                 <a:spcPts val="0"/>
               </a:spcBef>
+              <a:buSzPts val="1400"/>
+              <a:buChar char="○"/>
               <a:defRPr/>
             </a:lvl2pPr>
             <a:lvl3pPr lvl="2" algn="ctr">
               <a:spcBef>
                 <a:spcPts val="0"/>
               </a:spcBef>
+              <a:buSzPts val="1400"/>
+              <a:buChar char="■"/>
               <a:defRPr/>
             </a:lvl3pPr>
             <a:lvl4pPr lvl="3" algn="ctr">
               <a:spcBef>
                 <a:spcPts val="0"/>
               </a:spcBef>
+              <a:buSzPts val="1400"/>
+              <a:buChar char="●"/>
               <a:defRPr/>
             </a:lvl4pPr>
             <a:lvl5pPr lvl="4" algn="ctr">
               <a:spcBef>
                 <a:spcPts val="0"/>
               </a:spcBef>
+              <a:buSzPts val="1400"/>
+              <a:buChar char="○"/>
               <a:defRPr/>
             </a:lvl5pPr>
             <a:lvl6pPr lvl="5" algn="ctr">
               <a:spcBef>
                 <a:spcPts val="0"/>
               </a:spcBef>
+              <a:buSzPts val="1400"/>
+              <a:buChar char="■"/>
               <a:defRPr/>
             </a:lvl6pPr>
             <a:lvl7pPr lvl="6" algn="ctr">
               <a:spcBef>
                 <a:spcPts val="0"/>
               </a:spcBef>
+              <a:buSzPts val="1400"/>
+              <a:buChar char="●"/>
               <a:defRPr/>
             </a:lvl7pPr>
             <a:lvl8pPr lvl="7" algn="ctr">
               <a:spcBef>
                 <a:spcPts val="0"/>
               </a:spcBef>
+              <a:buSzPts val="1400"/>
+              <a:buChar char="○"/>
               <a:defRPr/>
             </a:lvl8pPr>
             <a:lvl9pPr lvl="8" algn="ctr">
               <a:spcBef>
                 <a:spcPts val="0"/>
               </a:spcBef>
+              <a:buSzPts val="1400"/>
+              <a:buChar char="■"/>
               <a:defRPr/>
             </a:lvl9pPr>
           </a:lstStyle>
@@ -2998,63 +3150,72 @@
               <a:spcBef>
                 <a:spcPts val="0"/>
               </a:spcBef>
-              <a:buSzPct val="100000"/>
+              <a:buSzPts val="4800"/>
+              <a:buNone/>
               <a:defRPr sz="4800"/>
             </a:lvl1pPr>
             <a:lvl2pPr lvl="1" algn="ctr">
               <a:spcBef>
                 <a:spcPts val="0"/>
               </a:spcBef>
-              <a:buSzPct val="100000"/>
+              <a:buSzPts val="4800"/>
+              <a:buNone/>
               <a:defRPr sz="4800"/>
             </a:lvl2pPr>
             <a:lvl3pPr lvl="2" algn="ctr">
               <a:spcBef>
                 <a:spcPts val="0"/>
               </a:spcBef>
-              <a:buSzPct val="100000"/>
+              <a:buSzPts val="4800"/>
+              <a:buNone/>
               <a:defRPr sz="4800"/>
             </a:lvl3pPr>
             <a:lvl4pPr lvl="3" algn="ctr">
               <a:spcBef>
                 <a:spcPts val="0"/>
               </a:spcBef>
-              <a:buSzPct val="100000"/>
+              <a:buSzPts val="4800"/>
+              <a:buNone/>
               <a:defRPr sz="4800"/>
             </a:lvl4pPr>
             <a:lvl5pPr lvl="4" algn="ctr">
               <a:spcBef>
                 <a:spcPts val="0"/>
               </a:spcBef>
-              <a:buSzPct val="100000"/>
+              <a:buSzPts val="4800"/>
+              <a:buNone/>
               <a:defRPr sz="4800"/>
             </a:lvl5pPr>
             <a:lvl6pPr lvl="5" algn="ctr">
               <a:spcBef>
                 <a:spcPts val="0"/>
               </a:spcBef>
-              <a:buSzPct val="100000"/>
+              <a:buSzPts val="4800"/>
+              <a:buNone/>
               <a:defRPr sz="4800"/>
             </a:lvl6pPr>
             <a:lvl7pPr lvl="6" algn="ctr">
               <a:spcBef>
                 <a:spcPts val="0"/>
               </a:spcBef>
-              <a:buSzPct val="100000"/>
+              <a:buSzPts val="4800"/>
+              <a:buNone/>
               <a:defRPr sz="4800"/>
             </a:lvl7pPr>
             <a:lvl8pPr lvl="7" algn="ctr">
               <a:spcBef>
                 <a:spcPts val="0"/>
               </a:spcBef>
-              <a:buSzPct val="100000"/>
+              <a:buSzPts val="4800"/>
+              <a:buNone/>
               <a:defRPr sz="4800"/>
             </a:lvl8pPr>
             <a:lvl9pPr lvl="8" algn="ctr">
               <a:spcBef>
                 <a:spcPts val="0"/>
               </a:spcBef>
-              <a:buSzPct val="100000"/>
+              <a:buSzPts val="4800"/>
+              <a:buNone/>
               <a:defRPr sz="4800"/>
             </a:lvl9pPr>
           </a:lstStyle>
@@ -3172,54 +3333,72 @@
               <a:spcBef>
                 <a:spcPts val="0"/>
               </a:spcBef>
+              <a:buSzPts val="3000"/>
+              <a:buNone/>
               <a:defRPr/>
             </a:lvl1pPr>
             <a:lvl2pPr lvl="1">
               <a:spcBef>
                 <a:spcPts val="0"/>
               </a:spcBef>
+              <a:buSzPts val="3000"/>
+              <a:buNone/>
               <a:defRPr/>
             </a:lvl2pPr>
             <a:lvl3pPr lvl="2">
               <a:spcBef>
                 <a:spcPts val="0"/>
               </a:spcBef>
+              <a:buSzPts val="3000"/>
+              <a:buNone/>
               <a:defRPr/>
             </a:lvl3pPr>
             <a:lvl4pPr lvl="3">
               <a:spcBef>
                 <a:spcPts val="0"/>
               </a:spcBef>
+              <a:buSzPts val="3000"/>
+              <a:buNone/>
               <a:defRPr/>
             </a:lvl4pPr>
             <a:lvl5pPr lvl="4">
               <a:spcBef>
                 <a:spcPts val="0"/>
               </a:spcBef>
+              <a:buSzPts val="3000"/>
+              <a:buNone/>
               <a:defRPr/>
             </a:lvl5pPr>
             <a:lvl6pPr lvl="5">
               <a:spcBef>
                 <a:spcPts val="0"/>
               </a:spcBef>
+              <a:buSzPts val="3000"/>
+              <a:buNone/>
               <a:defRPr/>
             </a:lvl6pPr>
             <a:lvl7pPr lvl="6">
               <a:spcBef>
                 <a:spcPts val="0"/>
               </a:spcBef>
+              <a:buSzPts val="3000"/>
+              <a:buNone/>
               <a:defRPr/>
             </a:lvl7pPr>
             <a:lvl8pPr lvl="7">
               <a:spcBef>
                 <a:spcPts val="0"/>
               </a:spcBef>
+              <a:buSzPts val="3000"/>
+              <a:buNone/>
               <a:defRPr/>
             </a:lvl8pPr>
             <a:lvl9pPr lvl="8">
               <a:spcBef>
                 <a:spcPts val="0"/>
               </a:spcBef>
+              <a:buSzPts val="3000"/>
+              <a:buNone/>
               <a:defRPr/>
             </a:lvl9pPr>
           </a:lstStyle>
@@ -3250,54 +3429,72 @@
               <a:spcBef>
                 <a:spcPts val="0"/>
               </a:spcBef>
+              <a:buSzPts val="1800"/>
+              <a:buChar char="●"/>
               <a:defRPr/>
             </a:lvl1pPr>
             <a:lvl2pPr lvl="1">
               <a:spcBef>
                 <a:spcPts val="0"/>
               </a:spcBef>
+              <a:buSzPts val="1400"/>
+              <a:buChar char="○"/>
               <a:defRPr/>
             </a:lvl2pPr>
             <a:lvl3pPr lvl="2">
               <a:spcBef>
                 <a:spcPts val="0"/>
               </a:spcBef>
+              <a:buSzPts val="1400"/>
+              <a:buChar char="■"/>
               <a:defRPr/>
             </a:lvl3pPr>
             <a:lvl4pPr lvl="3">
               <a:spcBef>
                 <a:spcPts val="0"/>
               </a:spcBef>
+              <a:buSzPts val="1400"/>
+              <a:buChar char="●"/>
               <a:defRPr/>
             </a:lvl4pPr>
             <a:lvl5pPr lvl="4">
               <a:spcBef>
                 <a:spcPts val="0"/>
               </a:spcBef>
+              <a:buSzPts val="1400"/>
+              <a:buChar char="○"/>
               <a:defRPr/>
             </a:lvl5pPr>
             <a:lvl6pPr lvl="5">
               <a:spcBef>
                 <a:spcPts val="0"/>
               </a:spcBef>
+              <a:buSzPts val="1400"/>
+              <a:buChar char="■"/>
               <a:defRPr/>
             </a:lvl6pPr>
             <a:lvl7pPr lvl="6">
               <a:spcBef>
                 <a:spcPts val="0"/>
               </a:spcBef>
+              <a:buSzPts val="1400"/>
+              <a:buChar char="●"/>
               <a:defRPr/>
             </a:lvl7pPr>
             <a:lvl8pPr lvl="7">
               <a:spcBef>
                 <a:spcPts val="0"/>
               </a:spcBef>
+              <a:buSzPts val="1400"/>
+              <a:buChar char="○"/>
               <a:defRPr/>
             </a:lvl8pPr>
             <a:lvl9pPr lvl="8">
               <a:spcBef>
                 <a:spcPts val="0"/>
               </a:spcBef>
+              <a:buSzPts val="1400"/>
+              <a:buChar char="■"/>
               <a:defRPr/>
             </a:lvl9pPr>
           </a:lstStyle>
@@ -3415,54 +3612,72 @@
               <a:spcBef>
                 <a:spcPts val="0"/>
               </a:spcBef>
+              <a:buSzPts val="3000"/>
+              <a:buNone/>
               <a:defRPr/>
             </a:lvl1pPr>
             <a:lvl2pPr lvl="1">
               <a:spcBef>
                 <a:spcPts val="0"/>
               </a:spcBef>
+              <a:buSzPts val="3000"/>
+              <a:buNone/>
               <a:defRPr/>
             </a:lvl2pPr>
             <a:lvl3pPr lvl="2">
               <a:spcBef>
                 <a:spcPts val="0"/>
               </a:spcBef>
+              <a:buSzPts val="3000"/>
+              <a:buNone/>
               <a:defRPr/>
             </a:lvl3pPr>
             <a:lvl4pPr lvl="3">
               <a:spcBef>
                 <a:spcPts val="0"/>
               </a:spcBef>
+              <a:buSzPts val="3000"/>
+              <a:buNone/>
               <a:defRPr/>
             </a:lvl4pPr>
             <a:lvl5pPr lvl="4">
               <a:spcBef>
                 <a:spcPts val="0"/>
               </a:spcBef>
+              <a:buSzPts val="3000"/>
+              <a:buNone/>
               <a:defRPr/>
             </a:lvl5pPr>
             <a:lvl6pPr lvl="5">
               <a:spcBef>
                 <a:spcPts val="0"/>
               </a:spcBef>
+              <a:buSzPts val="3000"/>
+              <a:buNone/>
               <a:defRPr/>
             </a:lvl6pPr>
             <a:lvl7pPr lvl="6">
               <a:spcBef>
                 <a:spcPts val="0"/>
               </a:spcBef>
+              <a:buSzPts val="3000"/>
+              <a:buNone/>
               <a:defRPr/>
             </a:lvl7pPr>
             <a:lvl8pPr lvl="7">
               <a:spcBef>
                 <a:spcPts val="0"/>
               </a:spcBef>
+              <a:buSzPts val="3000"/>
+              <a:buNone/>
               <a:defRPr/>
             </a:lvl8pPr>
             <a:lvl9pPr lvl="8">
               <a:spcBef>
                 <a:spcPts val="0"/>
               </a:spcBef>
+              <a:buSzPts val="3000"/>
+              <a:buNone/>
               <a:defRPr/>
             </a:lvl9pPr>
           </a:lstStyle>
@@ -3493,63 +3708,72 @@
               <a:spcBef>
                 <a:spcPts val="0"/>
               </a:spcBef>
-              <a:buSzPct val="100000"/>
+              <a:buSzPts val="1400"/>
+              <a:buChar char="●"/>
               <a:defRPr sz="1400"/>
             </a:lvl1pPr>
             <a:lvl2pPr lvl="1">
               <a:spcBef>
                 <a:spcPts val="0"/>
               </a:spcBef>
-              <a:buSzPct val="100000"/>
+              <a:buSzPts val="1200"/>
+              <a:buChar char="○"/>
               <a:defRPr sz="1200"/>
             </a:lvl2pPr>
             <a:lvl3pPr lvl="2">
               <a:spcBef>
                 <a:spcPts val="0"/>
               </a:spcBef>
-              <a:buSzPct val="100000"/>
+              <a:buSzPts val="1200"/>
+              <a:buChar char="■"/>
               <a:defRPr sz="1200"/>
             </a:lvl3pPr>
             <a:lvl4pPr lvl="3">
               <a:spcBef>
                 <a:spcPts val="0"/>
               </a:spcBef>
-              <a:buSzPct val="100000"/>
+              <a:buSzPts val="1200"/>
+              <a:buChar char="●"/>
               <a:defRPr sz="1200"/>
             </a:lvl4pPr>
             <a:lvl5pPr lvl="4">
               <a:spcBef>
                 <a:spcPts val="0"/>
               </a:spcBef>
-              <a:buSzPct val="100000"/>
+              <a:buSzPts val="1200"/>
+              <a:buChar char="○"/>
               <a:defRPr sz="1200"/>
             </a:lvl5pPr>
             <a:lvl6pPr lvl="5">
               <a:spcBef>
                 <a:spcPts val="0"/>
               </a:spcBef>
-              <a:buSzPct val="100000"/>
+              <a:buSzPts val="1200"/>
+              <a:buChar char="■"/>
               <a:defRPr sz="1200"/>
             </a:lvl6pPr>
             <a:lvl7pPr lvl="6">
               <a:spcBef>
                 <a:spcPts val="0"/>
               </a:spcBef>
-              <a:buSzPct val="100000"/>
+              <a:buSzPts val="1200"/>
+              <a:buChar char="●"/>
               <a:defRPr sz="1200"/>
             </a:lvl7pPr>
             <a:lvl8pPr lvl="7">
               <a:spcBef>
                 <a:spcPts val="0"/>
               </a:spcBef>
-              <a:buSzPct val="100000"/>
+              <a:buSzPts val="1200"/>
+              <a:buChar char="○"/>
               <a:defRPr sz="1200"/>
             </a:lvl8pPr>
             <a:lvl9pPr lvl="8">
               <a:spcBef>
                 <a:spcPts val="0"/>
               </a:spcBef>
-              <a:buSzPct val="100000"/>
+              <a:buSzPts val="1200"/>
+              <a:buChar char="■"/>
               <a:defRPr sz="1200"/>
             </a:lvl9pPr>
           </a:lstStyle>
@@ -3580,63 +3804,72 @@
               <a:spcBef>
                 <a:spcPts val="0"/>
               </a:spcBef>
-              <a:buSzPct val="100000"/>
+              <a:buSzPts val="1400"/>
+              <a:buChar char="●"/>
               <a:defRPr sz="1400"/>
             </a:lvl1pPr>
             <a:lvl2pPr lvl="1">
               <a:spcBef>
                 <a:spcPts val="0"/>
               </a:spcBef>
-              <a:buSzPct val="100000"/>
+              <a:buSzPts val="1200"/>
+              <a:buChar char="○"/>
               <a:defRPr sz="1200"/>
             </a:lvl2pPr>
             <a:lvl3pPr lvl="2">
               <a:spcBef>
                 <a:spcPts val="0"/>
               </a:spcBef>
-              <a:buSzPct val="100000"/>
+              <a:buSzPts val="1200"/>
+              <a:buChar char="■"/>
               <a:defRPr sz="1200"/>
             </a:lvl3pPr>
             <a:lvl4pPr lvl="3">
               <a:spcBef>
                 <a:spcPts val="0"/>
               </a:spcBef>
-              <a:buSzPct val="100000"/>
+              <a:buSzPts val="1200"/>
+              <a:buChar char="●"/>
               <a:defRPr sz="1200"/>
             </a:lvl4pPr>
             <a:lvl5pPr lvl="4">
               <a:spcBef>
                 <a:spcPts val="0"/>
               </a:spcBef>
-              <a:buSzPct val="100000"/>
+              <a:buSzPts val="1200"/>
+              <a:buChar char="○"/>
               <a:defRPr sz="1200"/>
             </a:lvl5pPr>
             <a:lvl6pPr lvl="5">
               <a:spcBef>
                 <a:spcPts val="0"/>
               </a:spcBef>
-              <a:buSzPct val="100000"/>
+              <a:buSzPts val="1200"/>
+              <a:buChar char="■"/>
               <a:defRPr sz="1200"/>
             </a:lvl6pPr>
             <a:lvl7pPr lvl="6">
               <a:spcBef>
                 <a:spcPts val="0"/>
               </a:spcBef>
-              <a:buSzPct val="100000"/>
+              <a:buSzPts val="1200"/>
+              <a:buChar char="●"/>
               <a:defRPr sz="1200"/>
             </a:lvl7pPr>
             <a:lvl8pPr lvl="7">
               <a:spcBef>
                 <a:spcPts val="0"/>
               </a:spcBef>
-              <a:buSzPct val="100000"/>
+              <a:buSzPts val="1200"/>
+              <a:buChar char="○"/>
               <a:defRPr sz="1200"/>
             </a:lvl8pPr>
             <a:lvl9pPr lvl="8">
               <a:spcBef>
                 <a:spcPts val="0"/>
               </a:spcBef>
-              <a:buSzPct val="100000"/>
+              <a:buSzPts val="1200"/>
+              <a:buChar char="■"/>
               <a:defRPr sz="1200"/>
             </a:lvl9pPr>
           </a:lstStyle>
@@ -3728,54 +3961,72 @@
               <a:spcBef>
                 <a:spcPts val="0"/>
               </a:spcBef>
+              <a:buSzPts val="3000"/>
+              <a:buNone/>
               <a:defRPr/>
             </a:lvl1pPr>
             <a:lvl2pPr lvl="1">
               <a:spcBef>
                 <a:spcPts val="0"/>
               </a:spcBef>
+              <a:buSzPts val="3000"/>
+              <a:buNone/>
               <a:defRPr/>
             </a:lvl2pPr>
             <a:lvl3pPr lvl="2">
               <a:spcBef>
                 <a:spcPts val="0"/>
               </a:spcBef>
+              <a:buSzPts val="3000"/>
+              <a:buNone/>
               <a:defRPr/>
             </a:lvl3pPr>
             <a:lvl4pPr lvl="3">
               <a:spcBef>
                 <a:spcPts val="0"/>
               </a:spcBef>
+              <a:buSzPts val="3000"/>
+              <a:buNone/>
               <a:defRPr/>
             </a:lvl4pPr>
             <a:lvl5pPr lvl="4">
               <a:spcBef>
                 <a:spcPts val="0"/>
               </a:spcBef>
+              <a:buSzPts val="3000"/>
+              <a:buNone/>
               <a:defRPr/>
             </a:lvl5pPr>
             <a:lvl6pPr lvl="5">
               <a:spcBef>
                 <a:spcPts val="0"/>
               </a:spcBef>
+              <a:buSzPts val="3000"/>
+              <a:buNone/>
               <a:defRPr/>
             </a:lvl6pPr>
             <a:lvl7pPr lvl="6">
               <a:spcBef>
                 <a:spcPts val="0"/>
               </a:spcBef>
+              <a:buSzPts val="3000"/>
+              <a:buNone/>
               <a:defRPr/>
             </a:lvl7pPr>
             <a:lvl8pPr lvl="7">
               <a:spcBef>
                 <a:spcPts val="0"/>
               </a:spcBef>
+              <a:buSzPts val="3000"/>
+              <a:buNone/>
               <a:defRPr/>
             </a:lvl8pPr>
             <a:lvl9pPr lvl="8">
               <a:spcBef>
                 <a:spcPts val="0"/>
               </a:spcBef>
+              <a:buSzPts val="3000"/>
+              <a:buNone/>
               <a:defRPr/>
             </a:lvl9pPr>
           </a:lstStyle>
@@ -3893,63 +4144,72 @@
               <a:spcBef>
                 <a:spcPts val="0"/>
               </a:spcBef>
-              <a:buSzPct val="100000"/>
+              <a:buSzPts val="2400"/>
+              <a:buNone/>
               <a:defRPr sz="2400"/>
             </a:lvl1pPr>
             <a:lvl2pPr lvl="1">
               <a:spcBef>
                 <a:spcPts val="0"/>
               </a:spcBef>
-              <a:buSzPct val="100000"/>
+              <a:buSzPts val="2400"/>
+              <a:buNone/>
               <a:defRPr sz="2400"/>
             </a:lvl2pPr>
             <a:lvl3pPr lvl="2">
               <a:spcBef>
                 <a:spcPts val="0"/>
               </a:spcBef>
-              <a:buSzPct val="100000"/>
+              <a:buSzPts val="2400"/>
+              <a:buNone/>
               <a:defRPr sz="2400"/>
             </a:lvl3pPr>
             <a:lvl4pPr lvl="3">
               <a:spcBef>
                 <a:spcPts val="0"/>
               </a:spcBef>
-              <a:buSzPct val="100000"/>
+              <a:buSzPts val="2400"/>
+              <a:buNone/>
               <a:defRPr sz="2400"/>
             </a:lvl4pPr>
             <a:lvl5pPr lvl="4">
               <a:spcBef>
                 <a:spcPts val="0"/>
               </a:spcBef>
-              <a:buSzPct val="100000"/>
+              <a:buSzPts val="2400"/>
+              <a:buNone/>
               <a:defRPr sz="2400"/>
             </a:lvl5pPr>
             <a:lvl6pPr lvl="5">
               <a:spcBef>
                 <a:spcPts val="0"/>
               </a:spcBef>
-              <a:buSzPct val="100000"/>
+              <a:buSzPts val="2400"/>
+              <a:buNone/>
               <a:defRPr sz="2400"/>
             </a:lvl6pPr>
             <a:lvl7pPr lvl="6">
               <a:spcBef>
                 <a:spcPts val="0"/>
               </a:spcBef>
-              <a:buSzPct val="100000"/>
+              <a:buSzPts val="2400"/>
+              <a:buNone/>
               <a:defRPr sz="2400"/>
             </a:lvl7pPr>
             <a:lvl8pPr lvl="7">
               <a:spcBef>
                 <a:spcPts val="0"/>
               </a:spcBef>
-              <a:buSzPct val="100000"/>
+              <a:buSzPts val="2400"/>
+              <a:buNone/>
               <a:defRPr sz="2400"/>
             </a:lvl8pPr>
             <a:lvl9pPr lvl="8">
               <a:spcBef>
                 <a:spcPts val="0"/>
               </a:spcBef>
-              <a:buSzPct val="100000"/>
+              <a:buSzPts val="2400"/>
+              <a:buNone/>
               <a:defRPr sz="2400"/>
             </a:lvl9pPr>
           </a:lstStyle>
@@ -3980,63 +4240,72 @@
               <a:spcBef>
                 <a:spcPts val="0"/>
               </a:spcBef>
-              <a:buSzPct val="100000"/>
+              <a:buSzPts val="1200"/>
+              <a:buChar char="●"/>
               <a:defRPr sz="1200"/>
             </a:lvl1pPr>
             <a:lvl2pPr lvl="1">
               <a:spcBef>
                 <a:spcPts val="0"/>
               </a:spcBef>
-              <a:buSzPct val="100000"/>
+              <a:buSzPts val="1200"/>
+              <a:buChar char="○"/>
               <a:defRPr sz="1200"/>
             </a:lvl2pPr>
             <a:lvl3pPr lvl="2">
               <a:spcBef>
                 <a:spcPts val="0"/>
               </a:spcBef>
-              <a:buSzPct val="100000"/>
+              <a:buSzPts val="1200"/>
+              <a:buChar char="■"/>
               <a:defRPr sz="1200"/>
             </a:lvl3pPr>
             <a:lvl4pPr lvl="3">
               <a:spcBef>
                 <a:spcPts val="0"/>
               </a:spcBef>
-              <a:buSzPct val="100000"/>
+              <a:buSzPts val="1200"/>
+              <a:buChar char="●"/>
               <a:defRPr sz="1200"/>
             </a:lvl4pPr>
             <a:lvl5pPr lvl="4">
               <a:spcBef>
                 <a:spcPts val="0"/>
               </a:spcBef>
-              <a:buSzPct val="100000"/>
+              <a:buSzPts val="1200"/>
+              <a:buChar char="○"/>
               <a:defRPr sz="1200"/>
             </a:lvl5pPr>
             <a:lvl6pPr lvl="5">
               <a:spcBef>
                 <a:spcPts val="0"/>
               </a:spcBef>
-              <a:buSzPct val="100000"/>
+              <a:buSzPts val="1200"/>
+              <a:buChar char="■"/>
               <a:defRPr sz="1200"/>
             </a:lvl6pPr>
             <a:lvl7pPr lvl="6">
               <a:spcBef>
                 <a:spcPts val="0"/>
               </a:spcBef>
-              <a:buSzPct val="100000"/>
+              <a:buSzPts val="1200"/>
+              <a:buChar char="●"/>
               <a:defRPr sz="1200"/>
             </a:lvl7pPr>
             <a:lvl8pPr lvl="7">
               <a:spcBef>
                 <a:spcPts val="0"/>
               </a:spcBef>
-              <a:buSzPct val="100000"/>
+              <a:buSzPts val="1200"/>
+              <a:buChar char="○"/>
               <a:defRPr sz="1200"/>
             </a:lvl8pPr>
             <a:lvl9pPr lvl="8">
               <a:spcBef>
                 <a:spcPts val="0"/>
               </a:spcBef>
-              <a:buSzPct val="100000"/>
+              <a:buSzPts val="1200"/>
+              <a:buChar char="■"/>
               <a:defRPr sz="1200"/>
             </a:lvl9pPr>
           </a:lstStyle>
@@ -4128,63 +4397,72 @@
               <a:spcBef>
                 <a:spcPts val="0"/>
               </a:spcBef>
-              <a:buSzPct val="100000"/>
+              <a:buSzPts val="4800"/>
+              <a:buNone/>
               <a:defRPr sz="4800"/>
             </a:lvl1pPr>
             <a:lvl2pPr lvl="1">
               <a:spcBef>
                 <a:spcPts val="0"/>
               </a:spcBef>
-              <a:buSzPct val="100000"/>
+              <a:buSzPts val="4800"/>
+              <a:buNone/>
               <a:defRPr sz="4800"/>
             </a:lvl2pPr>
             <a:lvl3pPr lvl="2">
               <a:spcBef>
                 <a:spcPts val="0"/>
               </a:spcBef>
-              <a:buSzPct val="100000"/>
+              <a:buSzPts val="4800"/>
+              <a:buNone/>
               <a:defRPr sz="4800"/>
             </a:lvl3pPr>
             <a:lvl4pPr lvl="3">
               <a:spcBef>
                 <a:spcPts val="0"/>
               </a:spcBef>
-              <a:buSzPct val="100000"/>
+              <a:buSzPts val="4800"/>
+              <a:buNone/>
               <a:defRPr sz="4800"/>
             </a:lvl4pPr>
             <a:lvl5pPr lvl="4">
               <a:spcBef>
                 <a:spcPts val="0"/>
               </a:spcBef>
-              <a:buSzPct val="100000"/>
+              <a:buSzPts val="4800"/>
+              <a:buNone/>
               <a:defRPr sz="4800"/>
             </a:lvl5pPr>
             <a:lvl6pPr lvl="5">
               <a:spcBef>
                 <a:spcPts val="0"/>
               </a:spcBef>
-              <a:buSzPct val="100000"/>
+              <a:buSzPts val="4800"/>
+              <a:buNone/>
               <a:defRPr sz="4800"/>
             </a:lvl6pPr>
             <a:lvl7pPr lvl="6">
               <a:spcBef>
                 <a:spcPts val="0"/>
               </a:spcBef>
-              <a:buSzPct val="100000"/>
+              <a:buSzPts val="4800"/>
+              <a:buNone/>
               <a:defRPr sz="4800"/>
             </a:lvl7pPr>
             <a:lvl8pPr lvl="7">
               <a:spcBef>
                 <a:spcPts val="0"/>
               </a:spcBef>
-              <a:buSzPct val="100000"/>
+              <a:buSzPts val="4800"/>
+              <a:buNone/>
               <a:defRPr sz="4800"/>
             </a:lvl8pPr>
             <a:lvl9pPr lvl="8">
               <a:spcBef>
                 <a:spcPts val="0"/>
               </a:spcBef>
-              <a:buSzPct val="100000"/>
+              <a:buSzPts val="4800"/>
+              <a:buNone/>
               <a:defRPr sz="4800"/>
             </a:lvl9pPr>
           </a:lstStyle>
@@ -4342,63 +4620,72 @@
               <a:spcBef>
                 <a:spcPts val="0"/>
               </a:spcBef>
-              <a:buSzPct val="100000"/>
+              <a:buSzPts val="3800"/>
+              <a:buNone/>
               <a:defRPr sz="3800"/>
             </a:lvl1pPr>
             <a:lvl2pPr lvl="1" algn="ctr">
               <a:spcBef>
                 <a:spcPts val="0"/>
               </a:spcBef>
-              <a:buSzPct val="100000"/>
+              <a:buSzPts val="3800"/>
+              <a:buNone/>
               <a:defRPr sz="3800"/>
             </a:lvl2pPr>
             <a:lvl3pPr lvl="2" algn="ctr">
               <a:spcBef>
                 <a:spcPts val="0"/>
               </a:spcBef>
-              <a:buSzPct val="100000"/>
+              <a:buSzPts val="3800"/>
+              <a:buNone/>
               <a:defRPr sz="3800"/>
             </a:lvl3pPr>
             <a:lvl4pPr lvl="3" algn="ctr">
               <a:spcBef>
                 <a:spcPts val="0"/>
               </a:spcBef>
-              <a:buSzPct val="100000"/>
+              <a:buSzPts val="3800"/>
+              <a:buNone/>
               <a:defRPr sz="3800"/>
             </a:lvl4pPr>
             <a:lvl5pPr lvl="4" algn="ctr">
               <a:spcBef>
                 <a:spcPts val="0"/>
               </a:spcBef>
-              <a:buSzPct val="100000"/>
+              <a:buSzPts val="3800"/>
+              <a:buNone/>
               <a:defRPr sz="3800"/>
             </a:lvl5pPr>
             <a:lvl6pPr lvl="5" algn="ctr">
               <a:spcBef>
                 <a:spcPts val="0"/>
               </a:spcBef>
-              <a:buSzPct val="100000"/>
+              <a:buSzPts val="3800"/>
+              <a:buNone/>
               <a:defRPr sz="3800"/>
             </a:lvl6pPr>
             <a:lvl7pPr lvl="6" algn="ctr">
               <a:spcBef>
                 <a:spcPts val="0"/>
               </a:spcBef>
-              <a:buSzPct val="100000"/>
+              <a:buSzPts val="3800"/>
+              <a:buNone/>
               <a:defRPr sz="3800"/>
             </a:lvl7pPr>
             <a:lvl8pPr lvl="7" algn="ctr">
               <a:spcBef>
                 <a:spcPts val="0"/>
               </a:spcBef>
-              <a:buSzPct val="100000"/>
+              <a:buSzPts val="3800"/>
+              <a:buNone/>
               <a:defRPr sz="3800"/>
             </a:lvl8pPr>
             <a:lvl9pPr lvl="8" algn="ctr">
               <a:spcBef>
                 <a:spcPts val="0"/>
               </a:spcBef>
-              <a:buSzPct val="100000"/>
+              <a:buSzPts val="3800"/>
+              <a:buNone/>
               <a:defRPr sz="3800"/>
             </a:lvl9pPr>
           </a:lstStyle>
@@ -4438,7 +4725,7 @@
               <a:buClr>
                 <a:schemeClr val="accent5"/>
               </a:buClr>
-              <a:buSzPct val="100000"/>
+              <a:buSzPts val="2100"/>
               <a:buNone/>
               <a:defRPr sz="2100">
                 <a:solidFill>
@@ -4459,7 +4746,7 @@
               <a:buClr>
                 <a:schemeClr val="accent5"/>
               </a:buClr>
-              <a:buSzPct val="100000"/>
+              <a:buSzPts val="2100"/>
               <a:buNone/>
               <a:defRPr sz="2100">
                 <a:solidFill>
@@ -4480,7 +4767,7 @@
               <a:buClr>
                 <a:schemeClr val="accent5"/>
               </a:buClr>
-              <a:buSzPct val="100000"/>
+              <a:buSzPts val="2100"/>
               <a:buNone/>
               <a:defRPr sz="2100">
                 <a:solidFill>
@@ -4501,7 +4788,7 @@
               <a:buClr>
                 <a:schemeClr val="accent5"/>
               </a:buClr>
-              <a:buSzPct val="100000"/>
+              <a:buSzPts val="2100"/>
               <a:buNone/>
               <a:defRPr sz="2100">
                 <a:solidFill>
@@ -4522,7 +4809,7 @@
               <a:buClr>
                 <a:schemeClr val="accent5"/>
               </a:buClr>
-              <a:buSzPct val="100000"/>
+              <a:buSzPts val="2100"/>
               <a:buNone/>
               <a:defRPr sz="2100">
                 <a:solidFill>
@@ -4543,7 +4830,7 @@
               <a:buClr>
                 <a:schemeClr val="accent5"/>
               </a:buClr>
-              <a:buSzPct val="100000"/>
+              <a:buSzPts val="2100"/>
               <a:buNone/>
               <a:defRPr sz="2100">
                 <a:solidFill>
@@ -4564,7 +4851,7 @@
               <a:buClr>
                 <a:schemeClr val="accent5"/>
               </a:buClr>
-              <a:buSzPct val="100000"/>
+              <a:buSzPts val="2100"/>
               <a:buNone/>
               <a:defRPr sz="2100">
                 <a:solidFill>
@@ -4585,7 +4872,7 @@
               <a:buClr>
                 <a:schemeClr val="accent5"/>
               </a:buClr>
-              <a:buSzPct val="100000"/>
+              <a:buSzPts val="2100"/>
               <a:buNone/>
               <a:defRPr sz="2100">
                 <a:solidFill>
@@ -4606,7 +4893,7 @@
               <a:buClr>
                 <a:schemeClr val="accent5"/>
               </a:buClr>
-              <a:buSzPct val="100000"/>
+              <a:buSzPts val="2100"/>
               <a:buNone/>
               <a:defRPr sz="2100">
                 <a:solidFill>
@@ -4642,54 +4929,72 @@
               <a:spcBef>
                 <a:spcPts val="0"/>
               </a:spcBef>
+              <a:buSzPts val="1800"/>
+              <a:buChar char="●"/>
               <a:defRPr/>
             </a:lvl1pPr>
             <a:lvl2pPr lvl="1">
               <a:spcBef>
                 <a:spcPts val="0"/>
               </a:spcBef>
+              <a:buSzPts val="1400"/>
+              <a:buChar char="○"/>
               <a:defRPr/>
             </a:lvl2pPr>
             <a:lvl3pPr lvl="2">
               <a:spcBef>
                 <a:spcPts val="0"/>
               </a:spcBef>
+              <a:buSzPts val="1400"/>
+              <a:buChar char="■"/>
               <a:defRPr/>
             </a:lvl3pPr>
             <a:lvl4pPr lvl="3">
               <a:spcBef>
                 <a:spcPts val="0"/>
               </a:spcBef>
+              <a:buSzPts val="1400"/>
+              <a:buChar char="●"/>
               <a:defRPr/>
             </a:lvl4pPr>
             <a:lvl5pPr lvl="4">
               <a:spcBef>
                 <a:spcPts val="0"/>
               </a:spcBef>
+              <a:buSzPts val="1400"/>
+              <a:buChar char="○"/>
               <a:defRPr/>
             </a:lvl5pPr>
             <a:lvl6pPr lvl="5">
               <a:spcBef>
                 <a:spcPts val="0"/>
               </a:spcBef>
+              <a:buSzPts val="1400"/>
+              <a:buChar char="■"/>
               <a:defRPr/>
             </a:lvl6pPr>
             <a:lvl7pPr lvl="6">
               <a:spcBef>
                 <a:spcPts val="0"/>
               </a:spcBef>
+              <a:buSzPts val="1400"/>
+              <a:buChar char="●"/>
               <a:defRPr/>
             </a:lvl7pPr>
             <a:lvl8pPr lvl="7">
               <a:spcBef>
                 <a:spcPts val="0"/>
               </a:spcBef>
+              <a:buSzPts val="1400"/>
+              <a:buChar char="○"/>
               <a:defRPr/>
             </a:lvl8pPr>
             <a:lvl9pPr lvl="8">
               <a:spcBef>
                 <a:spcPts val="0"/>
               </a:spcBef>
+              <a:buSzPts val="1400"/>
+              <a:buChar char="■"/>
               <a:defRPr/>
             </a:lvl9pPr>
           </a:lstStyle>
@@ -4787,6 +5092,7 @@
               <a:spcAft>
                 <a:spcPts val="0"/>
               </a:spcAft>
+              <a:buSzPts val="1800"/>
               <a:buFont typeface="Roboto Slab"/>
               <a:buNone/>
               <a:defRPr>
@@ -4899,7 +5205,7 @@
               <a:buClr>
                 <a:schemeClr val="dk1"/>
               </a:buClr>
-              <a:buSzPct val="100000"/>
+              <a:buSzPts val="3000"/>
               <a:buFont typeface="Roboto Slab"/>
               <a:buNone/>
               <a:defRPr sz="3000">
@@ -4919,7 +5225,7 @@
               <a:buClr>
                 <a:schemeClr val="dk1"/>
               </a:buClr>
-              <a:buSzPct val="100000"/>
+              <a:buSzPts val="3000"/>
               <a:buFont typeface="Roboto Slab"/>
               <a:buNone/>
               <a:defRPr sz="3000">
@@ -4939,7 +5245,7 @@
               <a:buClr>
                 <a:schemeClr val="dk1"/>
               </a:buClr>
-              <a:buSzPct val="100000"/>
+              <a:buSzPts val="3000"/>
               <a:buFont typeface="Roboto Slab"/>
               <a:buNone/>
               <a:defRPr sz="3000">
@@ -4959,7 +5265,7 @@
               <a:buClr>
                 <a:schemeClr val="dk1"/>
               </a:buClr>
-              <a:buSzPct val="100000"/>
+              <a:buSzPts val="3000"/>
               <a:buFont typeface="Roboto Slab"/>
               <a:buNone/>
               <a:defRPr sz="3000">
@@ -4979,7 +5285,7 @@
               <a:buClr>
                 <a:schemeClr val="dk1"/>
               </a:buClr>
-              <a:buSzPct val="100000"/>
+              <a:buSzPts val="3000"/>
               <a:buFont typeface="Roboto Slab"/>
               <a:buNone/>
               <a:defRPr sz="3000">
@@ -4999,7 +5305,7 @@
               <a:buClr>
                 <a:schemeClr val="dk1"/>
               </a:buClr>
-              <a:buSzPct val="100000"/>
+              <a:buSzPts val="3000"/>
               <a:buFont typeface="Roboto Slab"/>
               <a:buNone/>
               <a:defRPr sz="3000">
@@ -5019,7 +5325,7 @@
               <a:buClr>
                 <a:schemeClr val="dk1"/>
               </a:buClr>
-              <a:buSzPct val="100000"/>
+              <a:buSzPts val="3000"/>
               <a:buFont typeface="Roboto Slab"/>
               <a:buNone/>
               <a:defRPr sz="3000">
@@ -5039,7 +5345,7 @@
               <a:buClr>
                 <a:schemeClr val="dk1"/>
               </a:buClr>
-              <a:buSzPct val="100000"/>
+              <a:buSzPts val="3000"/>
               <a:buFont typeface="Roboto Slab"/>
               <a:buNone/>
               <a:defRPr sz="3000">
@@ -5059,7 +5365,7 @@
               <a:buClr>
                 <a:schemeClr val="dk1"/>
               </a:buClr>
-              <a:buSzPct val="100000"/>
+              <a:buSzPts val="3000"/>
               <a:buFont typeface="Roboto Slab"/>
               <a:buNone/>
               <a:defRPr sz="3000">
@@ -5113,7 +5419,7 @@
               <a:buClr>
                 <a:schemeClr val="dk1"/>
               </a:buClr>
-              <a:buSzPct val="100000"/>
+              <a:buSzPts val="1800"/>
               <a:buFont typeface="Roboto"/>
               <a:buChar char="●"/>
               <a:defRPr sz="1800">
@@ -5139,6 +5445,7 @@
               <a:buClr>
                 <a:schemeClr val="dk1"/>
               </a:buClr>
+              <a:buSzPts val="1400"/>
               <a:buFont typeface="Roboto"/>
               <a:buChar char="○"/>
               <a:defRPr>
@@ -5164,6 +5471,7 @@
               <a:buClr>
                 <a:schemeClr val="dk1"/>
               </a:buClr>
+              <a:buSzPts val="1400"/>
               <a:buFont typeface="Roboto"/>
               <a:buChar char="■"/>
               <a:defRPr>
@@ -5189,6 +5497,7 @@
               <a:buClr>
                 <a:schemeClr val="dk1"/>
               </a:buClr>
+              <a:buSzPts val="1400"/>
               <a:buFont typeface="Roboto"/>
               <a:buChar char="●"/>
               <a:defRPr>
@@ -5214,6 +5523,7 @@
               <a:buClr>
                 <a:schemeClr val="dk1"/>
               </a:buClr>
+              <a:buSzPts val="1400"/>
               <a:buFont typeface="Roboto"/>
               <a:buChar char="○"/>
               <a:defRPr>
@@ -5239,6 +5549,7 @@
               <a:buClr>
                 <a:schemeClr val="dk1"/>
               </a:buClr>
+              <a:buSzPts val="1400"/>
               <a:buFont typeface="Roboto"/>
               <a:buChar char="■"/>
               <a:defRPr>
@@ -5264,6 +5575,7 @@
               <a:buClr>
                 <a:schemeClr val="dk1"/>
               </a:buClr>
+              <a:buSzPts val="1400"/>
               <a:buFont typeface="Roboto"/>
               <a:buChar char="●"/>
               <a:defRPr>
@@ -5289,6 +5601,7 @@
               <a:buClr>
                 <a:schemeClr val="dk1"/>
               </a:buClr>
+              <a:buSzPts val="1400"/>
               <a:buFont typeface="Roboto"/>
               <a:buChar char="○"/>
               <a:defRPr>
@@ -5314,6 +5627,7 @@
               <a:buClr>
                 <a:schemeClr val="dk1"/>
               </a:buClr>
+              <a:buSzPts val="1400"/>
               <a:buFont typeface="Roboto"/>
               <a:buChar char="■"/>
               <a:defRPr>
@@ -5865,8 +6179,8 @@
         </p:nvSpPr>
         <p:spPr>
           <a:xfrm>
-            <a:off x="1372050" y="706800"/>
-            <a:ext cx="6876300" cy="1939500"/>
+            <a:off x="1279050" y="706800"/>
+            <a:ext cx="6966300" cy="1939500"/>
           </a:xfrm>
           <a:prstGeom prst="rect">
             <a:avLst/>
@@ -5940,7 +6254,7 @@
   <p:cSld>
     <p:spTree>
       <p:nvGrpSpPr>
-        <p:cNvPr id="120" name="Shape 120"/>
+        <p:cNvPr id="135" name="Shape 135"/>
         <p:cNvGrpSpPr/>
         <p:nvPr/>
       </p:nvGrpSpPr>
@@ -5954,7 +6268,7 @@
       </p:grpSpPr>
       <p:sp>
         <p:nvSpPr>
-          <p:cNvPr id="121" name="Shape 121"/>
+          <p:cNvPr id="136" name="Shape 136"/>
           <p:cNvSpPr txBox="1"/>
           <p:nvPr>
             <p:ph type="title"/>
@@ -5990,7 +6304,7 @@
       </p:sp>
       <p:sp>
         <p:nvSpPr>
-          <p:cNvPr id="122" name="Shape 122"/>
+          <p:cNvPr id="137" name="Shape 137"/>
           <p:cNvSpPr txBox="1"/>
           <p:nvPr>
             <p:ph idx="1" type="body"/>
@@ -6018,7 +6332,8 @@
               <a:spcAft>
                 <a:spcPts val="0"/>
               </a:spcAft>
-              <a:buSzPct val="100000"/>
+              <a:buSzPts val="1800"/>
+              <a:buChar char="●"/>
             </a:pPr>
             <a:r>
               <a:rPr lang="en"/>
@@ -6033,7 +6348,8 @@
               <a:spcAft>
                 <a:spcPts val="0"/>
               </a:spcAft>
-              <a:buSzPct val="100000"/>
+              <a:buSzPts val="1400"/>
+              <a:buChar char="○"/>
             </a:pPr>
             <a:r>
               <a:rPr lang="en"/>
@@ -6048,7 +6364,8 @@
               <a:spcAft>
                 <a:spcPts val="0"/>
               </a:spcAft>
-              <a:buSzPct val="100000"/>
+              <a:buSzPts val="1400"/>
+              <a:buChar char="○"/>
             </a:pPr>
             <a:r>
               <a:rPr lang="en"/>
@@ -6063,7 +6380,8 @@
               <a:spcAft>
                 <a:spcPts val="0"/>
               </a:spcAft>
-              <a:buSzPct val="100000"/>
+              <a:buSzPts val="1400"/>
+              <a:buChar char="○"/>
             </a:pPr>
             <a:r>
               <a:rPr lang="en"/>
@@ -6078,11 +6396,12 @@
               <a:spcAft>
                 <a:spcPts val="0"/>
               </a:spcAft>
-              <a:buSzPct val="100000"/>
+              <a:buSzPts val="1400"/>
+              <a:buChar char="○"/>
             </a:pPr>
             <a:r>
               <a:rPr lang="en"/>
-              <a:t>Takes ~3.5 hours to train 15 classes/600 images</a:t>
+              <a:t>Takes ~3.5 hours to train 15 classes/360 images</a:t>
             </a:r>
           </a:p>
           <a:p>
@@ -6090,7 +6409,8 @@
               <a:spcBef>
                 <a:spcPts val="0"/>
               </a:spcBef>
-              <a:buSzPct val="100000"/>
+              <a:buSzPts val="1400"/>
+              <a:buChar char="■"/>
             </a:pPr>
             <a:r>
               <a:rPr lang="en"/>
@@ -6113,7 +6433,7 @@
       </p:sp>
       <p:pic>
         <p:nvPicPr>
-          <p:cNvPr id="123" name="Shape 123"/>
+          <p:cNvPr id="138" name="Shape 138"/>
           <p:cNvPicPr preferRelativeResize="0"/>
           <p:nvPr/>
         </p:nvPicPr>
@@ -6152,7 +6472,7 @@
   <p:cSld>
     <p:spTree>
       <p:nvGrpSpPr>
-        <p:cNvPr id="127" name="Shape 127"/>
+        <p:cNvPr id="142" name="Shape 142"/>
         <p:cNvGrpSpPr/>
         <p:nvPr/>
       </p:nvGrpSpPr>
@@ -6166,7 +6486,7 @@
       </p:grpSpPr>
       <p:sp>
         <p:nvSpPr>
-          <p:cNvPr id="128" name="Shape 128"/>
+          <p:cNvPr id="143" name="Shape 143"/>
           <p:cNvSpPr txBox="1"/>
           <p:nvPr>
             <p:ph type="title"/>
@@ -6202,7 +6522,7 @@
       </p:sp>
       <p:sp>
         <p:nvSpPr>
-          <p:cNvPr id="129" name="Shape 129"/>
+          <p:cNvPr id="144" name="Shape 144"/>
           <p:cNvSpPr txBox="1"/>
           <p:nvPr>
             <p:ph idx="1" type="body"/>
@@ -6230,7 +6550,8 @@
               <a:spcAft>
                 <a:spcPts val="0"/>
               </a:spcAft>
-              <a:buSzPct val="100000"/>
+              <a:buSzPts val="1800"/>
+              <a:buChar char="●"/>
             </a:pPr>
             <a:r>
               <a:rPr lang="en"/>
@@ -6245,7 +6566,8 @@
               <a:spcAft>
                 <a:spcPts val="0"/>
               </a:spcAft>
-              <a:buSzPct val="100000"/>
+              <a:buSzPts val="1800"/>
+              <a:buChar char="●"/>
             </a:pPr>
             <a:r>
               <a:rPr lang="en"/>
@@ -6257,7 +6579,8 @@
               <a:spcBef>
                 <a:spcPts val="0"/>
               </a:spcBef>
-              <a:buSzPct val="100000"/>
+              <a:buSzPts val="1800"/>
+              <a:buChar char="●"/>
             </a:pPr>
             <a:r>
               <a:rPr lang="en"/>
@@ -6280,7 +6603,7 @@
       </p:sp>
       <p:graphicFrame>
         <p:nvGraphicFramePr>
-          <p:cNvPr id="130" name="Shape 130"/>
+          <p:cNvPr id="145" name="Shape 145"/>
           <p:cNvGraphicFramePr/>
           <p:nvPr/>
         </p:nvGraphicFramePr>
@@ -6293,7 +6616,7 @@
             <a:tbl>
               <a:tblPr>
                 <a:noFill/>
-                <a:tableStyleId>{15CEABA4-2963-4CA7-A225-07D4DBDFA791}</a:tableStyleId>
+                <a:tableStyleId>{0E698BE7-EC0E-44A5-98A6-8F536189F404}</a:tableStyleId>
               </a:tblPr>
               <a:tblGrid>
                 <a:gridCol w="4108075"/>
@@ -6795,7 +7118,7 @@
   <p:cSld>
     <p:spTree>
       <p:nvGrpSpPr>
-        <p:cNvPr id="134" name="Shape 134"/>
+        <p:cNvPr id="149" name="Shape 149"/>
         <p:cNvGrpSpPr/>
         <p:nvPr/>
       </p:nvGrpSpPr>
@@ -6809,7 +7132,7 @@
       </p:grpSpPr>
       <p:sp>
         <p:nvSpPr>
-          <p:cNvPr id="135" name="Shape 135"/>
+          <p:cNvPr id="150" name="Shape 150"/>
           <p:cNvSpPr txBox="1"/>
           <p:nvPr>
             <p:ph type="title"/>
@@ -6845,7 +7168,7 @@
       </p:sp>
       <p:sp>
         <p:nvSpPr>
-          <p:cNvPr id="136" name="Shape 136"/>
+          <p:cNvPr id="151" name="Shape 151"/>
           <p:cNvSpPr txBox="1"/>
           <p:nvPr>
             <p:ph idx="1" type="body"/>
@@ -6873,7 +7196,8 @@
               <a:spcAft>
                 <a:spcPts val="0"/>
               </a:spcAft>
-              <a:buSzPct val="100000"/>
+              <a:buSzPts val="1800"/>
+              <a:buChar char="●"/>
             </a:pPr>
             <a:r>
               <a:rPr lang="en"/>
@@ -6888,7 +7212,8 @@
               <a:spcAft>
                 <a:spcPts val="0"/>
               </a:spcAft>
-              <a:buSzPct val="100000"/>
+              <a:buSzPts val="1800"/>
+              <a:buChar char="●"/>
             </a:pPr>
             <a:r>
               <a:rPr lang="en"/>
@@ -6900,7 +7225,8 @@
               <a:spcBef>
                 <a:spcPts val="0"/>
               </a:spcBef>
-              <a:buSzPct val="100000"/>
+              <a:buSzPts val="1800"/>
+              <a:buChar char="●"/>
             </a:pPr>
             <a:r>
               <a:rPr lang="en"/>
@@ -6911,7 +7237,7 @@
       </p:sp>
       <p:pic>
         <p:nvPicPr>
-          <p:cNvPr id="137" name="Shape 137"/>
+          <p:cNvPr id="152" name="Shape 152"/>
           <p:cNvPicPr preferRelativeResize="0"/>
           <p:nvPr/>
         </p:nvPicPr>
@@ -6950,7 +7276,7 @@
   <p:cSld>
     <p:spTree>
       <p:nvGrpSpPr>
-        <p:cNvPr id="141" name="Shape 141"/>
+        <p:cNvPr id="156" name="Shape 156"/>
         <p:cNvGrpSpPr/>
         <p:nvPr/>
       </p:nvGrpSpPr>
@@ -6964,7 +7290,7 @@
       </p:grpSpPr>
       <p:sp>
         <p:nvSpPr>
-          <p:cNvPr id="142" name="Shape 142"/>
+          <p:cNvPr id="157" name="Shape 157"/>
           <p:cNvSpPr txBox="1"/>
           <p:nvPr>
             <p:ph type="title"/>
@@ -7000,7 +7326,7 @@
       </p:sp>
       <p:sp>
         <p:nvSpPr>
-          <p:cNvPr id="143" name="Shape 143"/>
+          <p:cNvPr id="158" name="Shape 158"/>
           <p:cNvSpPr txBox="1"/>
           <p:nvPr>
             <p:ph idx="1" type="body"/>
@@ -7031,7 +7357,8 @@
               <a:spcAft>
                 <a:spcPts val="0"/>
               </a:spcAft>
-              <a:buSzPct val="100000"/>
+              <a:buSzPts val="1800"/>
+              <a:buChar char="●"/>
             </a:pPr>
             <a:r>
               <a:rPr lang="en"/>
@@ -7049,7 +7376,8 @@
               <a:spcAft>
                 <a:spcPts val="0"/>
               </a:spcAft>
-              <a:buSzPct val="100000"/>
+              <a:buSzPts val="1800"/>
+              <a:buChar char="●"/>
             </a:pPr>
             <a:r>
               <a:rPr lang="en"/>
@@ -7064,7 +7392,8 @@
               <a:spcBef>
                 <a:spcPts val="0"/>
               </a:spcBef>
-              <a:buSzPct val="100000"/>
+              <a:buSzPts val="1800"/>
+              <a:buChar char="●"/>
             </a:pPr>
             <a:r>
               <a:rPr lang="en"/>
@@ -7086,7 +7415,7 @@
   <p:cSld>
     <p:spTree>
       <p:nvGrpSpPr>
-        <p:cNvPr id="147" name="Shape 147"/>
+        <p:cNvPr id="162" name="Shape 162"/>
         <p:cNvGrpSpPr/>
         <p:nvPr/>
       </p:nvGrpSpPr>
@@ -7100,7 +7429,7 @@
       </p:grpSpPr>
       <p:sp>
         <p:nvSpPr>
-          <p:cNvPr id="148" name="Shape 148"/>
+          <p:cNvPr id="163" name="Shape 163"/>
           <p:cNvSpPr txBox="1"/>
           <p:nvPr>
             <p:ph type="title"/>
@@ -7136,7 +7465,7 @@
       </p:sp>
       <p:sp>
         <p:nvSpPr>
-          <p:cNvPr id="149" name="Shape 149"/>
+          <p:cNvPr id="164" name="Shape 164"/>
           <p:cNvSpPr txBox="1"/>
           <p:nvPr>
             <p:ph idx="1" type="body"/>
@@ -7164,7 +7493,8 @@
               <a:spcAft>
                 <a:spcPts val="0"/>
               </a:spcAft>
-              <a:buSzPct val="100000"/>
+              <a:buSzPts val="1800"/>
+              <a:buChar char="●"/>
             </a:pPr>
             <a:r>
               <a:rPr lang="en"/>
@@ -7179,7 +7509,8 @@
               <a:spcAft>
                 <a:spcPts val="0"/>
               </a:spcAft>
-              <a:buSzPct val="100000"/>
+              <a:buSzPts val="1800"/>
+              <a:buChar char="●"/>
             </a:pPr>
             <a:r>
               <a:rPr lang="en"/>
@@ -7194,7 +7525,8 @@
               <a:spcAft>
                 <a:spcPts val="0"/>
               </a:spcAft>
-              <a:buSzPct val="100000"/>
+              <a:buSzPts val="1800"/>
+              <a:buChar char="●"/>
             </a:pPr>
             <a:r>
               <a:rPr lang="en"/>
@@ -7206,7 +7538,8 @@
               <a:spcBef>
                 <a:spcPts val="0"/>
               </a:spcBef>
-              <a:buSzPct val="100000"/>
+              <a:buSzPts val="1800"/>
+              <a:buChar char="●"/>
             </a:pPr>
             <a:r>
               <a:rPr lang="en"/>
@@ -7217,7 +7550,7 @@
       </p:sp>
       <p:pic>
         <p:nvPicPr>
-          <p:cNvPr id="150" name="Shape 150"/>
+          <p:cNvPr id="165" name="Shape 165"/>
           <p:cNvPicPr preferRelativeResize="0"/>
           <p:nvPr/>
         </p:nvPicPr>
@@ -7256,7 +7589,7 @@
   <p:cSld>
     <p:spTree>
       <p:nvGrpSpPr>
-        <p:cNvPr id="154" name="Shape 154"/>
+        <p:cNvPr id="169" name="Shape 169"/>
         <p:cNvGrpSpPr/>
         <p:nvPr/>
       </p:nvGrpSpPr>
@@ -7270,7 +7603,4308 @@
       </p:grpSpPr>
       <p:sp>
         <p:nvSpPr>
-          <p:cNvPr id="155" name="Shape 155"/>
+          <p:cNvPr id="170" name="Shape 170"/>
+          <p:cNvSpPr txBox="1"/>
+          <p:nvPr>
+            <p:ph idx="4294967295" type="title"/>
+          </p:nvPr>
+        </p:nvSpPr>
+        <p:spPr>
+          <a:xfrm>
+            <a:off x="387900" y="114400"/>
+            <a:ext cx="8368200" cy="686100"/>
+          </a:xfrm>
+          <a:prstGeom prst="rect">
+            <a:avLst/>
+          </a:prstGeom>
+        </p:spPr>
+        <p:txBody>
+          <a:bodyPr anchorCtr="0" anchor="b" bIns="91425" lIns="91425" rIns="91425" wrap="square" tIns="91425">
+            <a:noAutofit/>
+          </a:bodyPr>
+          <a:lstStyle/>
+          <a:p>
+            <a:pPr lvl="0">
+              <a:spcBef>
+                <a:spcPts val="0"/>
+              </a:spcBef>
+              <a:buNone/>
+            </a:pPr>
+            <a:r>
+              <a:rPr lang="en"/>
+              <a:t>Results </a:t>
+            </a:r>
+          </a:p>
+        </p:txBody>
+      </p:sp>
+      <p:graphicFrame>
+        <p:nvGraphicFramePr>
+          <p:cNvPr id="171" name="Shape 171"/>
+          <p:cNvGraphicFramePr/>
+          <p:nvPr/>
+        </p:nvGraphicFramePr>
+        <p:xfrm>
+          <a:off x="601000" y="878550"/>
+          <a:ext cx="3000000" cy="3000000"/>
+        </p:xfrm>
+        <a:graphic>
+          <a:graphicData uri="http://schemas.openxmlformats.org/drawingml/2006/table">
+            <a:tbl>
+              <a:tblPr>
+                <a:noFill/>
+                <a:tableStyleId>{0E698BE7-EC0E-44A5-98A6-8F536189F404}</a:tableStyleId>
+              </a:tblPr>
+              <a:tblGrid>
+                <a:gridCol w="1947400"/>
+                <a:gridCol w="1947400"/>
+                <a:gridCol w="1947400"/>
+                <a:gridCol w="1947400"/>
+              </a:tblGrid>
+              <a:tr h="476150">
+                <a:tc>
+                  <a:txBody>
+                    <a:bodyPr>
+                      <a:noAutofit/>
+                    </a:bodyPr>
+                    <a:lstStyle/>
+                    <a:p>
+                      <a:pPr lvl="0" algn="ctr">
+                        <a:spcBef>
+                          <a:spcPts val="0"/>
+                        </a:spcBef>
+                        <a:buNone/>
+                      </a:pPr>
+                      <a:r>
+                        <a:rPr b="1" lang="en">
+                          <a:solidFill>
+                            <a:srgbClr val="FFFFFF"/>
+                          </a:solidFill>
+                          <a:latin typeface="Roboto Slab"/>
+                          <a:ea typeface="Roboto Slab"/>
+                          <a:cs typeface="Roboto Slab"/>
+                          <a:sym typeface="Roboto Slab"/>
+                        </a:rPr>
+                        <a:t>Model</a:t>
+                      </a:r>
+                    </a:p>
+                  </a:txBody>
+                  <a:tcPr marT="91425" marB="91425" marR="91425" marL="91425"/>
+                </a:tc>
+                <a:tc>
+                  <a:txBody>
+                    <a:bodyPr>
+                      <a:noAutofit/>
+                    </a:bodyPr>
+                    <a:lstStyle/>
+                    <a:p>
+                      <a:pPr lvl="0" algn="ctr">
+                        <a:spcBef>
+                          <a:spcPts val="0"/>
+                        </a:spcBef>
+                        <a:buNone/>
+                      </a:pPr>
+                      <a:r>
+                        <a:rPr b="1" lang="en">
+                          <a:solidFill>
+                            <a:srgbClr val="FFFFFF"/>
+                          </a:solidFill>
+                        </a:rPr>
+                        <a:t>Accuracy</a:t>
+                      </a:r>
+                    </a:p>
+                  </a:txBody>
+                  <a:tcPr marT="91425" marB="91425" marR="91425" marL="91425"/>
+                </a:tc>
+                <a:tc>
+                  <a:txBody>
+                    <a:bodyPr>
+                      <a:noAutofit/>
+                    </a:bodyPr>
+                    <a:lstStyle/>
+                    <a:p>
+                      <a:pPr lvl="0" rtl="0" algn="ctr">
+                        <a:spcBef>
+                          <a:spcPts val="0"/>
+                        </a:spcBef>
+                        <a:buNone/>
+                      </a:pPr>
+                      <a:r>
+                        <a:rPr b="1" lang="en">
+                          <a:solidFill>
+                            <a:srgbClr val="FFFFFF"/>
+                          </a:solidFill>
+                        </a:rPr>
+                        <a:t>Precision</a:t>
+                      </a:r>
+                    </a:p>
+                  </a:txBody>
+                  <a:tcPr marT="91425" marB="91425" marR="91425" marL="91425"/>
+                </a:tc>
+                <a:tc>
+                  <a:txBody>
+                    <a:bodyPr>
+                      <a:noAutofit/>
+                    </a:bodyPr>
+                    <a:lstStyle/>
+                    <a:p>
+                      <a:pPr lvl="0" rtl="0" algn="ctr">
+                        <a:spcBef>
+                          <a:spcPts val="0"/>
+                        </a:spcBef>
+                        <a:buNone/>
+                      </a:pPr>
+                      <a:r>
+                        <a:rPr b="1" lang="en">
+                          <a:solidFill>
+                            <a:srgbClr val="FFFFFF"/>
+                          </a:solidFill>
+                        </a:rPr>
+                        <a:t>Recall</a:t>
+                      </a:r>
+                    </a:p>
+                  </a:txBody>
+                  <a:tcPr marT="91425" marB="91425" marR="91425" marL="91425"/>
+                </a:tc>
+              </a:tr>
+              <a:tr h="595300">
+                <a:tc>
+                  <a:txBody>
+                    <a:bodyPr>
+                      <a:noAutofit/>
+                    </a:bodyPr>
+                    <a:lstStyle/>
+                    <a:p>
+                      <a:pPr lvl="0">
+                        <a:spcBef>
+                          <a:spcPts val="0"/>
+                        </a:spcBef>
+                        <a:buNone/>
+                      </a:pPr>
+                      <a:r>
+                        <a:rPr lang="en">
+                          <a:solidFill>
+                            <a:srgbClr val="FFFFFF"/>
+                          </a:solidFill>
+                        </a:rPr>
+                        <a:t>Support Vector Machine (SVM)</a:t>
+                      </a:r>
+                    </a:p>
+                  </a:txBody>
+                  <a:tcPr marT="91425" marB="91425" marR="91425" marL="91425"/>
+                </a:tc>
+                <a:tc>
+                  <a:txBody>
+                    <a:bodyPr>
+                      <a:noAutofit/>
+                    </a:bodyPr>
+                    <a:lstStyle/>
+                    <a:p>
+                      <a:pPr lvl="0" rtl="0" algn="ctr">
+                        <a:spcBef>
+                          <a:spcPts val="0"/>
+                        </a:spcBef>
+                        <a:buNone/>
+                      </a:pPr>
+                      <a:r>
+                        <a:rPr lang="en">
+                          <a:solidFill>
+                            <a:srgbClr val="FFFFFF"/>
+                          </a:solidFill>
+                        </a:rPr>
+                        <a:t>18.75%</a:t>
+                      </a:r>
+                    </a:p>
+                  </a:txBody>
+                  <a:tcPr marT="91425" marB="91425" marR="91425" marL="91425"/>
+                </a:tc>
+                <a:tc>
+                  <a:txBody>
+                    <a:bodyPr>
+                      <a:noAutofit/>
+                    </a:bodyPr>
+                    <a:lstStyle/>
+                    <a:p>
+                      <a:pPr lvl="0" rtl="0" algn="ctr">
+                        <a:spcBef>
+                          <a:spcPts val="0"/>
+                        </a:spcBef>
+                        <a:buNone/>
+                      </a:pPr>
+                      <a:r>
+                        <a:t/>
+                      </a:r>
+                      <a:endParaRPr>
+                        <a:solidFill>
+                          <a:srgbClr val="FFFFFF"/>
+                        </a:solidFill>
+                      </a:endParaRPr>
+                    </a:p>
+                  </a:txBody>
+                  <a:tcPr marT="91425" marB="91425" marR="91425" marL="91425"/>
+                </a:tc>
+                <a:tc>
+                  <a:txBody>
+                    <a:bodyPr>
+                      <a:noAutofit/>
+                    </a:bodyPr>
+                    <a:lstStyle/>
+                    <a:p>
+                      <a:pPr lvl="0" rtl="0" algn="ctr">
+                        <a:spcBef>
+                          <a:spcPts val="0"/>
+                        </a:spcBef>
+                        <a:buNone/>
+                      </a:pPr>
+                      <a:r>
+                        <a:t/>
+                      </a:r>
+                      <a:endParaRPr>
+                        <a:solidFill>
+                          <a:srgbClr val="FFFFFF"/>
+                        </a:solidFill>
+                      </a:endParaRPr>
+                    </a:p>
+                  </a:txBody>
+                  <a:tcPr marT="91425" marB="91425" marR="91425" marL="91425"/>
+                </a:tc>
+              </a:tr>
+              <a:tr h="462300">
+                <a:tc>
+                  <a:txBody>
+                    <a:bodyPr>
+                      <a:noAutofit/>
+                    </a:bodyPr>
+                    <a:lstStyle/>
+                    <a:p>
+                      <a:pPr lvl="0">
+                        <a:spcBef>
+                          <a:spcPts val="0"/>
+                        </a:spcBef>
+                        <a:buNone/>
+                      </a:pPr>
+                      <a:r>
+                        <a:rPr lang="en">
+                          <a:solidFill>
+                            <a:srgbClr val="FFFFFF"/>
+                          </a:solidFill>
+                        </a:rPr>
+                        <a:t>Random Forest </a:t>
+                      </a:r>
+                    </a:p>
+                  </a:txBody>
+                  <a:tcPr marT="91425" marB="91425" marR="91425" marL="91425"/>
+                </a:tc>
+                <a:tc>
+                  <a:txBody>
+                    <a:bodyPr>
+                      <a:noAutofit/>
+                    </a:bodyPr>
+                    <a:lstStyle/>
+                    <a:p>
+                      <a:pPr lvl="0" algn="ctr">
+                        <a:spcBef>
+                          <a:spcPts val="0"/>
+                        </a:spcBef>
+                        <a:buNone/>
+                      </a:pPr>
+                      <a:r>
+                        <a:rPr lang="en">
+                          <a:solidFill>
+                            <a:srgbClr val="FFFFFF"/>
+                          </a:solidFill>
+                        </a:rPr>
+                        <a:t>38.33%</a:t>
+                      </a:r>
+                    </a:p>
+                  </a:txBody>
+                  <a:tcPr marT="91425" marB="91425" marR="91425" marL="91425"/>
+                </a:tc>
+                <a:tc>
+                  <a:txBody>
+                    <a:bodyPr>
+                      <a:noAutofit/>
+                    </a:bodyPr>
+                    <a:lstStyle/>
+                    <a:p>
+                      <a:pPr lvl="0" rtl="0" algn="l">
+                        <a:spcBef>
+                          <a:spcPts val="0"/>
+                        </a:spcBef>
+                        <a:buNone/>
+                      </a:pPr>
+                      <a:r>
+                        <a:t/>
+                      </a:r>
+                      <a:endParaRPr>
+                        <a:solidFill>
+                          <a:srgbClr val="FFFFFF"/>
+                        </a:solidFill>
+                      </a:endParaRPr>
+                    </a:p>
+                  </a:txBody>
+                  <a:tcPr marT="91425" marB="91425" marR="91425" marL="91425"/>
+                </a:tc>
+                <a:tc>
+                  <a:txBody>
+                    <a:bodyPr>
+                      <a:noAutofit/>
+                    </a:bodyPr>
+                    <a:lstStyle/>
+                    <a:p>
+                      <a:pPr lvl="0" rtl="0" algn="ctr">
+                        <a:spcBef>
+                          <a:spcPts val="0"/>
+                        </a:spcBef>
+                        <a:buNone/>
+                      </a:pPr>
+                      <a:r>
+                        <a:t/>
+                      </a:r>
+                      <a:endParaRPr>
+                        <a:solidFill>
+                          <a:srgbClr val="FFFFFF"/>
+                        </a:solidFill>
+                      </a:endParaRPr>
+                    </a:p>
+                  </a:txBody>
+                  <a:tcPr marT="91425" marB="91425" marR="91425" marL="91425"/>
+                </a:tc>
+              </a:tr>
+              <a:tr h="523900">
+                <a:tc>
+                  <a:txBody>
+                    <a:bodyPr>
+                      <a:noAutofit/>
+                    </a:bodyPr>
+                    <a:lstStyle/>
+                    <a:p>
+                      <a:pPr lvl="0" rtl="0">
+                        <a:spcBef>
+                          <a:spcPts val="0"/>
+                        </a:spcBef>
+                        <a:buNone/>
+                      </a:pPr>
+                      <a:r>
+                        <a:rPr lang="en">
+                          <a:solidFill>
+                            <a:srgbClr val="FFFFFF"/>
+                          </a:solidFill>
+                        </a:rPr>
+                        <a:t>CNN - 2 Layer (PyTorch)</a:t>
+                      </a:r>
+                    </a:p>
+                  </a:txBody>
+                  <a:tcPr marT="91425" marB="91425" marR="91425" marL="91425"/>
+                </a:tc>
+                <a:tc>
+                  <a:txBody>
+                    <a:bodyPr>
+                      <a:noAutofit/>
+                    </a:bodyPr>
+                    <a:lstStyle/>
+                    <a:p>
+                      <a:pPr lvl="0" algn="ctr">
+                        <a:spcBef>
+                          <a:spcPts val="0"/>
+                        </a:spcBef>
+                        <a:buNone/>
+                      </a:pPr>
+                      <a:r>
+                        <a:rPr lang="en">
+                          <a:solidFill>
+                            <a:srgbClr val="FFFFFF"/>
+                          </a:solidFill>
+                        </a:rPr>
+                        <a:t>8.75%</a:t>
+                      </a:r>
+                    </a:p>
+                  </a:txBody>
+                  <a:tcPr marT="91425" marB="91425" marR="91425" marL="91425"/>
+                </a:tc>
+                <a:tc>
+                  <a:txBody>
+                    <a:bodyPr>
+                      <a:noAutofit/>
+                    </a:bodyPr>
+                    <a:lstStyle/>
+                    <a:p>
+                      <a:pPr lvl="0" rtl="0" algn="ctr">
+                        <a:spcBef>
+                          <a:spcPts val="0"/>
+                        </a:spcBef>
+                        <a:buNone/>
+                      </a:pPr>
+                      <a:r>
+                        <a:rPr lang="en">
+                          <a:solidFill>
+                            <a:srgbClr val="FFFFFF"/>
+                          </a:solidFill>
+                        </a:rPr>
+                        <a:t>76.56%</a:t>
+                      </a:r>
+                    </a:p>
+                  </a:txBody>
+                  <a:tcPr marT="91425" marB="91425" marR="91425" marL="91425"/>
+                </a:tc>
+                <a:tc>
+                  <a:txBody>
+                    <a:bodyPr>
+                      <a:noAutofit/>
+                    </a:bodyPr>
+                    <a:lstStyle/>
+                    <a:p>
+                      <a:pPr lvl="0" rtl="0" algn="ctr">
+                        <a:spcBef>
+                          <a:spcPts val="0"/>
+                        </a:spcBef>
+                        <a:buNone/>
+                      </a:pPr>
+                      <a:r>
+                        <a:rPr lang="en">
+                          <a:solidFill>
+                            <a:srgbClr val="FFFFFF"/>
+                          </a:solidFill>
+                        </a:rPr>
+                        <a:t>8.75%</a:t>
+                      </a:r>
+                    </a:p>
+                  </a:txBody>
+                  <a:tcPr marT="91425" marB="91425" marR="91425" marL="91425"/>
+                </a:tc>
+              </a:tr>
+              <a:tr h="595300">
+                <a:tc>
+                  <a:txBody>
+                    <a:bodyPr>
+                      <a:noAutofit/>
+                    </a:bodyPr>
+                    <a:lstStyle/>
+                    <a:p>
+                      <a:pPr lvl="0">
+                        <a:spcBef>
+                          <a:spcPts val="0"/>
+                        </a:spcBef>
+                        <a:buNone/>
+                      </a:pPr>
+                      <a:r>
+                        <a:rPr lang="en">
+                          <a:solidFill>
+                            <a:srgbClr val="FFFFFF"/>
+                          </a:solidFill>
+                        </a:rPr>
+                        <a:t>CNN - 18 Layers (TF + Keras)</a:t>
+                      </a:r>
+                    </a:p>
+                  </a:txBody>
+                  <a:tcPr marT="91425" marB="91425" marR="91425" marL="91425"/>
+                </a:tc>
+                <a:tc>
+                  <a:txBody>
+                    <a:bodyPr>
+                      <a:noAutofit/>
+                    </a:bodyPr>
+                    <a:lstStyle/>
+                    <a:p>
+                      <a:pPr lvl="0" rtl="0" algn="ctr">
+                        <a:spcBef>
+                          <a:spcPts val="0"/>
+                        </a:spcBef>
+                        <a:buNone/>
+                      </a:pPr>
+                      <a:r>
+                        <a:rPr lang="en">
+                          <a:solidFill>
+                            <a:srgbClr val="FFFFFF"/>
+                          </a:solidFill>
+                        </a:rPr>
+                        <a:t>32%</a:t>
+                      </a:r>
+                    </a:p>
+                  </a:txBody>
+                  <a:tcPr marT="91425" marB="91425" marR="91425" marL="91425"/>
+                </a:tc>
+                <a:tc>
+                  <a:txBody>
+                    <a:bodyPr>
+                      <a:noAutofit/>
+                    </a:bodyPr>
+                    <a:lstStyle/>
+                    <a:p>
+                      <a:pPr lvl="0" rtl="0" algn="ctr">
+                        <a:spcBef>
+                          <a:spcPts val="0"/>
+                        </a:spcBef>
+                        <a:buNone/>
+                      </a:pPr>
+                      <a:r>
+                        <a:rPr lang="en">
+                          <a:solidFill>
+                            <a:srgbClr val="FFFFFF"/>
+                          </a:solidFill>
+                        </a:rPr>
+                        <a:t>39%</a:t>
+                      </a:r>
+                    </a:p>
+                  </a:txBody>
+                  <a:tcPr marT="91425" marB="91425" marR="91425" marL="91425"/>
+                </a:tc>
+                <a:tc>
+                  <a:txBody>
+                    <a:bodyPr>
+                      <a:noAutofit/>
+                    </a:bodyPr>
+                    <a:lstStyle/>
+                    <a:p>
+                      <a:pPr lvl="0" rtl="0" algn="ctr">
+                        <a:spcBef>
+                          <a:spcPts val="0"/>
+                        </a:spcBef>
+                        <a:buNone/>
+                      </a:pPr>
+                      <a:r>
+                        <a:rPr lang="en">
+                          <a:solidFill>
+                            <a:srgbClr val="FFFFFF"/>
+                          </a:solidFill>
+                        </a:rPr>
+                        <a:t>32%</a:t>
+                      </a:r>
+                    </a:p>
+                  </a:txBody>
+                  <a:tcPr marT="91425" marB="91425" marR="91425" marL="91425"/>
+                </a:tc>
+              </a:tr>
+              <a:tr h="595300">
+                <a:tc>
+                  <a:txBody>
+                    <a:bodyPr>
+                      <a:noAutofit/>
+                    </a:bodyPr>
+                    <a:lstStyle/>
+                    <a:p>
+                      <a:pPr lvl="0" rtl="0">
+                        <a:spcBef>
+                          <a:spcPts val="0"/>
+                        </a:spcBef>
+                        <a:buNone/>
+                      </a:pPr>
+                      <a:r>
+                        <a:rPr lang="en">
+                          <a:solidFill>
+                            <a:srgbClr val="FFFFFF"/>
+                          </a:solidFill>
+                        </a:rPr>
+                        <a:t>ResNet-18 (pretrained)</a:t>
+                      </a:r>
+                    </a:p>
+                  </a:txBody>
+                  <a:tcPr marT="91425" marB="91425" marR="91425" marL="91425"/>
+                </a:tc>
+                <a:tc>
+                  <a:txBody>
+                    <a:bodyPr>
+                      <a:noAutofit/>
+                    </a:bodyPr>
+                    <a:lstStyle/>
+                    <a:p>
+                      <a:pPr lvl="0" rtl="0" algn="ctr">
+                        <a:spcBef>
+                          <a:spcPts val="0"/>
+                        </a:spcBef>
+                        <a:buNone/>
+                      </a:pPr>
+                      <a:r>
+                        <a:rPr lang="en">
+                          <a:solidFill>
+                            <a:srgbClr val="FFFFFF"/>
+                          </a:solidFill>
+                        </a:rPr>
+                        <a:t>7.9%</a:t>
+                      </a:r>
+                    </a:p>
+                  </a:txBody>
+                  <a:tcPr marT="91425" marB="91425" marR="91425" marL="91425"/>
+                </a:tc>
+                <a:tc>
+                  <a:txBody>
+                    <a:bodyPr>
+                      <a:noAutofit/>
+                    </a:bodyPr>
+                    <a:lstStyle/>
+                    <a:p>
+                      <a:pPr lvl="0" rtl="0" algn="ctr">
+                        <a:spcBef>
+                          <a:spcPts val="0"/>
+                        </a:spcBef>
+                        <a:buNone/>
+                      </a:pPr>
+                      <a:r>
+                        <a:rPr lang="en">
+                          <a:solidFill>
+                            <a:srgbClr val="FFFFFF"/>
+                          </a:solidFill>
+                        </a:rPr>
+                        <a:t>63.7%</a:t>
+                      </a:r>
+                    </a:p>
+                  </a:txBody>
+                  <a:tcPr marT="91425" marB="91425" marR="91425" marL="91425"/>
+                </a:tc>
+                <a:tc>
+                  <a:txBody>
+                    <a:bodyPr>
+                      <a:noAutofit/>
+                    </a:bodyPr>
+                    <a:lstStyle/>
+                    <a:p>
+                      <a:pPr lvl="0" rtl="0" algn="ctr">
+                        <a:spcBef>
+                          <a:spcPts val="0"/>
+                        </a:spcBef>
+                        <a:buNone/>
+                      </a:pPr>
+                      <a:r>
+                        <a:rPr lang="en">
+                          <a:solidFill>
+                            <a:srgbClr val="FFFFFF"/>
+                          </a:solidFill>
+                        </a:rPr>
+                        <a:t>7.9%</a:t>
+                      </a:r>
+                    </a:p>
+                  </a:txBody>
+                  <a:tcPr marT="91425" marB="91425" marR="91425" marL="91425"/>
+                </a:tc>
+              </a:tr>
+              <a:tr h="595300">
+                <a:tc>
+                  <a:txBody>
+                    <a:bodyPr>
+                      <a:noAutofit/>
+                    </a:bodyPr>
+                    <a:lstStyle/>
+                    <a:p>
+                      <a:pPr lvl="0" rtl="0">
+                        <a:spcBef>
+                          <a:spcPts val="0"/>
+                        </a:spcBef>
+                        <a:buNone/>
+                      </a:pPr>
+                      <a:r>
+                        <a:rPr lang="en">
+                          <a:solidFill>
+                            <a:srgbClr val="FFFFFF"/>
+                          </a:solidFill>
+                        </a:rPr>
+                        <a:t>Resnet-18 (fine tuned) </a:t>
+                      </a:r>
+                    </a:p>
+                  </a:txBody>
+                  <a:tcPr marT="91425" marB="91425" marR="91425" marL="91425"/>
+                </a:tc>
+                <a:tc>
+                  <a:txBody>
+                    <a:bodyPr>
+                      <a:noAutofit/>
+                    </a:bodyPr>
+                    <a:lstStyle/>
+                    <a:p>
+                      <a:pPr lvl="0" rtl="0" algn="ctr">
+                        <a:spcBef>
+                          <a:spcPts val="0"/>
+                        </a:spcBef>
+                        <a:buNone/>
+                      </a:pPr>
+                      <a:r>
+                        <a:rPr lang="en">
+                          <a:solidFill>
+                            <a:srgbClr val="FFFFFF"/>
+                          </a:solidFill>
+                        </a:rPr>
+                        <a:t>10.83%</a:t>
+                      </a:r>
+                    </a:p>
+                  </a:txBody>
+                  <a:tcPr marT="91425" marB="91425" marR="91425" marL="91425"/>
+                </a:tc>
+                <a:tc>
+                  <a:txBody>
+                    <a:bodyPr>
+                      <a:noAutofit/>
+                    </a:bodyPr>
+                    <a:lstStyle/>
+                    <a:p>
+                      <a:pPr lvl="0" rtl="0" algn="ctr">
+                        <a:spcBef>
+                          <a:spcPts val="0"/>
+                        </a:spcBef>
+                        <a:buNone/>
+                      </a:pPr>
+                      <a:r>
+                        <a:rPr lang="en">
+                          <a:solidFill>
+                            <a:srgbClr val="FFFFFF"/>
+                          </a:solidFill>
+                        </a:rPr>
+                        <a:t>53.26%</a:t>
+                      </a:r>
+                    </a:p>
+                  </a:txBody>
+                  <a:tcPr marT="91425" marB="91425" marR="91425" marL="91425"/>
+                </a:tc>
+                <a:tc>
+                  <a:txBody>
+                    <a:bodyPr>
+                      <a:noAutofit/>
+                    </a:bodyPr>
+                    <a:lstStyle/>
+                    <a:p>
+                      <a:pPr lvl="0" rtl="0" algn="ctr">
+                        <a:spcBef>
+                          <a:spcPts val="0"/>
+                        </a:spcBef>
+                        <a:buNone/>
+                      </a:pPr>
+                      <a:r>
+                        <a:rPr lang="en">
+                          <a:solidFill>
+                            <a:srgbClr val="FFFFFF"/>
+                          </a:solidFill>
+                        </a:rPr>
+                        <a:t>10.83%</a:t>
+                      </a:r>
+                    </a:p>
+                  </a:txBody>
+                  <a:tcPr marT="91425" marB="91425" marR="91425" marL="91425"/>
+                </a:tc>
+              </a:tr>
+            </a:tbl>
+          </a:graphicData>
+        </a:graphic>
+      </p:graphicFrame>
+    </p:spTree>
+  </p:cSld>
+  <p:clrMapOvr>
+    <a:masterClrMapping/>
+  </p:clrMapOvr>
+</p:sld>
+</file>
+
+<file path=ppt/slides/slide16.xml><?xml version="1.0" encoding="utf-8"?>
+<p:sld xmlns:a="http://schemas.openxmlformats.org/drawingml/2006/main" xmlns:r="http://schemas.openxmlformats.org/officeDocument/2006/relationships" xmlns:mc="http://schemas.openxmlformats.org/markup-compatibility/2006" xmlns:mv="urn:schemas-microsoft-com:mac:vml" xmlns:p="http://schemas.openxmlformats.org/presentationml/2006/main" xmlns:c="http://schemas.openxmlformats.org/drawingml/2006/chart" xmlns:dgm="http://schemas.openxmlformats.org/drawingml/2006/diagram" xmlns:o="urn:schemas-microsoft-com:office:office" xmlns:v="urn:schemas-microsoft-com:vml" xmlns:pvml="urn:schemas-microsoft-com:office:powerpoint" xmlns:com="http://schemas.openxmlformats.org/drawingml/2006/compatibility" xmlns:p14="http://schemas.microsoft.com/office/powerpoint/2010/main" xmlns:p15="http://schemas.microsoft.com/office/powerpoint/2012/main" show="0">
+  <p:cSld>
+    <p:spTree>
+      <p:nvGrpSpPr>
+        <p:cNvPr id="175" name="Shape 175"/>
+        <p:cNvGrpSpPr/>
+        <p:nvPr/>
+      </p:nvGrpSpPr>
+      <p:grpSpPr>
+        <a:xfrm>
+          <a:off x="0" y="0"/>
+          <a:ext cx="0" cy="0"/>
+          <a:chOff x="0" y="0"/>
+          <a:chExt cx="0" cy="0"/>
+        </a:xfrm>
+      </p:grpSpPr>
+      <p:graphicFrame>
+        <p:nvGraphicFramePr>
+          <p:cNvPr id="176" name="Shape 176"/>
+          <p:cNvGraphicFramePr/>
+          <p:nvPr/>
+        </p:nvGraphicFramePr>
+        <p:xfrm>
+          <a:off x="0" y="39030"/>
+          <a:ext cx="3000000" cy="3000000"/>
+        </p:xfrm>
+        <a:graphic>
+          <a:graphicData uri="http://schemas.openxmlformats.org/drawingml/2006/table">
+            <a:tbl>
+              <a:tblPr>
+                <a:noFill/>
+                <a:tableStyleId>{0E698BE7-EC0E-44A5-98A6-8F536189F404}</a:tableStyleId>
+              </a:tblPr>
+              <a:tblGrid>
+                <a:gridCol w="1208550"/>
+                <a:gridCol w="443125"/>
+                <a:gridCol w="530150"/>
+                <a:gridCol w="530150"/>
+                <a:gridCol w="530150"/>
+                <a:gridCol w="530150"/>
+                <a:gridCol w="530150"/>
+                <a:gridCol w="530150"/>
+                <a:gridCol w="530150"/>
+                <a:gridCol w="530150"/>
+                <a:gridCol w="530150"/>
+                <a:gridCol w="530150"/>
+                <a:gridCol w="530150"/>
+                <a:gridCol w="530150"/>
+                <a:gridCol w="530150"/>
+                <a:gridCol w="530150"/>
+              </a:tblGrid>
+              <a:tr h="633825">
+                <a:tc>
+                  <a:txBody>
+                    <a:bodyPr>
+                      <a:noAutofit/>
+                    </a:bodyPr>
+                    <a:lstStyle/>
+                    <a:p>
+                      <a:pPr lvl="0">
+                        <a:spcBef>
+                          <a:spcPts val="0"/>
+                        </a:spcBef>
+                        <a:buNone/>
+                      </a:pPr>
+                      <a:r>
+                        <a:rPr lang="en">
+                          <a:solidFill>
+                            <a:srgbClr val="FFFFFF"/>
+                          </a:solidFill>
+                          <a:latin typeface="Roboto Slab"/>
+                          <a:ea typeface="Roboto Slab"/>
+                          <a:cs typeface="Roboto Slab"/>
+                          <a:sym typeface="Roboto Slab"/>
+                        </a:rPr>
+                        <a:t>Class </a:t>
+                      </a:r>
+                    </a:p>
+                    <a:p>
+                      <a:pPr lvl="0">
+                        <a:spcBef>
+                          <a:spcPts val="0"/>
+                        </a:spcBef>
+                        <a:buNone/>
+                      </a:pPr>
+                      <a:r>
+                        <a:rPr lang="en">
+                          <a:solidFill>
+                            <a:srgbClr val="FFFFFF"/>
+                          </a:solidFill>
+                          <a:latin typeface="Roboto Slab"/>
+                          <a:ea typeface="Roboto Slab"/>
+                          <a:cs typeface="Roboto Slab"/>
+                          <a:sym typeface="Roboto Slab"/>
+                        </a:rPr>
+                        <a:t>Model  </a:t>
+                      </a:r>
+                    </a:p>
+                  </a:txBody>
+                  <a:tcPr marT="91425" marB="91425" marR="91425" marL="91425">
+                    <a:lnB cap="flat" cmpd="sng" w="9525">
+                      <a:solidFill>
+                        <a:srgbClr val="9E9E9E"/>
+                      </a:solidFill>
+                      <a:prstDash val="solid"/>
+                      <a:round/>
+                      <a:headEnd len="med" w="med" type="none"/>
+                      <a:tailEnd len="med" w="med" type="none"/>
+                    </a:lnB>
+                  </a:tcPr>
+                </a:tc>
+                <a:tc>
+                  <a:txBody>
+                    <a:bodyPr>
+                      <a:noAutofit/>
+                    </a:bodyPr>
+                    <a:lstStyle/>
+                    <a:p>
+                      <a:pPr lvl="0" algn="ctr">
+                        <a:spcBef>
+                          <a:spcPts val="0"/>
+                        </a:spcBef>
+                        <a:buNone/>
+                      </a:pPr>
+                      <a:r>
+                        <a:rPr lang="en">
+                          <a:solidFill>
+                            <a:srgbClr val="FFFFFF"/>
+                          </a:solidFill>
+                          <a:latin typeface="Roboto Slab"/>
+                          <a:ea typeface="Roboto Slab"/>
+                          <a:cs typeface="Roboto Slab"/>
+                          <a:sym typeface="Roboto Slab"/>
+                        </a:rPr>
+                        <a:t>0</a:t>
+                      </a:r>
+                    </a:p>
+                  </a:txBody>
+                  <a:tcPr marT="91425" marB="91425" marR="91425" marL="91425"/>
+                </a:tc>
+                <a:tc>
+                  <a:txBody>
+                    <a:bodyPr>
+                      <a:noAutofit/>
+                    </a:bodyPr>
+                    <a:lstStyle/>
+                    <a:p>
+                      <a:pPr lvl="0" algn="ctr">
+                        <a:spcBef>
+                          <a:spcPts val="0"/>
+                        </a:spcBef>
+                        <a:buNone/>
+                      </a:pPr>
+                      <a:r>
+                        <a:rPr lang="en">
+                          <a:solidFill>
+                            <a:srgbClr val="FFFFFF"/>
+                          </a:solidFill>
+                          <a:latin typeface="Roboto Slab"/>
+                          <a:ea typeface="Roboto Slab"/>
+                          <a:cs typeface="Roboto Slab"/>
+                          <a:sym typeface="Roboto Slab"/>
+                        </a:rPr>
+                        <a:t>1</a:t>
+                      </a:r>
+                    </a:p>
+                  </a:txBody>
+                  <a:tcPr marT="91425" marB="91425" marR="91425" marL="91425"/>
+                </a:tc>
+                <a:tc>
+                  <a:txBody>
+                    <a:bodyPr>
+                      <a:noAutofit/>
+                    </a:bodyPr>
+                    <a:lstStyle/>
+                    <a:p>
+                      <a:pPr lvl="0" algn="ctr">
+                        <a:spcBef>
+                          <a:spcPts val="0"/>
+                        </a:spcBef>
+                        <a:buNone/>
+                      </a:pPr>
+                      <a:r>
+                        <a:rPr lang="en">
+                          <a:solidFill>
+                            <a:srgbClr val="FFFFFF"/>
+                          </a:solidFill>
+                          <a:latin typeface="Roboto Slab"/>
+                          <a:ea typeface="Roboto Slab"/>
+                          <a:cs typeface="Roboto Slab"/>
+                          <a:sym typeface="Roboto Slab"/>
+                        </a:rPr>
+                        <a:t>2</a:t>
+                      </a:r>
+                    </a:p>
+                  </a:txBody>
+                  <a:tcPr marT="91425" marB="91425" marR="91425" marL="91425"/>
+                </a:tc>
+                <a:tc>
+                  <a:txBody>
+                    <a:bodyPr>
+                      <a:noAutofit/>
+                    </a:bodyPr>
+                    <a:lstStyle/>
+                    <a:p>
+                      <a:pPr lvl="0" algn="ctr">
+                        <a:spcBef>
+                          <a:spcPts val="0"/>
+                        </a:spcBef>
+                        <a:buNone/>
+                      </a:pPr>
+                      <a:r>
+                        <a:rPr lang="en">
+                          <a:solidFill>
+                            <a:srgbClr val="FFFFFF"/>
+                          </a:solidFill>
+                          <a:latin typeface="Roboto Slab"/>
+                          <a:ea typeface="Roboto Slab"/>
+                          <a:cs typeface="Roboto Slab"/>
+                          <a:sym typeface="Roboto Slab"/>
+                        </a:rPr>
+                        <a:t>3</a:t>
+                      </a:r>
+                    </a:p>
+                  </a:txBody>
+                  <a:tcPr marT="91425" marB="91425" marR="91425" marL="91425"/>
+                </a:tc>
+                <a:tc>
+                  <a:txBody>
+                    <a:bodyPr>
+                      <a:noAutofit/>
+                    </a:bodyPr>
+                    <a:lstStyle/>
+                    <a:p>
+                      <a:pPr lvl="0" algn="ctr">
+                        <a:spcBef>
+                          <a:spcPts val="0"/>
+                        </a:spcBef>
+                        <a:buNone/>
+                      </a:pPr>
+                      <a:r>
+                        <a:rPr lang="en">
+                          <a:solidFill>
+                            <a:srgbClr val="FFFFFF"/>
+                          </a:solidFill>
+                          <a:latin typeface="Roboto Slab"/>
+                          <a:ea typeface="Roboto Slab"/>
+                          <a:cs typeface="Roboto Slab"/>
+                          <a:sym typeface="Roboto Slab"/>
+                        </a:rPr>
+                        <a:t>4</a:t>
+                      </a:r>
+                    </a:p>
+                  </a:txBody>
+                  <a:tcPr marT="91425" marB="91425" marR="91425" marL="91425"/>
+                </a:tc>
+                <a:tc>
+                  <a:txBody>
+                    <a:bodyPr>
+                      <a:noAutofit/>
+                    </a:bodyPr>
+                    <a:lstStyle/>
+                    <a:p>
+                      <a:pPr lvl="0" algn="ctr">
+                        <a:spcBef>
+                          <a:spcPts val="0"/>
+                        </a:spcBef>
+                        <a:buNone/>
+                      </a:pPr>
+                      <a:r>
+                        <a:rPr lang="en">
+                          <a:solidFill>
+                            <a:srgbClr val="FFFFFF"/>
+                          </a:solidFill>
+                          <a:latin typeface="Roboto Slab"/>
+                          <a:ea typeface="Roboto Slab"/>
+                          <a:cs typeface="Roboto Slab"/>
+                          <a:sym typeface="Roboto Slab"/>
+                        </a:rPr>
+                        <a:t>5</a:t>
+                      </a:r>
+                    </a:p>
+                  </a:txBody>
+                  <a:tcPr marT="91425" marB="91425" marR="91425" marL="91425"/>
+                </a:tc>
+                <a:tc>
+                  <a:txBody>
+                    <a:bodyPr>
+                      <a:noAutofit/>
+                    </a:bodyPr>
+                    <a:lstStyle/>
+                    <a:p>
+                      <a:pPr lvl="0" algn="ctr">
+                        <a:spcBef>
+                          <a:spcPts val="0"/>
+                        </a:spcBef>
+                        <a:buNone/>
+                      </a:pPr>
+                      <a:r>
+                        <a:rPr lang="en">
+                          <a:solidFill>
+                            <a:srgbClr val="FFFFFF"/>
+                          </a:solidFill>
+                          <a:latin typeface="Roboto Slab"/>
+                          <a:ea typeface="Roboto Slab"/>
+                          <a:cs typeface="Roboto Slab"/>
+                          <a:sym typeface="Roboto Slab"/>
+                        </a:rPr>
+                        <a:t>6</a:t>
+                      </a:r>
+                    </a:p>
+                  </a:txBody>
+                  <a:tcPr marT="91425" marB="91425" marR="91425" marL="91425"/>
+                </a:tc>
+                <a:tc>
+                  <a:txBody>
+                    <a:bodyPr>
+                      <a:noAutofit/>
+                    </a:bodyPr>
+                    <a:lstStyle/>
+                    <a:p>
+                      <a:pPr lvl="0" algn="ctr">
+                        <a:spcBef>
+                          <a:spcPts val="0"/>
+                        </a:spcBef>
+                        <a:buNone/>
+                      </a:pPr>
+                      <a:r>
+                        <a:rPr lang="en">
+                          <a:solidFill>
+                            <a:srgbClr val="FFFFFF"/>
+                          </a:solidFill>
+                          <a:latin typeface="Roboto Slab"/>
+                          <a:ea typeface="Roboto Slab"/>
+                          <a:cs typeface="Roboto Slab"/>
+                          <a:sym typeface="Roboto Slab"/>
+                        </a:rPr>
+                        <a:t>7</a:t>
+                      </a:r>
+                    </a:p>
+                  </a:txBody>
+                  <a:tcPr marT="91425" marB="91425" marR="91425" marL="91425"/>
+                </a:tc>
+                <a:tc>
+                  <a:txBody>
+                    <a:bodyPr>
+                      <a:noAutofit/>
+                    </a:bodyPr>
+                    <a:lstStyle/>
+                    <a:p>
+                      <a:pPr lvl="0" algn="ctr">
+                        <a:spcBef>
+                          <a:spcPts val="0"/>
+                        </a:spcBef>
+                        <a:buNone/>
+                      </a:pPr>
+                      <a:r>
+                        <a:rPr lang="en">
+                          <a:solidFill>
+                            <a:srgbClr val="FFFFFF"/>
+                          </a:solidFill>
+                          <a:latin typeface="Roboto Slab"/>
+                          <a:ea typeface="Roboto Slab"/>
+                          <a:cs typeface="Roboto Slab"/>
+                          <a:sym typeface="Roboto Slab"/>
+                        </a:rPr>
+                        <a:t>8</a:t>
+                      </a:r>
+                    </a:p>
+                  </a:txBody>
+                  <a:tcPr marT="91425" marB="91425" marR="91425" marL="91425"/>
+                </a:tc>
+                <a:tc>
+                  <a:txBody>
+                    <a:bodyPr>
+                      <a:noAutofit/>
+                    </a:bodyPr>
+                    <a:lstStyle/>
+                    <a:p>
+                      <a:pPr lvl="0" algn="ctr">
+                        <a:spcBef>
+                          <a:spcPts val="0"/>
+                        </a:spcBef>
+                        <a:buNone/>
+                      </a:pPr>
+                      <a:r>
+                        <a:rPr lang="en">
+                          <a:solidFill>
+                            <a:srgbClr val="FFFFFF"/>
+                          </a:solidFill>
+                          <a:latin typeface="Roboto Slab"/>
+                          <a:ea typeface="Roboto Slab"/>
+                          <a:cs typeface="Roboto Slab"/>
+                          <a:sym typeface="Roboto Slab"/>
+                        </a:rPr>
+                        <a:t>9</a:t>
+                      </a:r>
+                    </a:p>
+                  </a:txBody>
+                  <a:tcPr marT="91425" marB="91425" marR="91425" marL="91425"/>
+                </a:tc>
+                <a:tc>
+                  <a:txBody>
+                    <a:bodyPr>
+                      <a:noAutofit/>
+                    </a:bodyPr>
+                    <a:lstStyle/>
+                    <a:p>
+                      <a:pPr lvl="0" rtl="0" algn="ctr">
+                        <a:spcBef>
+                          <a:spcPts val="0"/>
+                        </a:spcBef>
+                        <a:buNone/>
+                      </a:pPr>
+                      <a:r>
+                        <a:rPr lang="en">
+                          <a:solidFill>
+                            <a:srgbClr val="FFFFFF"/>
+                          </a:solidFill>
+                          <a:latin typeface="Roboto Slab"/>
+                          <a:ea typeface="Roboto Slab"/>
+                          <a:cs typeface="Roboto Slab"/>
+                          <a:sym typeface="Roboto Slab"/>
+                        </a:rPr>
+                        <a:t>10</a:t>
+                      </a:r>
+                    </a:p>
+                  </a:txBody>
+                  <a:tcPr marT="91425" marB="91425" marR="91425" marL="91425"/>
+                </a:tc>
+                <a:tc>
+                  <a:txBody>
+                    <a:bodyPr>
+                      <a:noAutofit/>
+                    </a:bodyPr>
+                    <a:lstStyle/>
+                    <a:p>
+                      <a:pPr lvl="0" rtl="0" algn="ctr">
+                        <a:spcBef>
+                          <a:spcPts val="0"/>
+                        </a:spcBef>
+                        <a:buNone/>
+                      </a:pPr>
+                      <a:r>
+                        <a:rPr lang="en">
+                          <a:solidFill>
+                            <a:srgbClr val="FFFFFF"/>
+                          </a:solidFill>
+                          <a:latin typeface="Roboto Slab"/>
+                          <a:ea typeface="Roboto Slab"/>
+                          <a:cs typeface="Roboto Slab"/>
+                          <a:sym typeface="Roboto Slab"/>
+                        </a:rPr>
+                        <a:t>11</a:t>
+                      </a:r>
+                    </a:p>
+                  </a:txBody>
+                  <a:tcPr marT="91425" marB="91425" marR="91425" marL="91425"/>
+                </a:tc>
+                <a:tc>
+                  <a:txBody>
+                    <a:bodyPr>
+                      <a:noAutofit/>
+                    </a:bodyPr>
+                    <a:lstStyle/>
+                    <a:p>
+                      <a:pPr lvl="0" rtl="0" algn="ctr">
+                        <a:spcBef>
+                          <a:spcPts val="0"/>
+                        </a:spcBef>
+                        <a:buNone/>
+                      </a:pPr>
+                      <a:r>
+                        <a:rPr lang="en">
+                          <a:solidFill>
+                            <a:srgbClr val="FFFFFF"/>
+                          </a:solidFill>
+                          <a:latin typeface="Roboto Slab"/>
+                          <a:ea typeface="Roboto Slab"/>
+                          <a:cs typeface="Roboto Slab"/>
+                          <a:sym typeface="Roboto Slab"/>
+                        </a:rPr>
+                        <a:t>12</a:t>
+                      </a:r>
+                    </a:p>
+                  </a:txBody>
+                  <a:tcPr marT="91425" marB="91425" marR="91425" marL="91425"/>
+                </a:tc>
+                <a:tc>
+                  <a:txBody>
+                    <a:bodyPr>
+                      <a:noAutofit/>
+                    </a:bodyPr>
+                    <a:lstStyle/>
+                    <a:p>
+                      <a:pPr lvl="0" rtl="0" algn="ctr">
+                        <a:spcBef>
+                          <a:spcPts val="0"/>
+                        </a:spcBef>
+                        <a:buNone/>
+                      </a:pPr>
+                      <a:r>
+                        <a:rPr lang="en">
+                          <a:solidFill>
+                            <a:srgbClr val="FFFFFF"/>
+                          </a:solidFill>
+                          <a:latin typeface="Roboto Slab"/>
+                          <a:ea typeface="Roboto Slab"/>
+                          <a:cs typeface="Roboto Slab"/>
+                          <a:sym typeface="Roboto Slab"/>
+                        </a:rPr>
+                        <a:t>13</a:t>
+                      </a:r>
+                    </a:p>
+                  </a:txBody>
+                  <a:tcPr marT="91425" marB="91425" marR="91425" marL="91425"/>
+                </a:tc>
+                <a:tc>
+                  <a:txBody>
+                    <a:bodyPr>
+                      <a:noAutofit/>
+                    </a:bodyPr>
+                    <a:lstStyle/>
+                    <a:p>
+                      <a:pPr lvl="0" rtl="0" algn="ctr">
+                        <a:spcBef>
+                          <a:spcPts val="0"/>
+                        </a:spcBef>
+                        <a:buNone/>
+                      </a:pPr>
+                      <a:r>
+                        <a:rPr lang="en">
+                          <a:solidFill>
+                            <a:srgbClr val="FFFFFF"/>
+                          </a:solidFill>
+                          <a:latin typeface="Roboto Slab"/>
+                          <a:ea typeface="Roboto Slab"/>
+                          <a:cs typeface="Roboto Slab"/>
+                          <a:sym typeface="Roboto Slab"/>
+                        </a:rPr>
+                        <a:t>14</a:t>
+                      </a:r>
+                    </a:p>
+                  </a:txBody>
+                  <a:tcPr marT="91425" marB="91425" marR="91425" marL="91425"/>
+                </a:tc>
+              </a:tr>
+              <a:tr h="991725">
+                <a:tc>
+                  <a:txBody>
+                    <a:bodyPr>
+                      <a:noAutofit/>
+                    </a:bodyPr>
+                    <a:lstStyle/>
+                    <a:p>
+                      <a:pPr lvl="0" rtl="0">
+                        <a:spcBef>
+                          <a:spcPts val="0"/>
+                        </a:spcBef>
+                        <a:buNone/>
+                      </a:pPr>
+                      <a:r>
+                        <a:rPr lang="en" sz="1200">
+                          <a:solidFill>
+                            <a:srgbClr val="FFFFFF"/>
+                          </a:solidFill>
+                          <a:latin typeface="Roboto Slab"/>
+                          <a:ea typeface="Roboto Slab"/>
+                          <a:cs typeface="Roboto Slab"/>
+                          <a:sym typeface="Roboto Slab"/>
+                        </a:rPr>
+                        <a:t>Support Vector Machine (SVM)</a:t>
+                      </a:r>
+                    </a:p>
+                  </a:txBody>
+                  <a:tcPr marT="91425" marB="91425" marR="91425" marL="91425">
+                    <a:lnL cap="flat" cmpd="sng" w="9525">
+                      <a:solidFill>
+                        <a:srgbClr val="9E9E9E"/>
+                      </a:solidFill>
+                      <a:prstDash val="solid"/>
+                      <a:round/>
+                      <a:headEnd len="med" w="med" type="none"/>
+                      <a:tailEnd len="med" w="med" type="none"/>
+                    </a:lnL>
+                    <a:lnR cap="flat" cmpd="sng" w="9525">
+                      <a:solidFill>
+                        <a:srgbClr val="9E9E9E"/>
+                      </a:solidFill>
+                      <a:prstDash val="solid"/>
+                      <a:round/>
+                      <a:headEnd len="med" w="med" type="none"/>
+                      <a:tailEnd len="med" w="med" type="none"/>
+                    </a:lnR>
+                    <a:lnT cap="flat" cmpd="sng" w="9525">
+                      <a:solidFill>
+                        <a:srgbClr val="9E9E9E"/>
+                      </a:solidFill>
+                      <a:prstDash val="solid"/>
+                      <a:round/>
+                      <a:headEnd len="med" w="med" type="none"/>
+                      <a:tailEnd len="med" w="med" type="none"/>
+                    </a:lnT>
+                    <a:lnB cap="flat" cmpd="sng" w="9525">
+                      <a:solidFill>
+                        <a:srgbClr val="9E9E9E"/>
+                      </a:solidFill>
+                      <a:prstDash val="solid"/>
+                      <a:round/>
+                      <a:headEnd len="med" w="med" type="none"/>
+                      <a:tailEnd len="med" w="med" type="none"/>
+                    </a:lnB>
+                  </a:tcPr>
+                </a:tc>
+                <a:tc>
+                  <a:txBody>
+                    <a:bodyPr>
+                      <a:noAutofit/>
+                    </a:bodyPr>
+                    <a:lstStyle/>
+                    <a:p>
+                      <a:pPr lvl="0">
+                        <a:spcBef>
+                          <a:spcPts val="0"/>
+                        </a:spcBef>
+                        <a:buNone/>
+                      </a:pPr>
+                      <a:r>
+                        <a:t/>
+                      </a:r>
+                      <a:endParaRPr>
+                        <a:latin typeface="Roboto Slab"/>
+                        <a:ea typeface="Roboto Slab"/>
+                        <a:cs typeface="Roboto Slab"/>
+                        <a:sym typeface="Roboto Slab"/>
+                      </a:endParaRPr>
+                    </a:p>
+                  </a:txBody>
+                  <a:tcPr marT="91425" marB="91425" marR="91425" marL="91425">
+                    <a:lnL cap="flat" cmpd="sng" w="9525">
+                      <a:solidFill>
+                        <a:srgbClr val="9E9E9E"/>
+                      </a:solidFill>
+                      <a:prstDash val="solid"/>
+                      <a:round/>
+                      <a:headEnd len="med" w="med" type="none"/>
+                      <a:tailEnd len="med" w="med" type="none"/>
+                    </a:lnL>
+                  </a:tcPr>
+                </a:tc>
+                <a:tc>
+                  <a:txBody>
+                    <a:bodyPr>
+                      <a:noAutofit/>
+                    </a:bodyPr>
+                    <a:lstStyle/>
+                    <a:p>
+                      <a:pPr lvl="0">
+                        <a:spcBef>
+                          <a:spcPts val="0"/>
+                        </a:spcBef>
+                        <a:buNone/>
+                      </a:pPr>
+                      <a:r>
+                        <a:t/>
+                      </a:r>
+                      <a:endParaRPr>
+                        <a:latin typeface="Roboto Slab"/>
+                        <a:ea typeface="Roboto Slab"/>
+                        <a:cs typeface="Roboto Slab"/>
+                        <a:sym typeface="Roboto Slab"/>
+                      </a:endParaRPr>
+                    </a:p>
+                  </a:txBody>
+                  <a:tcPr marT="91425" marB="91425" marR="91425" marL="91425"/>
+                </a:tc>
+                <a:tc>
+                  <a:txBody>
+                    <a:bodyPr>
+                      <a:noAutofit/>
+                    </a:bodyPr>
+                    <a:lstStyle/>
+                    <a:p>
+                      <a:pPr lvl="0">
+                        <a:spcBef>
+                          <a:spcPts val="0"/>
+                        </a:spcBef>
+                        <a:buNone/>
+                      </a:pPr>
+                      <a:r>
+                        <a:t/>
+                      </a:r>
+                      <a:endParaRPr>
+                        <a:latin typeface="Roboto Slab"/>
+                        <a:ea typeface="Roboto Slab"/>
+                        <a:cs typeface="Roboto Slab"/>
+                        <a:sym typeface="Roboto Slab"/>
+                      </a:endParaRPr>
+                    </a:p>
+                  </a:txBody>
+                  <a:tcPr marT="91425" marB="91425" marR="91425" marL="91425"/>
+                </a:tc>
+                <a:tc>
+                  <a:txBody>
+                    <a:bodyPr>
+                      <a:noAutofit/>
+                    </a:bodyPr>
+                    <a:lstStyle/>
+                    <a:p>
+                      <a:pPr lvl="0">
+                        <a:spcBef>
+                          <a:spcPts val="0"/>
+                        </a:spcBef>
+                        <a:buNone/>
+                      </a:pPr>
+                      <a:r>
+                        <a:t/>
+                      </a:r>
+                      <a:endParaRPr>
+                        <a:latin typeface="Roboto Slab"/>
+                        <a:ea typeface="Roboto Slab"/>
+                        <a:cs typeface="Roboto Slab"/>
+                        <a:sym typeface="Roboto Slab"/>
+                      </a:endParaRPr>
+                    </a:p>
+                  </a:txBody>
+                  <a:tcPr marT="91425" marB="91425" marR="91425" marL="91425"/>
+                </a:tc>
+                <a:tc>
+                  <a:txBody>
+                    <a:bodyPr>
+                      <a:noAutofit/>
+                    </a:bodyPr>
+                    <a:lstStyle/>
+                    <a:p>
+                      <a:pPr lvl="0">
+                        <a:spcBef>
+                          <a:spcPts val="0"/>
+                        </a:spcBef>
+                        <a:buNone/>
+                      </a:pPr>
+                      <a:r>
+                        <a:t/>
+                      </a:r>
+                      <a:endParaRPr>
+                        <a:latin typeface="Roboto Slab"/>
+                        <a:ea typeface="Roboto Slab"/>
+                        <a:cs typeface="Roboto Slab"/>
+                        <a:sym typeface="Roboto Slab"/>
+                      </a:endParaRPr>
+                    </a:p>
+                  </a:txBody>
+                  <a:tcPr marT="91425" marB="91425" marR="91425" marL="91425"/>
+                </a:tc>
+                <a:tc>
+                  <a:txBody>
+                    <a:bodyPr>
+                      <a:noAutofit/>
+                    </a:bodyPr>
+                    <a:lstStyle/>
+                    <a:p>
+                      <a:pPr lvl="0">
+                        <a:spcBef>
+                          <a:spcPts val="0"/>
+                        </a:spcBef>
+                        <a:buNone/>
+                      </a:pPr>
+                      <a:r>
+                        <a:t/>
+                      </a:r>
+                      <a:endParaRPr>
+                        <a:latin typeface="Roboto Slab"/>
+                        <a:ea typeface="Roboto Slab"/>
+                        <a:cs typeface="Roboto Slab"/>
+                        <a:sym typeface="Roboto Slab"/>
+                      </a:endParaRPr>
+                    </a:p>
+                  </a:txBody>
+                  <a:tcPr marT="91425" marB="91425" marR="91425" marL="91425"/>
+                </a:tc>
+                <a:tc>
+                  <a:txBody>
+                    <a:bodyPr>
+                      <a:noAutofit/>
+                    </a:bodyPr>
+                    <a:lstStyle/>
+                    <a:p>
+                      <a:pPr lvl="0">
+                        <a:spcBef>
+                          <a:spcPts val="0"/>
+                        </a:spcBef>
+                        <a:buNone/>
+                      </a:pPr>
+                      <a:r>
+                        <a:t/>
+                      </a:r>
+                      <a:endParaRPr>
+                        <a:latin typeface="Roboto Slab"/>
+                        <a:ea typeface="Roboto Slab"/>
+                        <a:cs typeface="Roboto Slab"/>
+                        <a:sym typeface="Roboto Slab"/>
+                      </a:endParaRPr>
+                    </a:p>
+                  </a:txBody>
+                  <a:tcPr marT="91425" marB="91425" marR="91425" marL="91425"/>
+                </a:tc>
+                <a:tc>
+                  <a:txBody>
+                    <a:bodyPr>
+                      <a:noAutofit/>
+                    </a:bodyPr>
+                    <a:lstStyle/>
+                    <a:p>
+                      <a:pPr lvl="0">
+                        <a:spcBef>
+                          <a:spcPts val="0"/>
+                        </a:spcBef>
+                        <a:buNone/>
+                      </a:pPr>
+                      <a:r>
+                        <a:t/>
+                      </a:r>
+                      <a:endParaRPr>
+                        <a:latin typeface="Roboto Slab"/>
+                        <a:ea typeface="Roboto Slab"/>
+                        <a:cs typeface="Roboto Slab"/>
+                        <a:sym typeface="Roboto Slab"/>
+                      </a:endParaRPr>
+                    </a:p>
+                  </a:txBody>
+                  <a:tcPr marT="91425" marB="91425" marR="91425" marL="91425"/>
+                </a:tc>
+                <a:tc>
+                  <a:txBody>
+                    <a:bodyPr>
+                      <a:noAutofit/>
+                    </a:bodyPr>
+                    <a:lstStyle/>
+                    <a:p>
+                      <a:pPr lvl="0">
+                        <a:spcBef>
+                          <a:spcPts val="0"/>
+                        </a:spcBef>
+                        <a:buNone/>
+                      </a:pPr>
+                      <a:r>
+                        <a:t/>
+                      </a:r>
+                      <a:endParaRPr>
+                        <a:latin typeface="Roboto Slab"/>
+                        <a:ea typeface="Roboto Slab"/>
+                        <a:cs typeface="Roboto Slab"/>
+                        <a:sym typeface="Roboto Slab"/>
+                      </a:endParaRPr>
+                    </a:p>
+                  </a:txBody>
+                  <a:tcPr marT="91425" marB="91425" marR="91425" marL="91425"/>
+                </a:tc>
+                <a:tc>
+                  <a:txBody>
+                    <a:bodyPr>
+                      <a:noAutofit/>
+                    </a:bodyPr>
+                    <a:lstStyle/>
+                    <a:p>
+                      <a:pPr lvl="0">
+                        <a:spcBef>
+                          <a:spcPts val="0"/>
+                        </a:spcBef>
+                        <a:buNone/>
+                      </a:pPr>
+                      <a:r>
+                        <a:t/>
+                      </a:r>
+                      <a:endParaRPr>
+                        <a:latin typeface="Roboto Slab"/>
+                        <a:ea typeface="Roboto Slab"/>
+                        <a:cs typeface="Roboto Slab"/>
+                        <a:sym typeface="Roboto Slab"/>
+                      </a:endParaRPr>
+                    </a:p>
+                  </a:txBody>
+                  <a:tcPr marT="91425" marB="91425" marR="91425" marL="91425"/>
+                </a:tc>
+                <a:tc>
+                  <a:txBody>
+                    <a:bodyPr>
+                      <a:noAutofit/>
+                    </a:bodyPr>
+                    <a:lstStyle/>
+                    <a:p>
+                      <a:pPr lvl="0">
+                        <a:spcBef>
+                          <a:spcPts val="0"/>
+                        </a:spcBef>
+                        <a:buNone/>
+                      </a:pPr>
+                      <a:r>
+                        <a:t/>
+                      </a:r>
+                      <a:endParaRPr>
+                        <a:latin typeface="Roboto Slab"/>
+                        <a:ea typeface="Roboto Slab"/>
+                        <a:cs typeface="Roboto Slab"/>
+                        <a:sym typeface="Roboto Slab"/>
+                      </a:endParaRPr>
+                    </a:p>
+                  </a:txBody>
+                  <a:tcPr marT="91425" marB="91425" marR="91425" marL="91425"/>
+                </a:tc>
+                <a:tc>
+                  <a:txBody>
+                    <a:bodyPr>
+                      <a:noAutofit/>
+                    </a:bodyPr>
+                    <a:lstStyle/>
+                    <a:p>
+                      <a:pPr lvl="0">
+                        <a:spcBef>
+                          <a:spcPts val="0"/>
+                        </a:spcBef>
+                        <a:buNone/>
+                      </a:pPr>
+                      <a:r>
+                        <a:t/>
+                      </a:r>
+                      <a:endParaRPr>
+                        <a:latin typeface="Roboto Slab"/>
+                        <a:ea typeface="Roboto Slab"/>
+                        <a:cs typeface="Roboto Slab"/>
+                        <a:sym typeface="Roboto Slab"/>
+                      </a:endParaRPr>
+                    </a:p>
+                  </a:txBody>
+                  <a:tcPr marT="91425" marB="91425" marR="91425" marL="91425"/>
+                </a:tc>
+                <a:tc>
+                  <a:txBody>
+                    <a:bodyPr>
+                      <a:noAutofit/>
+                    </a:bodyPr>
+                    <a:lstStyle/>
+                    <a:p>
+                      <a:pPr lvl="0">
+                        <a:spcBef>
+                          <a:spcPts val="0"/>
+                        </a:spcBef>
+                        <a:buNone/>
+                      </a:pPr>
+                      <a:r>
+                        <a:t/>
+                      </a:r>
+                      <a:endParaRPr>
+                        <a:latin typeface="Roboto Slab"/>
+                        <a:ea typeface="Roboto Slab"/>
+                        <a:cs typeface="Roboto Slab"/>
+                        <a:sym typeface="Roboto Slab"/>
+                      </a:endParaRPr>
+                    </a:p>
+                  </a:txBody>
+                  <a:tcPr marT="91425" marB="91425" marR="91425" marL="91425"/>
+                </a:tc>
+                <a:tc>
+                  <a:txBody>
+                    <a:bodyPr>
+                      <a:noAutofit/>
+                    </a:bodyPr>
+                    <a:lstStyle/>
+                    <a:p>
+                      <a:pPr lvl="0">
+                        <a:spcBef>
+                          <a:spcPts val="0"/>
+                        </a:spcBef>
+                        <a:buNone/>
+                      </a:pPr>
+                      <a:r>
+                        <a:t/>
+                      </a:r>
+                      <a:endParaRPr>
+                        <a:latin typeface="Roboto Slab"/>
+                        <a:ea typeface="Roboto Slab"/>
+                        <a:cs typeface="Roboto Slab"/>
+                        <a:sym typeface="Roboto Slab"/>
+                      </a:endParaRPr>
+                    </a:p>
+                  </a:txBody>
+                  <a:tcPr marT="91425" marB="91425" marR="91425" marL="91425"/>
+                </a:tc>
+                <a:tc>
+                  <a:txBody>
+                    <a:bodyPr>
+                      <a:noAutofit/>
+                    </a:bodyPr>
+                    <a:lstStyle/>
+                    <a:p>
+                      <a:pPr lvl="0">
+                        <a:spcBef>
+                          <a:spcPts val="0"/>
+                        </a:spcBef>
+                        <a:buNone/>
+                      </a:pPr>
+                      <a:r>
+                        <a:t/>
+                      </a:r>
+                      <a:endParaRPr>
+                        <a:latin typeface="Roboto Slab"/>
+                        <a:ea typeface="Roboto Slab"/>
+                        <a:cs typeface="Roboto Slab"/>
+                        <a:sym typeface="Roboto Slab"/>
+                      </a:endParaRPr>
+                    </a:p>
+                  </a:txBody>
+                  <a:tcPr marT="91425" marB="91425" marR="91425" marL="91425"/>
+                </a:tc>
+              </a:tr>
+              <a:tr h="628800">
+                <a:tc>
+                  <a:txBody>
+                    <a:bodyPr>
+                      <a:noAutofit/>
+                    </a:bodyPr>
+                    <a:lstStyle/>
+                    <a:p>
+                      <a:pPr lvl="0" rtl="0">
+                        <a:spcBef>
+                          <a:spcPts val="0"/>
+                        </a:spcBef>
+                        <a:buNone/>
+                      </a:pPr>
+                      <a:r>
+                        <a:rPr lang="en" sz="1200">
+                          <a:solidFill>
+                            <a:srgbClr val="FFFFFF"/>
+                          </a:solidFill>
+                          <a:latin typeface="Roboto Slab"/>
+                          <a:ea typeface="Roboto Slab"/>
+                          <a:cs typeface="Roboto Slab"/>
+                          <a:sym typeface="Roboto Slab"/>
+                        </a:rPr>
+                        <a:t>Random Forest </a:t>
+                      </a:r>
+                    </a:p>
+                  </a:txBody>
+                  <a:tcPr marT="91425" marB="91425" marR="91425" marL="91425">
+                    <a:lnL cap="flat" cmpd="sng" w="9525">
+                      <a:solidFill>
+                        <a:srgbClr val="9E9E9E"/>
+                      </a:solidFill>
+                      <a:prstDash val="solid"/>
+                      <a:round/>
+                      <a:headEnd len="med" w="med" type="none"/>
+                      <a:tailEnd len="med" w="med" type="none"/>
+                    </a:lnL>
+                    <a:lnR cap="flat" cmpd="sng" w="9525">
+                      <a:solidFill>
+                        <a:srgbClr val="9E9E9E"/>
+                      </a:solidFill>
+                      <a:prstDash val="solid"/>
+                      <a:round/>
+                      <a:headEnd len="med" w="med" type="none"/>
+                      <a:tailEnd len="med" w="med" type="none"/>
+                    </a:lnR>
+                    <a:lnT cap="flat" cmpd="sng" w="9525">
+                      <a:solidFill>
+                        <a:srgbClr val="9E9E9E"/>
+                      </a:solidFill>
+                      <a:prstDash val="solid"/>
+                      <a:round/>
+                      <a:headEnd len="med" w="med" type="none"/>
+                      <a:tailEnd len="med" w="med" type="none"/>
+                    </a:lnT>
+                    <a:lnB cap="flat" cmpd="sng" w="9525">
+                      <a:solidFill>
+                        <a:srgbClr val="9E9E9E"/>
+                      </a:solidFill>
+                      <a:prstDash val="solid"/>
+                      <a:round/>
+                      <a:headEnd len="med" w="med" type="none"/>
+                      <a:tailEnd len="med" w="med" type="none"/>
+                    </a:lnB>
+                  </a:tcPr>
+                </a:tc>
+                <a:tc>
+                  <a:txBody>
+                    <a:bodyPr>
+                      <a:noAutofit/>
+                    </a:bodyPr>
+                    <a:lstStyle/>
+                    <a:p>
+                      <a:pPr lvl="0">
+                        <a:spcBef>
+                          <a:spcPts val="0"/>
+                        </a:spcBef>
+                        <a:buNone/>
+                      </a:pPr>
+                      <a:r>
+                        <a:t/>
+                      </a:r>
+                      <a:endParaRPr>
+                        <a:latin typeface="Roboto Slab"/>
+                        <a:ea typeface="Roboto Slab"/>
+                        <a:cs typeface="Roboto Slab"/>
+                        <a:sym typeface="Roboto Slab"/>
+                      </a:endParaRPr>
+                    </a:p>
+                  </a:txBody>
+                  <a:tcPr marT="91425" marB="91425" marR="91425" marL="91425">
+                    <a:lnL cap="flat" cmpd="sng" w="9525">
+                      <a:solidFill>
+                        <a:srgbClr val="9E9E9E"/>
+                      </a:solidFill>
+                      <a:prstDash val="solid"/>
+                      <a:round/>
+                      <a:headEnd len="med" w="med" type="none"/>
+                      <a:tailEnd len="med" w="med" type="none"/>
+                    </a:lnL>
+                  </a:tcPr>
+                </a:tc>
+                <a:tc>
+                  <a:txBody>
+                    <a:bodyPr>
+                      <a:noAutofit/>
+                    </a:bodyPr>
+                    <a:lstStyle/>
+                    <a:p>
+                      <a:pPr lvl="0">
+                        <a:spcBef>
+                          <a:spcPts val="0"/>
+                        </a:spcBef>
+                        <a:buNone/>
+                      </a:pPr>
+                      <a:r>
+                        <a:t/>
+                      </a:r>
+                      <a:endParaRPr>
+                        <a:latin typeface="Roboto Slab"/>
+                        <a:ea typeface="Roboto Slab"/>
+                        <a:cs typeface="Roboto Slab"/>
+                        <a:sym typeface="Roboto Slab"/>
+                      </a:endParaRPr>
+                    </a:p>
+                  </a:txBody>
+                  <a:tcPr marT="91425" marB="91425" marR="91425" marL="91425"/>
+                </a:tc>
+                <a:tc>
+                  <a:txBody>
+                    <a:bodyPr>
+                      <a:noAutofit/>
+                    </a:bodyPr>
+                    <a:lstStyle/>
+                    <a:p>
+                      <a:pPr lvl="0">
+                        <a:spcBef>
+                          <a:spcPts val="0"/>
+                        </a:spcBef>
+                        <a:buNone/>
+                      </a:pPr>
+                      <a:r>
+                        <a:t/>
+                      </a:r>
+                      <a:endParaRPr>
+                        <a:latin typeface="Roboto Slab"/>
+                        <a:ea typeface="Roboto Slab"/>
+                        <a:cs typeface="Roboto Slab"/>
+                        <a:sym typeface="Roboto Slab"/>
+                      </a:endParaRPr>
+                    </a:p>
+                  </a:txBody>
+                  <a:tcPr marT="91425" marB="91425" marR="91425" marL="91425"/>
+                </a:tc>
+                <a:tc>
+                  <a:txBody>
+                    <a:bodyPr>
+                      <a:noAutofit/>
+                    </a:bodyPr>
+                    <a:lstStyle/>
+                    <a:p>
+                      <a:pPr lvl="0">
+                        <a:spcBef>
+                          <a:spcPts val="0"/>
+                        </a:spcBef>
+                        <a:buNone/>
+                      </a:pPr>
+                      <a:r>
+                        <a:t/>
+                      </a:r>
+                      <a:endParaRPr>
+                        <a:latin typeface="Roboto Slab"/>
+                        <a:ea typeface="Roboto Slab"/>
+                        <a:cs typeface="Roboto Slab"/>
+                        <a:sym typeface="Roboto Slab"/>
+                      </a:endParaRPr>
+                    </a:p>
+                  </a:txBody>
+                  <a:tcPr marT="91425" marB="91425" marR="91425" marL="91425"/>
+                </a:tc>
+                <a:tc>
+                  <a:txBody>
+                    <a:bodyPr>
+                      <a:noAutofit/>
+                    </a:bodyPr>
+                    <a:lstStyle/>
+                    <a:p>
+                      <a:pPr lvl="0">
+                        <a:spcBef>
+                          <a:spcPts val="0"/>
+                        </a:spcBef>
+                        <a:buNone/>
+                      </a:pPr>
+                      <a:r>
+                        <a:t/>
+                      </a:r>
+                      <a:endParaRPr>
+                        <a:latin typeface="Roboto Slab"/>
+                        <a:ea typeface="Roboto Slab"/>
+                        <a:cs typeface="Roboto Slab"/>
+                        <a:sym typeface="Roboto Slab"/>
+                      </a:endParaRPr>
+                    </a:p>
+                  </a:txBody>
+                  <a:tcPr marT="91425" marB="91425" marR="91425" marL="91425"/>
+                </a:tc>
+                <a:tc>
+                  <a:txBody>
+                    <a:bodyPr>
+                      <a:noAutofit/>
+                    </a:bodyPr>
+                    <a:lstStyle/>
+                    <a:p>
+                      <a:pPr lvl="0">
+                        <a:spcBef>
+                          <a:spcPts val="0"/>
+                        </a:spcBef>
+                        <a:buNone/>
+                      </a:pPr>
+                      <a:r>
+                        <a:t/>
+                      </a:r>
+                      <a:endParaRPr>
+                        <a:latin typeface="Roboto Slab"/>
+                        <a:ea typeface="Roboto Slab"/>
+                        <a:cs typeface="Roboto Slab"/>
+                        <a:sym typeface="Roboto Slab"/>
+                      </a:endParaRPr>
+                    </a:p>
+                  </a:txBody>
+                  <a:tcPr marT="91425" marB="91425" marR="91425" marL="91425"/>
+                </a:tc>
+                <a:tc>
+                  <a:txBody>
+                    <a:bodyPr>
+                      <a:noAutofit/>
+                    </a:bodyPr>
+                    <a:lstStyle/>
+                    <a:p>
+                      <a:pPr lvl="0">
+                        <a:spcBef>
+                          <a:spcPts val="0"/>
+                        </a:spcBef>
+                        <a:buNone/>
+                      </a:pPr>
+                      <a:r>
+                        <a:t/>
+                      </a:r>
+                      <a:endParaRPr>
+                        <a:latin typeface="Roboto Slab"/>
+                        <a:ea typeface="Roboto Slab"/>
+                        <a:cs typeface="Roboto Slab"/>
+                        <a:sym typeface="Roboto Slab"/>
+                      </a:endParaRPr>
+                    </a:p>
+                  </a:txBody>
+                  <a:tcPr marT="91425" marB="91425" marR="91425" marL="91425"/>
+                </a:tc>
+                <a:tc>
+                  <a:txBody>
+                    <a:bodyPr>
+                      <a:noAutofit/>
+                    </a:bodyPr>
+                    <a:lstStyle/>
+                    <a:p>
+                      <a:pPr lvl="0">
+                        <a:spcBef>
+                          <a:spcPts val="0"/>
+                        </a:spcBef>
+                        <a:buNone/>
+                      </a:pPr>
+                      <a:r>
+                        <a:t/>
+                      </a:r>
+                      <a:endParaRPr>
+                        <a:latin typeface="Roboto Slab"/>
+                        <a:ea typeface="Roboto Slab"/>
+                        <a:cs typeface="Roboto Slab"/>
+                        <a:sym typeface="Roboto Slab"/>
+                      </a:endParaRPr>
+                    </a:p>
+                  </a:txBody>
+                  <a:tcPr marT="91425" marB="91425" marR="91425" marL="91425"/>
+                </a:tc>
+                <a:tc>
+                  <a:txBody>
+                    <a:bodyPr>
+                      <a:noAutofit/>
+                    </a:bodyPr>
+                    <a:lstStyle/>
+                    <a:p>
+                      <a:pPr lvl="0">
+                        <a:spcBef>
+                          <a:spcPts val="0"/>
+                        </a:spcBef>
+                        <a:buNone/>
+                      </a:pPr>
+                      <a:r>
+                        <a:t/>
+                      </a:r>
+                      <a:endParaRPr>
+                        <a:latin typeface="Roboto Slab"/>
+                        <a:ea typeface="Roboto Slab"/>
+                        <a:cs typeface="Roboto Slab"/>
+                        <a:sym typeface="Roboto Slab"/>
+                      </a:endParaRPr>
+                    </a:p>
+                  </a:txBody>
+                  <a:tcPr marT="91425" marB="91425" marR="91425" marL="91425"/>
+                </a:tc>
+                <a:tc>
+                  <a:txBody>
+                    <a:bodyPr>
+                      <a:noAutofit/>
+                    </a:bodyPr>
+                    <a:lstStyle/>
+                    <a:p>
+                      <a:pPr lvl="0">
+                        <a:spcBef>
+                          <a:spcPts val="0"/>
+                        </a:spcBef>
+                        <a:buNone/>
+                      </a:pPr>
+                      <a:r>
+                        <a:t/>
+                      </a:r>
+                      <a:endParaRPr>
+                        <a:latin typeface="Roboto Slab"/>
+                        <a:ea typeface="Roboto Slab"/>
+                        <a:cs typeface="Roboto Slab"/>
+                        <a:sym typeface="Roboto Slab"/>
+                      </a:endParaRPr>
+                    </a:p>
+                  </a:txBody>
+                  <a:tcPr marT="91425" marB="91425" marR="91425" marL="91425"/>
+                </a:tc>
+                <a:tc>
+                  <a:txBody>
+                    <a:bodyPr>
+                      <a:noAutofit/>
+                    </a:bodyPr>
+                    <a:lstStyle/>
+                    <a:p>
+                      <a:pPr lvl="0">
+                        <a:spcBef>
+                          <a:spcPts val="0"/>
+                        </a:spcBef>
+                        <a:buNone/>
+                      </a:pPr>
+                      <a:r>
+                        <a:t/>
+                      </a:r>
+                      <a:endParaRPr>
+                        <a:latin typeface="Roboto Slab"/>
+                        <a:ea typeface="Roboto Slab"/>
+                        <a:cs typeface="Roboto Slab"/>
+                        <a:sym typeface="Roboto Slab"/>
+                      </a:endParaRPr>
+                    </a:p>
+                  </a:txBody>
+                  <a:tcPr marT="91425" marB="91425" marR="91425" marL="91425"/>
+                </a:tc>
+                <a:tc>
+                  <a:txBody>
+                    <a:bodyPr>
+                      <a:noAutofit/>
+                    </a:bodyPr>
+                    <a:lstStyle/>
+                    <a:p>
+                      <a:pPr lvl="0">
+                        <a:spcBef>
+                          <a:spcPts val="0"/>
+                        </a:spcBef>
+                        <a:buNone/>
+                      </a:pPr>
+                      <a:r>
+                        <a:t/>
+                      </a:r>
+                      <a:endParaRPr>
+                        <a:latin typeface="Roboto Slab"/>
+                        <a:ea typeface="Roboto Slab"/>
+                        <a:cs typeface="Roboto Slab"/>
+                        <a:sym typeface="Roboto Slab"/>
+                      </a:endParaRPr>
+                    </a:p>
+                  </a:txBody>
+                  <a:tcPr marT="91425" marB="91425" marR="91425" marL="91425"/>
+                </a:tc>
+                <a:tc>
+                  <a:txBody>
+                    <a:bodyPr>
+                      <a:noAutofit/>
+                    </a:bodyPr>
+                    <a:lstStyle/>
+                    <a:p>
+                      <a:pPr lvl="0">
+                        <a:spcBef>
+                          <a:spcPts val="0"/>
+                        </a:spcBef>
+                        <a:buNone/>
+                      </a:pPr>
+                      <a:r>
+                        <a:t/>
+                      </a:r>
+                      <a:endParaRPr>
+                        <a:latin typeface="Roboto Slab"/>
+                        <a:ea typeface="Roboto Slab"/>
+                        <a:cs typeface="Roboto Slab"/>
+                        <a:sym typeface="Roboto Slab"/>
+                      </a:endParaRPr>
+                    </a:p>
+                  </a:txBody>
+                  <a:tcPr marT="91425" marB="91425" marR="91425" marL="91425"/>
+                </a:tc>
+                <a:tc>
+                  <a:txBody>
+                    <a:bodyPr>
+                      <a:noAutofit/>
+                    </a:bodyPr>
+                    <a:lstStyle/>
+                    <a:p>
+                      <a:pPr lvl="0">
+                        <a:spcBef>
+                          <a:spcPts val="0"/>
+                        </a:spcBef>
+                        <a:buNone/>
+                      </a:pPr>
+                      <a:r>
+                        <a:t/>
+                      </a:r>
+                      <a:endParaRPr>
+                        <a:latin typeface="Roboto Slab"/>
+                        <a:ea typeface="Roboto Slab"/>
+                        <a:cs typeface="Roboto Slab"/>
+                        <a:sym typeface="Roboto Slab"/>
+                      </a:endParaRPr>
+                    </a:p>
+                  </a:txBody>
+                  <a:tcPr marT="91425" marB="91425" marR="91425" marL="91425"/>
+                </a:tc>
+                <a:tc>
+                  <a:txBody>
+                    <a:bodyPr>
+                      <a:noAutofit/>
+                    </a:bodyPr>
+                    <a:lstStyle/>
+                    <a:p>
+                      <a:pPr lvl="0">
+                        <a:spcBef>
+                          <a:spcPts val="0"/>
+                        </a:spcBef>
+                        <a:buNone/>
+                      </a:pPr>
+                      <a:r>
+                        <a:t/>
+                      </a:r>
+                      <a:endParaRPr>
+                        <a:latin typeface="Roboto Slab"/>
+                        <a:ea typeface="Roboto Slab"/>
+                        <a:cs typeface="Roboto Slab"/>
+                        <a:sym typeface="Roboto Slab"/>
+                      </a:endParaRPr>
+                    </a:p>
+                  </a:txBody>
+                  <a:tcPr marT="91425" marB="91425" marR="91425" marL="91425"/>
+                </a:tc>
+              </a:tr>
+              <a:tr h="837750">
+                <a:tc>
+                  <a:txBody>
+                    <a:bodyPr>
+                      <a:noAutofit/>
+                    </a:bodyPr>
+                    <a:lstStyle/>
+                    <a:p>
+                      <a:pPr lvl="0" rtl="0">
+                        <a:spcBef>
+                          <a:spcPts val="0"/>
+                        </a:spcBef>
+                        <a:buNone/>
+                      </a:pPr>
+                      <a:r>
+                        <a:rPr lang="en" sz="1200">
+                          <a:solidFill>
+                            <a:srgbClr val="FFFFFF"/>
+                          </a:solidFill>
+                          <a:latin typeface="Roboto Slab"/>
+                          <a:ea typeface="Roboto Slab"/>
+                          <a:cs typeface="Roboto Slab"/>
+                          <a:sym typeface="Roboto Slab"/>
+                        </a:rPr>
+                        <a:t>CNN - 2 Layer (PyTorch)</a:t>
+                      </a:r>
+                    </a:p>
+                  </a:txBody>
+                  <a:tcPr marT="91425" marB="91425" marR="91425" marL="91425">
+                    <a:lnL cap="flat" cmpd="sng" w="9525">
+                      <a:solidFill>
+                        <a:srgbClr val="9E9E9E"/>
+                      </a:solidFill>
+                      <a:prstDash val="solid"/>
+                      <a:round/>
+                      <a:headEnd len="med" w="med" type="none"/>
+                      <a:tailEnd len="med" w="med" type="none"/>
+                    </a:lnL>
+                    <a:lnR cap="flat" cmpd="sng" w="9525">
+                      <a:solidFill>
+                        <a:srgbClr val="9E9E9E"/>
+                      </a:solidFill>
+                      <a:prstDash val="solid"/>
+                      <a:round/>
+                      <a:headEnd len="med" w="med" type="none"/>
+                      <a:tailEnd len="med" w="med" type="none"/>
+                    </a:lnR>
+                    <a:lnT cap="flat" cmpd="sng" w="9525">
+                      <a:solidFill>
+                        <a:srgbClr val="9E9E9E"/>
+                      </a:solidFill>
+                      <a:prstDash val="solid"/>
+                      <a:round/>
+                      <a:headEnd len="med" w="med" type="none"/>
+                      <a:tailEnd len="med" w="med" type="none"/>
+                    </a:lnT>
+                    <a:lnB cap="flat" cmpd="sng" w="9525">
+                      <a:solidFill>
+                        <a:srgbClr val="9E9E9E"/>
+                      </a:solidFill>
+                      <a:prstDash val="solid"/>
+                      <a:round/>
+                      <a:headEnd len="med" w="med" type="none"/>
+                      <a:tailEnd len="med" w="med" type="none"/>
+                    </a:lnB>
+                  </a:tcPr>
+                </a:tc>
+                <a:tc>
+                  <a:txBody>
+                    <a:bodyPr>
+                      <a:noAutofit/>
+                    </a:bodyPr>
+                    <a:lstStyle/>
+                    <a:p>
+                      <a:pPr lvl="0" algn="ctr">
+                        <a:spcBef>
+                          <a:spcPts val="0"/>
+                        </a:spcBef>
+                        <a:buNone/>
+                      </a:pPr>
+                      <a:r>
+                        <a:rPr lang="en">
+                          <a:solidFill>
+                            <a:srgbClr val="FFFFFF"/>
+                          </a:solidFill>
+                          <a:latin typeface="Roboto Slab"/>
+                          <a:ea typeface="Roboto Slab"/>
+                          <a:cs typeface="Roboto Slab"/>
+                          <a:sym typeface="Roboto Slab"/>
+                        </a:rPr>
+                        <a:t>8</a:t>
+                      </a:r>
+                    </a:p>
+                  </a:txBody>
+                  <a:tcPr marT="91425" marB="91425" marR="91425" marL="91425">
+                    <a:lnL cap="flat" cmpd="sng" w="9525">
+                      <a:solidFill>
+                        <a:srgbClr val="9E9E9E"/>
+                      </a:solidFill>
+                      <a:prstDash val="solid"/>
+                      <a:round/>
+                      <a:headEnd len="med" w="med" type="none"/>
+                      <a:tailEnd len="med" w="med" type="none"/>
+                    </a:lnL>
+                  </a:tcPr>
+                </a:tc>
+                <a:tc>
+                  <a:txBody>
+                    <a:bodyPr>
+                      <a:noAutofit/>
+                    </a:bodyPr>
+                    <a:lstStyle/>
+                    <a:p>
+                      <a:pPr lvl="0" algn="ctr">
+                        <a:spcBef>
+                          <a:spcPts val="0"/>
+                        </a:spcBef>
+                        <a:buNone/>
+                      </a:pPr>
+                      <a:r>
+                        <a:rPr lang="en">
+                          <a:solidFill>
+                            <a:srgbClr val="FFFFFF"/>
+                          </a:solidFill>
+                          <a:latin typeface="Roboto Slab"/>
+                          <a:ea typeface="Roboto Slab"/>
+                          <a:cs typeface="Roboto Slab"/>
+                          <a:sym typeface="Roboto Slab"/>
+                        </a:rPr>
+                        <a:t>30</a:t>
+                      </a:r>
+                    </a:p>
+                  </a:txBody>
+                  <a:tcPr marT="91425" marB="91425" marR="91425" marL="91425"/>
+                </a:tc>
+                <a:tc>
+                  <a:txBody>
+                    <a:bodyPr>
+                      <a:noAutofit/>
+                    </a:bodyPr>
+                    <a:lstStyle/>
+                    <a:p>
+                      <a:pPr lvl="0" algn="ctr">
+                        <a:spcBef>
+                          <a:spcPts val="0"/>
+                        </a:spcBef>
+                        <a:buNone/>
+                      </a:pPr>
+                      <a:r>
+                        <a:rPr lang="en">
+                          <a:solidFill>
+                            <a:srgbClr val="FFFFFF"/>
+                          </a:solidFill>
+                          <a:latin typeface="Roboto Slab"/>
+                          <a:ea typeface="Roboto Slab"/>
+                          <a:cs typeface="Roboto Slab"/>
+                          <a:sym typeface="Roboto Slab"/>
+                        </a:rPr>
+                        <a:t>25</a:t>
+                      </a:r>
+                    </a:p>
+                  </a:txBody>
+                  <a:tcPr marT="91425" marB="91425" marR="91425" marL="91425"/>
+                </a:tc>
+                <a:tc>
+                  <a:txBody>
+                    <a:bodyPr>
+                      <a:noAutofit/>
+                    </a:bodyPr>
+                    <a:lstStyle/>
+                    <a:p>
+                      <a:pPr lvl="0" algn="ctr">
+                        <a:spcBef>
+                          <a:spcPts val="0"/>
+                        </a:spcBef>
+                        <a:buNone/>
+                      </a:pPr>
+                      <a:r>
+                        <a:rPr lang="en">
+                          <a:solidFill>
+                            <a:srgbClr val="FFFFFF"/>
+                          </a:solidFill>
+                          <a:latin typeface="Roboto Slab"/>
+                          <a:ea typeface="Roboto Slab"/>
+                          <a:cs typeface="Roboto Slab"/>
+                          <a:sym typeface="Roboto Slab"/>
+                        </a:rPr>
+                        <a:t>6</a:t>
+                      </a:r>
+                    </a:p>
+                  </a:txBody>
+                  <a:tcPr marT="91425" marB="91425" marR="91425" marL="91425"/>
+                </a:tc>
+                <a:tc>
+                  <a:txBody>
+                    <a:bodyPr>
+                      <a:noAutofit/>
+                    </a:bodyPr>
+                    <a:lstStyle/>
+                    <a:p>
+                      <a:pPr lvl="0" algn="ctr">
+                        <a:spcBef>
+                          <a:spcPts val="0"/>
+                        </a:spcBef>
+                        <a:buNone/>
+                      </a:pPr>
+                      <a:r>
+                        <a:rPr lang="en">
+                          <a:solidFill>
+                            <a:srgbClr val="FFFFFF"/>
+                          </a:solidFill>
+                          <a:latin typeface="Roboto Slab"/>
+                          <a:ea typeface="Roboto Slab"/>
+                          <a:cs typeface="Roboto Slab"/>
+                          <a:sym typeface="Roboto Slab"/>
+                        </a:rPr>
+                        <a:t>6</a:t>
+                      </a:r>
+                    </a:p>
+                  </a:txBody>
+                  <a:tcPr marT="91425" marB="91425" marR="91425" marL="91425"/>
+                </a:tc>
+                <a:tc>
+                  <a:txBody>
+                    <a:bodyPr>
+                      <a:noAutofit/>
+                    </a:bodyPr>
+                    <a:lstStyle/>
+                    <a:p>
+                      <a:pPr lvl="0" algn="ctr">
+                        <a:spcBef>
+                          <a:spcPts val="0"/>
+                        </a:spcBef>
+                        <a:buNone/>
+                      </a:pPr>
+                      <a:r>
+                        <a:rPr lang="en">
+                          <a:solidFill>
+                            <a:srgbClr val="FFFFFF"/>
+                          </a:solidFill>
+                          <a:latin typeface="Roboto Slab"/>
+                          <a:ea typeface="Roboto Slab"/>
+                          <a:cs typeface="Roboto Slab"/>
+                          <a:sym typeface="Roboto Slab"/>
+                        </a:rPr>
+                        <a:t>25</a:t>
+                      </a:r>
+                    </a:p>
+                  </a:txBody>
+                  <a:tcPr marT="91425" marB="91425" marR="91425" marL="91425"/>
+                </a:tc>
+                <a:tc>
+                  <a:txBody>
+                    <a:bodyPr>
+                      <a:noAutofit/>
+                    </a:bodyPr>
+                    <a:lstStyle/>
+                    <a:p>
+                      <a:pPr lvl="0" algn="ctr">
+                        <a:spcBef>
+                          <a:spcPts val="0"/>
+                        </a:spcBef>
+                        <a:buNone/>
+                      </a:pPr>
+                      <a:r>
+                        <a:rPr lang="en">
+                          <a:solidFill>
+                            <a:srgbClr val="FFFFFF"/>
+                          </a:solidFill>
+                          <a:latin typeface="Roboto Slab"/>
+                          <a:ea typeface="Roboto Slab"/>
+                          <a:cs typeface="Roboto Slab"/>
+                          <a:sym typeface="Roboto Slab"/>
+                        </a:rPr>
+                        <a:t>4</a:t>
+                      </a:r>
+                    </a:p>
+                  </a:txBody>
+                  <a:tcPr marT="91425" marB="91425" marR="91425" marL="91425"/>
+                </a:tc>
+                <a:tc>
+                  <a:txBody>
+                    <a:bodyPr>
+                      <a:noAutofit/>
+                    </a:bodyPr>
+                    <a:lstStyle/>
+                    <a:p>
+                      <a:pPr lvl="0" algn="ctr">
+                        <a:spcBef>
+                          <a:spcPts val="0"/>
+                        </a:spcBef>
+                        <a:buNone/>
+                      </a:pPr>
+                      <a:r>
+                        <a:rPr lang="en">
+                          <a:solidFill>
+                            <a:srgbClr val="FFFFFF"/>
+                          </a:solidFill>
+                          <a:latin typeface="Roboto Slab"/>
+                          <a:ea typeface="Roboto Slab"/>
+                          <a:cs typeface="Roboto Slab"/>
+                          <a:sym typeface="Roboto Slab"/>
+                        </a:rPr>
+                        <a:t>10</a:t>
+                      </a:r>
+                    </a:p>
+                  </a:txBody>
+                  <a:tcPr marT="91425" marB="91425" marR="91425" marL="91425"/>
+                </a:tc>
+                <a:tc>
+                  <a:txBody>
+                    <a:bodyPr>
+                      <a:noAutofit/>
+                    </a:bodyPr>
+                    <a:lstStyle/>
+                    <a:p>
+                      <a:pPr lvl="0" algn="ctr">
+                        <a:spcBef>
+                          <a:spcPts val="0"/>
+                        </a:spcBef>
+                        <a:buNone/>
+                      </a:pPr>
+                      <a:r>
+                        <a:rPr lang="en">
+                          <a:solidFill>
+                            <a:srgbClr val="FFFFFF"/>
+                          </a:solidFill>
+                          <a:latin typeface="Roboto Slab"/>
+                          <a:ea typeface="Roboto Slab"/>
+                          <a:cs typeface="Roboto Slab"/>
+                          <a:sym typeface="Roboto Slab"/>
+                        </a:rPr>
+                        <a:t>3</a:t>
+                      </a:r>
+                    </a:p>
+                  </a:txBody>
+                  <a:tcPr marT="91425" marB="91425" marR="91425" marL="91425"/>
+                </a:tc>
+                <a:tc>
+                  <a:txBody>
+                    <a:bodyPr>
+                      <a:noAutofit/>
+                    </a:bodyPr>
+                    <a:lstStyle/>
+                    <a:p>
+                      <a:pPr lvl="0" algn="ctr">
+                        <a:spcBef>
+                          <a:spcPts val="0"/>
+                        </a:spcBef>
+                        <a:buNone/>
+                      </a:pPr>
+                      <a:r>
+                        <a:rPr lang="en">
+                          <a:solidFill>
+                            <a:srgbClr val="FFFFFF"/>
+                          </a:solidFill>
+                          <a:latin typeface="Roboto Slab"/>
+                          <a:ea typeface="Roboto Slab"/>
+                          <a:cs typeface="Roboto Slab"/>
+                          <a:sym typeface="Roboto Slab"/>
+                        </a:rPr>
+                        <a:t>12</a:t>
+                      </a:r>
+                    </a:p>
+                  </a:txBody>
+                  <a:tcPr marT="91425" marB="91425" marR="91425" marL="91425"/>
+                </a:tc>
+                <a:tc>
+                  <a:txBody>
+                    <a:bodyPr>
+                      <a:noAutofit/>
+                    </a:bodyPr>
+                    <a:lstStyle/>
+                    <a:p>
+                      <a:pPr lvl="0" algn="ctr">
+                        <a:spcBef>
+                          <a:spcPts val="0"/>
+                        </a:spcBef>
+                        <a:buNone/>
+                      </a:pPr>
+                      <a:r>
+                        <a:rPr lang="en">
+                          <a:solidFill>
+                            <a:srgbClr val="FFFFFF"/>
+                          </a:solidFill>
+                          <a:latin typeface="Roboto Slab"/>
+                          <a:ea typeface="Roboto Slab"/>
+                          <a:cs typeface="Roboto Slab"/>
+                          <a:sym typeface="Roboto Slab"/>
+                        </a:rPr>
+                        <a:t>0</a:t>
+                      </a:r>
+                    </a:p>
+                  </a:txBody>
+                  <a:tcPr marT="91425" marB="91425" marR="91425" marL="91425"/>
+                </a:tc>
+                <a:tc>
+                  <a:txBody>
+                    <a:bodyPr>
+                      <a:noAutofit/>
+                    </a:bodyPr>
+                    <a:lstStyle/>
+                    <a:p>
+                      <a:pPr lvl="0" algn="ctr">
+                        <a:spcBef>
+                          <a:spcPts val="0"/>
+                        </a:spcBef>
+                        <a:buNone/>
+                      </a:pPr>
+                      <a:r>
+                        <a:rPr lang="en">
+                          <a:solidFill>
+                            <a:srgbClr val="FFFFFF"/>
+                          </a:solidFill>
+                          <a:latin typeface="Roboto Slab"/>
+                          <a:ea typeface="Roboto Slab"/>
+                          <a:cs typeface="Roboto Slab"/>
+                          <a:sym typeface="Roboto Slab"/>
+                        </a:rPr>
+                        <a:t>0</a:t>
+                      </a:r>
+                    </a:p>
+                  </a:txBody>
+                  <a:tcPr marT="91425" marB="91425" marR="91425" marL="91425"/>
+                </a:tc>
+                <a:tc>
+                  <a:txBody>
+                    <a:bodyPr>
+                      <a:noAutofit/>
+                    </a:bodyPr>
+                    <a:lstStyle/>
+                    <a:p>
+                      <a:pPr lvl="0" algn="ctr">
+                        <a:spcBef>
+                          <a:spcPts val="0"/>
+                        </a:spcBef>
+                        <a:buNone/>
+                      </a:pPr>
+                      <a:r>
+                        <a:rPr lang="en">
+                          <a:solidFill>
+                            <a:srgbClr val="FFFFFF"/>
+                          </a:solidFill>
+                          <a:latin typeface="Roboto Slab"/>
+                          <a:ea typeface="Roboto Slab"/>
+                          <a:cs typeface="Roboto Slab"/>
+                          <a:sym typeface="Roboto Slab"/>
+                        </a:rPr>
+                        <a:t>0</a:t>
+                      </a:r>
+                    </a:p>
+                  </a:txBody>
+                  <a:tcPr marT="91425" marB="91425" marR="91425" marL="91425"/>
+                </a:tc>
+                <a:tc>
+                  <a:txBody>
+                    <a:bodyPr>
+                      <a:noAutofit/>
+                    </a:bodyPr>
+                    <a:lstStyle/>
+                    <a:p>
+                      <a:pPr lvl="0" algn="ctr">
+                        <a:spcBef>
+                          <a:spcPts val="0"/>
+                        </a:spcBef>
+                        <a:buNone/>
+                      </a:pPr>
+                      <a:r>
+                        <a:rPr lang="en">
+                          <a:solidFill>
+                            <a:srgbClr val="FFFFFF"/>
+                          </a:solidFill>
+                          <a:latin typeface="Roboto Slab"/>
+                          <a:ea typeface="Roboto Slab"/>
+                          <a:cs typeface="Roboto Slab"/>
+                          <a:sym typeface="Roboto Slab"/>
+                        </a:rPr>
+                        <a:t>0</a:t>
+                      </a:r>
+                    </a:p>
+                  </a:txBody>
+                  <a:tcPr marT="91425" marB="91425" marR="91425" marL="91425"/>
+                </a:tc>
+                <a:tc>
+                  <a:txBody>
+                    <a:bodyPr>
+                      <a:noAutofit/>
+                    </a:bodyPr>
+                    <a:lstStyle/>
+                    <a:p>
+                      <a:pPr lvl="0" algn="ctr">
+                        <a:spcBef>
+                          <a:spcPts val="0"/>
+                        </a:spcBef>
+                        <a:buNone/>
+                      </a:pPr>
+                      <a:r>
+                        <a:rPr lang="en">
+                          <a:solidFill>
+                            <a:srgbClr val="FFFFFF"/>
+                          </a:solidFill>
+                          <a:latin typeface="Roboto Slab"/>
+                          <a:ea typeface="Roboto Slab"/>
+                          <a:cs typeface="Roboto Slab"/>
+                          <a:sym typeface="Roboto Slab"/>
+                        </a:rPr>
+                        <a:t>0</a:t>
+                      </a:r>
+                    </a:p>
+                  </a:txBody>
+                  <a:tcPr marT="91425" marB="91425" marR="91425" marL="91425"/>
+                </a:tc>
+              </a:tr>
+              <a:tr h="793800">
+                <a:tc>
+                  <a:txBody>
+                    <a:bodyPr>
+                      <a:noAutofit/>
+                    </a:bodyPr>
+                    <a:lstStyle/>
+                    <a:p>
+                      <a:pPr lvl="0" rtl="0">
+                        <a:spcBef>
+                          <a:spcPts val="0"/>
+                        </a:spcBef>
+                        <a:buNone/>
+                      </a:pPr>
+                      <a:r>
+                        <a:rPr lang="en" sz="1200">
+                          <a:solidFill>
+                            <a:srgbClr val="FFFFFF"/>
+                          </a:solidFill>
+                          <a:latin typeface="Roboto Slab"/>
+                          <a:ea typeface="Roboto Slab"/>
+                          <a:cs typeface="Roboto Slab"/>
+                          <a:sym typeface="Roboto Slab"/>
+                        </a:rPr>
+                        <a:t>CNN - 18 Layers (TF + Keras)</a:t>
+                      </a:r>
+                    </a:p>
+                  </a:txBody>
+                  <a:tcPr marT="91425" marB="91425" marR="91425" marL="91425">
+                    <a:lnL cap="flat" cmpd="sng" w="9525">
+                      <a:solidFill>
+                        <a:srgbClr val="9E9E9E"/>
+                      </a:solidFill>
+                      <a:prstDash val="solid"/>
+                      <a:round/>
+                      <a:headEnd len="med" w="med" type="none"/>
+                      <a:tailEnd len="med" w="med" type="none"/>
+                    </a:lnL>
+                    <a:lnR cap="flat" cmpd="sng" w="9525">
+                      <a:solidFill>
+                        <a:srgbClr val="9E9E9E"/>
+                      </a:solidFill>
+                      <a:prstDash val="solid"/>
+                      <a:round/>
+                      <a:headEnd len="med" w="med" type="none"/>
+                      <a:tailEnd len="med" w="med" type="none"/>
+                    </a:lnR>
+                    <a:lnT cap="flat" cmpd="sng" w="9525">
+                      <a:solidFill>
+                        <a:srgbClr val="9E9E9E"/>
+                      </a:solidFill>
+                      <a:prstDash val="solid"/>
+                      <a:round/>
+                      <a:headEnd len="med" w="med" type="none"/>
+                      <a:tailEnd len="med" w="med" type="none"/>
+                    </a:lnT>
+                    <a:lnB cap="flat" cmpd="sng" w="9525">
+                      <a:solidFill>
+                        <a:srgbClr val="9E9E9E"/>
+                      </a:solidFill>
+                      <a:prstDash val="solid"/>
+                      <a:round/>
+                      <a:headEnd len="med" w="med" type="none"/>
+                      <a:tailEnd len="med" w="med" type="none"/>
+                    </a:lnB>
+                  </a:tcPr>
+                </a:tc>
+                <a:tc>
+                  <a:txBody>
+                    <a:bodyPr>
+                      <a:noAutofit/>
+                    </a:bodyPr>
+                    <a:lstStyle/>
+                    <a:p>
+                      <a:pPr lvl="0" rtl="0">
+                        <a:spcBef>
+                          <a:spcPts val="0"/>
+                        </a:spcBef>
+                        <a:buNone/>
+                      </a:pPr>
+                      <a:r>
+                        <a:rPr lang="en">
+                          <a:solidFill>
+                            <a:srgbClr val="FFFFFF"/>
+                          </a:solidFill>
+                        </a:rPr>
+                        <a:t>19</a:t>
+                      </a:r>
+                    </a:p>
+                  </a:txBody>
+                  <a:tcPr marT="91425" marB="91425" marR="91425" marL="91425">
+                    <a:lnL cap="flat" cmpd="sng" w="9525">
+                      <a:solidFill>
+                        <a:srgbClr val="9E9E9E"/>
+                      </a:solidFill>
+                      <a:prstDash val="solid"/>
+                      <a:round/>
+                      <a:headEnd len="med" w="med" type="none"/>
+                      <a:tailEnd len="med" w="med" type="none"/>
+                    </a:lnL>
+                  </a:tcPr>
+                </a:tc>
+                <a:tc>
+                  <a:txBody>
+                    <a:bodyPr>
+                      <a:noAutofit/>
+                    </a:bodyPr>
+                    <a:lstStyle/>
+                    <a:p>
+                      <a:pPr lvl="0" rtl="0">
+                        <a:spcBef>
+                          <a:spcPts val="0"/>
+                        </a:spcBef>
+                        <a:buNone/>
+                      </a:pPr>
+                      <a:r>
+                        <a:rPr lang="en">
+                          <a:solidFill>
+                            <a:srgbClr val="FFFFFF"/>
+                          </a:solidFill>
+                        </a:rPr>
+                        <a:t>38</a:t>
+                      </a:r>
+                    </a:p>
+                  </a:txBody>
+                  <a:tcPr marT="91425" marB="91425" marR="91425" marL="91425"/>
+                </a:tc>
+                <a:tc>
+                  <a:txBody>
+                    <a:bodyPr>
+                      <a:noAutofit/>
+                    </a:bodyPr>
+                    <a:lstStyle/>
+                    <a:p>
+                      <a:pPr lvl="0" rtl="0">
+                        <a:spcBef>
+                          <a:spcPts val="0"/>
+                        </a:spcBef>
+                        <a:buNone/>
+                      </a:pPr>
+                      <a:r>
+                        <a:rPr lang="en">
+                          <a:solidFill>
+                            <a:srgbClr val="FFFFFF"/>
+                          </a:solidFill>
+                        </a:rPr>
+                        <a:t>100</a:t>
+                      </a:r>
+                    </a:p>
+                  </a:txBody>
+                  <a:tcPr marT="91425" marB="91425" marR="91425" marL="91425"/>
+                </a:tc>
+                <a:tc>
+                  <a:txBody>
+                    <a:bodyPr>
+                      <a:noAutofit/>
+                    </a:bodyPr>
+                    <a:lstStyle/>
+                    <a:p>
+                      <a:pPr lvl="0" rtl="0">
+                        <a:spcBef>
+                          <a:spcPts val="0"/>
+                        </a:spcBef>
+                        <a:buNone/>
+                      </a:pPr>
+                      <a:r>
+                        <a:rPr lang="en">
+                          <a:solidFill>
+                            <a:srgbClr val="FFFFFF"/>
+                          </a:solidFill>
+                        </a:rPr>
+                        <a:t>6</a:t>
+                      </a:r>
+                    </a:p>
+                  </a:txBody>
+                  <a:tcPr marT="91425" marB="91425" marR="91425" marL="91425"/>
+                </a:tc>
+                <a:tc>
+                  <a:txBody>
+                    <a:bodyPr>
+                      <a:noAutofit/>
+                    </a:bodyPr>
+                    <a:lstStyle/>
+                    <a:p>
+                      <a:pPr lvl="0" rtl="0">
+                        <a:spcBef>
+                          <a:spcPts val="0"/>
+                        </a:spcBef>
+                        <a:buNone/>
+                      </a:pPr>
+                      <a:r>
+                        <a:rPr lang="en">
+                          <a:solidFill>
+                            <a:srgbClr val="FFFFFF"/>
+                          </a:solidFill>
+                        </a:rPr>
+                        <a:t>13</a:t>
+                      </a:r>
+                    </a:p>
+                  </a:txBody>
+                  <a:tcPr marT="91425" marB="91425" marR="91425" marL="91425"/>
+                </a:tc>
+                <a:tc>
+                  <a:txBody>
+                    <a:bodyPr>
+                      <a:noAutofit/>
+                    </a:bodyPr>
+                    <a:lstStyle/>
+                    <a:p>
+                      <a:pPr lvl="0" rtl="0">
+                        <a:spcBef>
+                          <a:spcPts val="0"/>
+                        </a:spcBef>
+                        <a:buNone/>
+                      </a:pPr>
+                      <a:r>
+                        <a:rPr lang="en">
+                          <a:solidFill>
+                            <a:srgbClr val="FFFFFF"/>
+                          </a:solidFill>
+                        </a:rPr>
+                        <a:t>38</a:t>
+                      </a:r>
+                    </a:p>
+                  </a:txBody>
+                  <a:tcPr marT="91425" marB="91425" marR="91425" marL="91425"/>
+                </a:tc>
+                <a:tc>
+                  <a:txBody>
+                    <a:bodyPr>
+                      <a:noAutofit/>
+                    </a:bodyPr>
+                    <a:lstStyle/>
+                    <a:p>
+                      <a:pPr lvl="0" rtl="0">
+                        <a:spcBef>
+                          <a:spcPts val="0"/>
+                        </a:spcBef>
+                        <a:buNone/>
+                      </a:pPr>
+                      <a:r>
+                        <a:rPr lang="en">
+                          <a:solidFill>
+                            <a:srgbClr val="FFFFFF"/>
+                          </a:solidFill>
+                        </a:rPr>
+                        <a:t>19</a:t>
+                      </a:r>
+                    </a:p>
+                  </a:txBody>
+                  <a:tcPr marT="91425" marB="91425" marR="91425" marL="91425"/>
+                </a:tc>
+                <a:tc>
+                  <a:txBody>
+                    <a:bodyPr>
+                      <a:noAutofit/>
+                    </a:bodyPr>
+                    <a:lstStyle/>
+                    <a:p>
+                      <a:pPr lvl="0" rtl="0">
+                        <a:spcBef>
+                          <a:spcPts val="0"/>
+                        </a:spcBef>
+                        <a:buNone/>
+                      </a:pPr>
+                      <a:r>
+                        <a:rPr lang="en">
+                          <a:solidFill>
+                            <a:srgbClr val="FFFFFF"/>
+                          </a:solidFill>
+                        </a:rPr>
+                        <a:t>56</a:t>
+                      </a:r>
+                    </a:p>
+                  </a:txBody>
+                  <a:tcPr marT="91425" marB="91425" marR="91425" marL="91425"/>
+                </a:tc>
+                <a:tc>
+                  <a:txBody>
+                    <a:bodyPr>
+                      <a:noAutofit/>
+                    </a:bodyPr>
+                    <a:lstStyle/>
+                    <a:p>
+                      <a:pPr lvl="0" rtl="0">
+                        <a:spcBef>
+                          <a:spcPts val="0"/>
+                        </a:spcBef>
+                        <a:buNone/>
+                      </a:pPr>
+                      <a:r>
+                        <a:rPr lang="en">
+                          <a:solidFill>
+                            <a:srgbClr val="FFFFFF"/>
+                          </a:solidFill>
+                        </a:rPr>
+                        <a:t>31</a:t>
+                      </a:r>
+                    </a:p>
+                  </a:txBody>
+                  <a:tcPr marT="91425" marB="91425" marR="91425" marL="91425"/>
+                </a:tc>
+                <a:tc>
+                  <a:txBody>
+                    <a:bodyPr>
+                      <a:noAutofit/>
+                    </a:bodyPr>
+                    <a:lstStyle/>
+                    <a:p>
+                      <a:pPr lvl="0" rtl="0">
+                        <a:spcBef>
+                          <a:spcPts val="0"/>
+                        </a:spcBef>
+                        <a:buNone/>
+                      </a:pPr>
+                      <a:r>
+                        <a:rPr lang="en">
+                          <a:solidFill>
+                            <a:srgbClr val="FFFFFF"/>
+                          </a:solidFill>
+                        </a:rPr>
+                        <a:t>19</a:t>
+                      </a:r>
+                    </a:p>
+                  </a:txBody>
+                  <a:tcPr marT="91425" marB="91425" marR="91425" marL="91425"/>
+                </a:tc>
+                <a:tc>
+                  <a:txBody>
+                    <a:bodyPr>
+                      <a:noAutofit/>
+                    </a:bodyPr>
+                    <a:lstStyle/>
+                    <a:p>
+                      <a:pPr lvl="0" rtl="0">
+                        <a:spcBef>
+                          <a:spcPts val="0"/>
+                        </a:spcBef>
+                        <a:buNone/>
+                      </a:pPr>
+                      <a:r>
+                        <a:rPr lang="en">
+                          <a:solidFill>
+                            <a:srgbClr val="FFFFFF"/>
+                          </a:solidFill>
+                        </a:rPr>
+                        <a:t>25</a:t>
+                      </a:r>
+                    </a:p>
+                  </a:txBody>
+                  <a:tcPr marT="91425" marB="91425" marR="91425" marL="91425"/>
+                </a:tc>
+                <a:tc>
+                  <a:txBody>
+                    <a:bodyPr>
+                      <a:noAutofit/>
+                    </a:bodyPr>
+                    <a:lstStyle/>
+                    <a:p>
+                      <a:pPr lvl="0" rtl="0">
+                        <a:spcBef>
+                          <a:spcPts val="0"/>
+                        </a:spcBef>
+                        <a:buNone/>
+                      </a:pPr>
+                      <a:r>
+                        <a:rPr lang="en">
+                          <a:solidFill>
+                            <a:srgbClr val="FFFFFF"/>
+                          </a:solidFill>
+                        </a:rPr>
+                        <a:t>0</a:t>
+                      </a:r>
+                    </a:p>
+                  </a:txBody>
+                  <a:tcPr marT="91425" marB="91425" marR="91425" marL="91425"/>
+                </a:tc>
+                <a:tc>
+                  <a:txBody>
+                    <a:bodyPr>
+                      <a:noAutofit/>
+                    </a:bodyPr>
+                    <a:lstStyle/>
+                    <a:p>
+                      <a:pPr lvl="0" rtl="0">
+                        <a:spcBef>
+                          <a:spcPts val="0"/>
+                        </a:spcBef>
+                        <a:buNone/>
+                      </a:pPr>
+                      <a:r>
+                        <a:rPr lang="en">
+                          <a:solidFill>
+                            <a:srgbClr val="FFFFFF"/>
+                          </a:solidFill>
+                        </a:rPr>
+                        <a:t>56</a:t>
+                      </a:r>
+                    </a:p>
+                  </a:txBody>
+                  <a:tcPr marT="91425" marB="91425" marR="91425" marL="91425"/>
+                </a:tc>
+                <a:tc>
+                  <a:txBody>
+                    <a:bodyPr>
+                      <a:noAutofit/>
+                    </a:bodyPr>
+                    <a:lstStyle/>
+                    <a:p>
+                      <a:pPr lvl="0" rtl="0">
+                        <a:spcBef>
+                          <a:spcPts val="0"/>
+                        </a:spcBef>
+                        <a:buNone/>
+                      </a:pPr>
+                      <a:r>
+                        <a:rPr lang="en">
+                          <a:solidFill>
+                            <a:srgbClr val="FFFFFF"/>
+                          </a:solidFill>
+                        </a:rPr>
+                        <a:t>38</a:t>
+                      </a:r>
+                    </a:p>
+                  </a:txBody>
+                  <a:tcPr marT="91425" marB="91425" marR="91425" marL="91425"/>
+                </a:tc>
+                <a:tc>
+                  <a:txBody>
+                    <a:bodyPr>
+                      <a:noAutofit/>
+                    </a:bodyPr>
+                    <a:lstStyle/>
+                    <a:p>
+                      <a:pPr lvl="0" rtl="0">
+                        <a:spcBef>
+                          <a:spcPts val="0"/>
+                        </a:spcBef>
+                        <a:buNone/>
+                      </a:pPr>
+                      <a:r>
+                        <a:rPr lang="en">
+                          <a:solidFill>
+                            <a:srgbClr val="FFFFFF"/>
+                          </a:solidFill>
+                        </a:rPr>
+                        <a:t>44</a:t>
+                      </a:r>
+                    </a:p>
+                  </a:txBody>
+                  <a:tcPr marT="91425" marB="91425" marR="91425" marL="91425"/>
+                </a:tc>
+              </a:tr>
+              <a:tr h="628800">
+                <a:tc>
+                  <a:txBody>
+                    <a:bodyPr>
+                      <a:noAutofit/>
+                    </a:bodyPr>
+                    <a:lstStyle/>
+                    <a:p>
+                      <a:pPr lvl="0" rtl="0">
+                        <a:spcBef>
+                          <a:spcPts val="0"/>
+                        </a:spcBef>
+                        <a:buNone/>
+                      </a:pPr>
+                      <a:r>
+                        <a:rPr lang="en" sz="1200">
+                          <a:solidFill>
+                            <a:srgbClr val="FFFFFF"/>
+                          </a:solidFill>
+                          <a:latin typeface="Roboto Slab"/>
+                          <a:ea typeface="Roboto Slab"/>
+                          <a:cs typeface="Roboto Slab"/>
+                          <a:sym typeface="Roboto Slab"/>
+                        </a:rPr>
+                        <a:t>ResNet-18 (pretrained)</a:t>
+                      </a:r>
+                    </a:p>
+                  </a:txBody>
+                  <a:tcPr marT="91425" marB="91425" marR="91425" marL="91425">
+                    <a:lnL cap="flat" cmpd="sng" w="9525">
+                      <a:solidFill>
+                        <a:srgbClr val="9E9E9E"/>
+                      </a:solidFill>
+                      <a:prstDash val="solid"/>
+                      <a:round/>
+                      <a:headEnd len="med" w="med" type="none"/>
+                      <a:tailEnd len="med" w="med" type="none"/>
+                    </a:lnL>
+                    <a:lnR cap="flat" cmpd="sng" w="9525">
+                      <a:solidFill>
+                        <a:srgbClr val="9E9E9E"/>
+                      </a:solidFill>
+                      <a:prstDash val="solid"/>
+                      <a:round/>
+                      <a:headEnd len="med" w="med" type="none"/>
+                      <a:tailEnd len="med" w="med" type="none"/>
+                    </a:lnR>
+                    <a:lnT cap="flat" cmpd="sng" w="9525">
+                      <a:solidFill>
+                        <a:srgbClr val="9E9E9E"/>
+                      </a:solidFill>
+                      <a:prstDash val="solid"/>
+                      <a:round/>
+                      <a:headEnd len="med" w="med" type="none"/>
+                      <a:tailEnd len="med" w="med" type="none"/>
+                    </a:lnT>
+                    <a:lnB cap="flat" cmpd="sng" w="9525">
+                      <a:solidFill>
+                        <a:srgbClr val="9E9E9E"/>
+                      </a:solidFill>
+                      <a:prstDash val="solid"/>
+                      <a:round/>
+                      <a:headEnd len="med" w="med" type="none"/>
+                      <a:tailEnd len="med" w="med" type="none"/>
+                    </a:lnB>
+                  </a:tcPr>
+                </a:tc>
+                <a:tc>
+                  <a:txBody>
+                    <a:bodyPr>
+                      <a:noAutofit/>
+                    </a:bodyPr>
+                    <a:lstStyle/>
+                    <a:p>
+                      <a:pPr lvl="0">
+                        <a:spcBef>
+                          <a:spcPts val="0"/>
+                        </a:spcBef>
+                        <a:buNone/>
+                      </a:pPr>
+                      <a:r>
+                        <a:t/>
+                      </a:r>
+                      <a:endParaRPr>
+                        <a:latin typeface="Roboto Slab"/>
+                        <a:ea typeface="Roboto Slab"/>
+                        <a:cs typeface="Roboto Slab"/>
+                        <a:sym typeface="Roboto Slab"/>
+                      </a:endParaRPr>
+                    </a:p>
+                  </a:txBody>
+                  <a:tcPr marT="91425" marB="91425" marR="91425" marL="91425">
+                    <a:lnL cap="flat" cmpd="sng" w="9525">
+                      <a:solidFill>
+                        <a:srgbClr val="9E9E9E"/>
+                      </a:solidFill>
+                      <a:prstDash val="solid"/>
+                      <a:round/>
+                      <a:headEnd len="med" w="med" type="none"/>
+                      <a:tailEnd len="med" w="med" type="none"/>
+                    </a:lnL>
+                  </a:tcPr>
+                </a:tc>
+                <a:tc>
+                  <a:txBody>
+                    <a:bodyPr>
+                      <a:noAutofit/>
+                    </a:bodyPr>
+                    <a:lstStyle/>
+                    <a:p>
+                      <a:pPr lvl="0">
+                        <a:spcBef>
+                          <a:spcPts val="0"/>
+                        </a:spcBef>
+                        <a:buNone/>
+                      </a:pPr>
+                      <a:r>
+                        <a:t/>
+                      </a:r>
+                      <a:endParaRPr>
+                        <a:latin typeface="Roboto Slab"/>
+                        <a:ea typeface="Roboto Slab"/>
+                        <a:cs typeface="Roboto Slab"/>
+                        <a:sym typeface="Roboto Slab"/>
+                      </a:endParaRPr>
+                    </a:p>
+                  </a:txBody>
+                  <a:tcPr marT="91425" marB="91425" marR="91425" marL="91425"/>
+                </a:tc>
+                <a:tc>
+                  <a:txBody>
+                    <a:bodyPr>
+                      <a:noAutofit/>
+                    </a:bodyPr>
+                    <a:lstStyle/>
+                    <a:p>
+                      <a:pPr lvl="0">
+                        <a:spcBef>
+                          <a:spcPts val="0"/>
+                        </a:spcBef>
+                        <a:buNone/>
+                      </a:pPr>
+                      <a:r>
+                        <a:t/>
+                      </a:r>
+                      <a:endParaRPr>
+                        <a:latin typeface="Roboto Slab"/>
+                        <a:ea typeface="Roboto Slab"/>
+                        <a:cs typeface="Roboto Slab"/>
+                        <a:sym typeface="Roboto Slab"/>
+                      </a:endParaRPr>
+                    </a:p>
+                  </a:txBody>
+                  <a:tcPr marT="91425" marB="91425" marR="91425" marL="91425"/>
+                </a:tc>
+                <a:tc>
+                  <a:txBody>
+                    <a:bodyPr>
+                      <a:noAutofit/>
+                    </a:bodyPr>
+                    <a:lstStyle/>
+                    <a:p>
+                      <a:pPr lvl="0">
+                        <a:spcBef>
+                          <a:spcPts val="0"/>
+                        </a:spcBef>
+                        <a:buNone/>
+                      </a:pPr>
+                      <a:r>
+                        <a:t/>
+                      </a:r>
+                      <a:endParaRPr>
+                        <a:latin typeface="Roboto Slab"/>
+                        <a:ea typeface="Roboto Slab"/>
+                        <a:cs typeface="Roboto Slab"/>
+                        <a:sym typeface="Roboto Slab"/>
+                      </a:endParaRPr>
+                    </a:p>
+                  </a:txBody>
+                  <a:tcPr marT="91425" marB="91425" marR="91425" marL="91425"/>
+                </a:tc>
+                <a:tc>
+                  <a:txBody>
+                    <a:bodyPr>
+                      <a:noAutofit/>
+                    </a:bodyPr>
+                    <a:lstStyle/>
+                    <a:p>
+                      <a:pPr lvl="0">
+                        <a:spcBef>
+                          <a:spcPts val="0"/>
+                        </a:spcBef>
+                        <a:buNone/>
+                      </a:pPr>
+                      <a:r>
+                        <a:t/>
+                      </a:r>
+                      <a:endParaRPr>
+                        <a:latin typeface="Roboto Slab"/>
+                        <a:ea typeface="Roboto Slab"/>
+                        <a:cs typeface="Roboto Slab"/>
+                        <a:sym typeface="Roboto Slab"/>
+                      </a:endParaRPr>
+                    </a:p>
+                  </a:txBody>
+                  <a:tcPr marT="91425" marB="91425" marR="91425" marL="91425"/>
+                </a:tc>
+                <a:tc>
+                  <a:txBody>
+                    <a:bodyPr>
+                      <a:noAutofit/>
+                    </a:bodyPr>
+                    <a:lstStyle/>
+                    <a:p>
+                      <a:pPr lvl="0">
+                        <a:spcBef>
+                          <a:spcPts val="0"/>
+                        </a:spcBef>
+                        <a:buNone/>
+                      </a:pPr>
+                      <a:r>
+                        <a:t/>
+                      </a:r>
+                      <a:endParaRPr>
+                        <a:latin typeface="Roboto Slab"/>
+                        <a:ea typeface="Roboto Slab"/>
+                        <a:cs typeface="Roboto Slab"/>
+                        <a:sym typeface="Roboto Slab"/>
+                      </a:endParaRPr>
+                    </a:p>
+                  </a:txBody>
+                  <a:tcPr marT="91425" marB="91425" marR="91425" marL="91425"/>
+                </a:tc>
+                <a:tc>
+                  <a:txBody>
+                    <a:bodyPr>
+                      <a:noAutofit/>
+                    </a:bodyPr>
+                    <a:lstStyle/>
+                    <a:p>
+                      <a:pPr lvl="0">
+                        <a:spcBef>
+                          <a:spcPts val="0"/>
+                        </a:spcBef>
+                        <a:buNone/>
+                      </a:pPr>
+                      <a:r>
+                        <a:t/>
+                      </a:r>
+                      <a:endParaRPr>
+                        <a:latin typeface="Roboto Slab"/>
+                        <a:ea typeface="Roboto Slab"/>
+                        <a:cs typeface="Roboto Slab"/>
+                        <a:sym typeface="Roboto Slab"/>
+                      </a:endParaRPr>
+                    </a:p>
+                  </a:txBody>
+                  <a:tcPr marT="91425" marB="91425" marR="91425" marL="91425"/>
+                </a:tc>
+                <a:tc>
+                  <a:txBody>
+                    <a:bodyPr>
+                      <a:noAutofit/>
+                    </a:bodyPr>
+                    <a:lstStyle/>
+                    <a:p>
+                      <a:pPr lvl="0">
+                        <a:spcBef>
+                          <a:spcPts val="0"/>
+                        </a:spcBef>
+                        <a:buNone/>
+                      </a:pPr>
+                      <a:r>
+                        <a:t/>
+                      </a:r>
+                      <a:endParaRPr>
+                        <a:latin typeface="Roboto Slab"/>
+                        <a:ea typeface="Roboto Slab"/>
+                        <a:cs typeface="Roboto Slab"/>
+                        <a:sym typeface="Roboto Slab"/>
+                      </a:endParaRPr>
+                    </a:p>
+                  </a:txBody>
+                  <a:tcPr marT="91425" marB="91425" marR="91425" marL="91425"/>
+                </a:tc>
+                <a:tc>
+                  <a:txBody>
+                    <a:bodyPr>
+                      <a:noAutofit/>
+                    </a:bodyPr>
+                    <a:lstStyle/>
+                    <a:p>
+                      <a:pPr lvl="0">
+                        <a:spcBef>
+                          <a:spcPts val="0"/>
+                        </a:spcBef>
+                        <a:buNone/>
+                      </a:pPr>
+                      <a:r>
+                        <a:t/>
+                      </a:r>
+                      <a:endParaRPr>
+                        <a:latin typeface="Roboto Slab"/>
+                        <a:ea typeface="Roboto Slab"/>
+                        <a:cs typeface="Roboto Slab"/>
+                        <a:sym typeface="Roboto Slab"/>
+                      </a:endParaRPr>
+                    </a:p>
+                  </a:txBody>
+                  <a:tcPr marT="91425" marB="91425" marR="91425" marL="91425"/>
+                </a:tc>
+                <a:tc>
+                  <a:txBody>
+                    <a:bodyPr>
+                      <a:noAutofit/>
+                    </a:bodyPr>
+                    <a:lstStyle/>
+                    <a:p>
+                      <a:pPr lvl="0">
+                        <a:spcBef>
+                          <a:spcPts val="0"/>
+                        </a:spcBef>
+                        <a:buNone/>
+                      </a:pPr>
+                      <a:r>
+                        <a:t/>
+                      </a:r>
+                      <a:endParaRPr>
+                        <a:latin typeface="Roboto Slab"/>
+                        <a:ea typeface="Roboto Slab"/>
+                        <a:cs typeface="Roboto Slab"/>
+                        <a:sym typeface="Roboto Slab"/>
+                      </a:endParaRPr>
+                    </a:p>
+                  </a:txBody>
+                  <a:tcPr marT="91425" marB="91425" marR="91425" marL="91425"/>
+                </a:tc>
+                <a:tc>
+                  <a:txBody>
+                    <a:bodyPr>
+                      <a:noAutofit/>
+                    </a:bodyPr>
+                    <a:lstStyle/>
+                    <a:p>
+                      <a:pPr lvl="0">
+                        <a:spcBef>
+                          <a:spcPts val="0"/>
+                        </a:spcBef>
+                        <a:buNone/>
+                      </a:pPr>
+                      <a:r>
+                        <a:t/>
+                      </a:r>
+                      <a:endParaRPr>
+                        <a:latin typeface="Roboto Slab"/>
+                        <a:ea typeface="Roboto Slab"/>
+                        <a:cs typeface="Roboto Slab"/>
+                        <a:sym typeface="Roboto Slab"/>
+                      </a:endParaRPr>
+                    </a:p>
+                  </a:txBody>
+                  <a:tcPr marT="91425" marB="91425" marR="91425" marL="91425"/>
+                </a:tc>
+                <a:tc>
+                  <a:txBody>
+                    <a:bodyPr>
+                      <a:noAutofit/>
+                    </a:bodyPr>
+                    <a:lstStyle/>
+                    <a:p>
+                      <a:pPr lvl="0">
+                        <a:spcBef>
+                          <a:spcPts val="0"/>
+                        </a:spcBef>
+                        <a:buNone/>
+                      </a:pPr>
+                      <a:r>
+                        <a:t/>
+                      </a:r>
+                      <a:endParaRPr>
+                        <a:latin typeface="Roboto Slab"/>
+                        <a:ea typeface="Roboto Slab"/>
+                        <a:cs typeface="Roboto Slab"/>
+                        <a:sym typeface="Roboto Slab"/>
+                      </a:endParaRPr>
+                    </a:p>
+                  </a:txBody>
+                  <a:tcPr marT="91425" marB="91425" marR="91425" marL="91425"/>
+                </a:tc>
+                <a:tc>
+                  <a:txBody>
+                    <a:bodyPr>
+                      <a:noAutofit/>
+                    </a:bodyPr>
+                    <a:lstStyle/>
+                    <a:p>
+                      <a:pPr lvl="0">
+                        <a:spcBef>
+                          <a:spcPts val="0"/>
+                        </a:spcBef>
+                        <a:buNone/>
+                      </a:pPr>
+                      <a:r>
+                        <a:t/>
+                      </a:r>
+                      <a:endParaRPr>
+                        <a:latin typeface="Roboto Slab"/>
+                        <a:ea typeface="Roboto Slab"/>
+                        <a:cs typeface="Roboto Slab"/>
+                        <a:sym typeface="Roboto Slab"/>
+                      </a:endParaRPr>
+                    </a:p>
+                  </a:txBody>
+                  <a:tcPr marT="91425" marB="91425" marR="91425" marL="91425"/>
+                </a:tc>
+                <a:tc>
+                  <a:txBody>
+                    <a:bodyPr>
+                      <a:noAutofit/>
+                    </a:bodyPr>
+                    <a:lstStyle/>
+                    <a:p>
+                      <a:pPr lvl="0">
+                        <a:spcBef>
+                          <a:spcPts val="0"/>
+                        </a:spcBef>
+                        <a:buNone/>
+                      </a:pPr>
+                      <a:r>
+                        <a:t/>
+                      </a:r>
+                      <a:endParaRPr>
+                        <a:latin typeface="Roboto Slab"/>
+                        <a:ea typeface="Roboto Slab"/>
+                        <a:cs typeface="Roboto Slab"/>
+                        <a:sym typeface="Roboto Slab"/>
+                      </a:endParaRPr>
+                    </a:p>
+                  </a:txBody>
+                  <a:tcPr marT="91425" marB="91425" marR="91425" marL="91425"/>
+                </a:tc>
+                <a:tc>
+                  <a:txBody>
+                    <a:bodyPr>
+                      <a:noAutofit/>
+                    </a:bodyPr>
+                    <a:lstStyle/>
+                    <a:p>
+                      <a:pPr lvl="0">
+                        <a:spcBef>
+                          <a:spcPts val="0"/>
+                        </a:spcBef>
+                        <a:buNone/>
+                      </a:pPr>
+                      <a:r>
+                        <a:t/>
+                      </a:r>
+                      <a:endParaRPr>
+                        <a:latin typeface="Roboto Slab"/>
+                        <a:ea typeface="Roboto Slab"/>
+                        <a:cs typeface="Roboto Slab"/>
+                        <a:sym typeface="Roboto Slab"/>
+                      </a:endParaRPr>
+                    </a:p>
+                  </a:txBody>
+                  <a:tcPr marT="91425" marB="91425" marR="91425" marL="91425"/>
+                </a:tc>
+              </a:tr>
+              <a:tr h="628800">
+                <a:tc>
+                  <a:txBody>
+                    <a:bodyPr>
+                      <a:noAutofit/>
+                    </a:bodyPr>
+                    <a:lstStyle/>
+                    <a:p>
+                      <a:pPr lvl="0" rtl="0">
+                        <a:spcBef>
+                          <a:spcPts val="0"/>
+                        </a:spcBef>
+                        <a:buNone/>
+                      </a:pPr>
+                      <a:r>
+                        <a:rPr lang="en" sz="1200">
+                          <a:solidFill>
+                            <a:srgbClr val="FFFFFF"/>
+                          </a:solidFill>
+                          <a:latin typeface="Roboto Slab"/>
+                          <a:ea typeface="Roboto Slab"/>
+                          <a:cs typeface="Roboto Slab"/>
+                          <a:sym typeface="Roboto Slab"/>
+                        </a:rPr>
+                        <a:t>Resnet-18 (fine tuned) </a:t>
+                      </a:r>
+                    </a:p>
+                  </a:txBody>
+                  <a:tcPr marT="91425" marB="91425" marR="91425" marL="91425">
+                    <a:lnL cap="flat" cmpd="sng" w="9525">
+                      <a:solidFill>
+                        <a:srgbClr val="9E9E9E"/>
+                      </a:solidFill>
+                      <a:prstDash val="solid"/>
+                      <a:round/>
+                      <a:headEnd len="med" w="med" type="none"/>
+                      <a:tailEnd len="med" w="med" type="none"/>
+                    </a:lnL>
+                    <a:lnR cap="flat" cmpd="sng" w="9525">
+                      <a:solidFill>
+                        <a:srgbClr val="9E9E9E"/>
+                      </a:solidFill>
+                      <a:prstDash val="solid"/>
+                      <a:round/>
+                      <a:headEnd len="med" w="med" type="none"/>
+                      <a:tailEnd len="med" w="med" type="none"/>
+                    </a:lnR>
+                    <a:lnT cap="flat" cmpd="sng" w="9525">
+                      <a:solidFill>
+                        <a:srgbClr val="9E9E9E"/>
+                      </a:solidFill>
+                      <a:prstDash val="solid"/>
+                      <a:round/>
+                      <a:headEnd len="med" w="med" type="none"/>
+                      <a:tailEnd len="med" w="med" type="none"/>
+                    </a:lnT>
+                    <a:lnB cap="flat" cmpd="sng" w="9525">
+                      <a:solidFill>
+                        <a:srgbClr val="9E9E9E"/>
+                      </a:solidFill>
+                      <a:prstDash val="solid"/>
+                      <a:round/>
+                      <a:headEnd len="med" w="med" type="none"/>
+                      <a:tailEnd len="med" w="med" type="none"/>
+                    </a:lnB>
+                  </a:tcPr>
+                </a:tc>
+                <a:tc>
+                  <a:txBody>
+                    <a:bodyPr>
+                      <a:noAutofit/>
+                    </a:bodyPr>
+                    <a:lstStyle/>
+                    <a:p>
+                      <a:pPr lvl="0" algn="ctr">
+                        <a:spcBef>
+                          <a:spcPts val="0"/>
+                        </a:spcBef>
+                        <a:buNone/>
+                      </a:pPr>
+                      <a:r>
+                        <a:rPr lang="en">
+                          <a:solidFill>
+                            <a:srgbClr val="FFFFFF"/>
+                          </a:solidFill>
+                          <a:latin typeface="Roboto Slab"/>
+                          <a:ea typeface="Roboto Slab"/>
+                          <a:cs typeface="Roboto Slab"/>
+                          <a:sym typeface="Roboto Slab"/>
+                        </a:rPr>
+                        <a:t>34</a:t>
+                      </a:r>
+                    </a:p>
+                  </a:txBody>
+                  <a:tcPr marT="91425" marB="91425" marR="91425" marL="91425">
+                    <a:lnL cap="flat" cmpd="sng" w="9525">
+                      <a:solidFill>
+                        <a:srgbClr val="9E9E9E"/>
+                      </a:solidFill>
+                      <a:prstDash val="solid"/>
+                      <a:round/>
+                      <a:headEnd len="med" w="med" type="none"/>
+                      <a:tailEnd len="med" w="med" type="none"/>
+                    </a:lnL>
+                  </a:tcPr>
+                </a:tc>
+                <a:tc>
+                  <a:txBody>
+                    <a:bodyPr>
+                      <a:noAutofit/>
+                    </a:bodyPr>
+                    <a:lstStyle/>
+                    <a:p>
+                      <a:pPr lvl="0" algn="ctr">
+                        <a:spcBef>
+                          <a:spcPts val="0"/>
+                        </a:spcBef>
+                        <a:buNone/>
+                      </a:pPr>
+                      <a:r>
+                        <a:rPr lang="en">
+                          <a:solidFill>
+                            <a:srgbClr val="FFFFFF"/>
+                          </a:solidFill>
+                          <a:latin typeface="Roboto Slab"/>
+                          <a:ea typeface="Roboto Slab"/>
+                          <a:cs typeface="Roboto Slab"/>
+                          <a:sym typeface="Roboto Slab"/>
+                        </a:rPr>
+                        <a:t>25</a:t>
+                      </a:r>
+                    </a:p>
+                  </a:txBody>
+                  <a:tcPr marT="91425" marB="91425" marR="91425" marL="91425"/>
+                </a:tc>
+                <a:tc>
+                  <a:txBody>
+                    <a:bodyPr>
+                      <a:noAutofit/>
+                    </a:bodyPr>
+                    <a:lstStyle/>
+                    <a:p>
+                      <a:pPr lvl="0" algn="ctr">
+                        <a:spcBef>
+                          <a:spcPts val="0"/>
+                        </a:spcBef>
+                        <a:buNone/>
+                      </a:pPr>
+                      <a:r>
+                        <a:rPr lang="en">
+                          <a:solidFill>
+                            <a:srgbClr val="FFFFFF"/>
+                          </a:solidFill>
+                          <a:latin typeface="Roboto Slab"/>
+                          <a:ea typeface="Roboto Slab"/>
+                          <a:cs typeface="Roboto Slab"/>
+                          <a:sym typeface="Roboto Slab"/>
+                        </a:rPr>
+                        <a:t>50</a:t>
+                      </a:r>
+                    </a:p>
+                  </a:txBody>
+                  <a:tcPr marT="91425" marB="91425" marR="91425" marL="91425"/>
+                </a:tc>
+                <a:tc>
+                  <a:txBody>
+                    <a:bodyPr>
+                      <a:noAutofit/>
+                    </a:bodyPr>
+                    <a:lstStyle/>
+                    <a:p>
+                      <a:pPr lvl="0" algn="ctr">
+                        <a:spcBef>
+                          <a:spcPts val="0"/>
+                        </a:spcBef>
+                        <a:buNone/>
+                      </a:pPr>
+                      <a:r>
+                        <a:rPr lang="en">
+                          <a:solidFill>
+                            <a:srgbClr val="FFFFFF"/>
+                          </a:solidFill>
+                          <a:latin typeface="Roboto Slab"/>
+                          <a:ea typeface="Roboto Slab"/>
+                          <a:cs typeface="Roboto Slab"/>
+                          <a:sym typeface="Roboto Slab"/>
+                        </a:rPr>
+                        <a:t>43</a:t>
+                      </a:r>
+                    </a:p>
+                  </a:txBody>
+                  <a:tcPr marT="91425" marB="91425" marR="91425" marL="91425"/>
+                </a:tc>
+                <a:tc>
+                  <a:txBody>
+                    <a:bodyPr>
+                      <a:noAutofit/>
+                    </a:bodyPr>
+                    <a:lstStyle/>
+                    <a:p>
+                      <a:pPr lvl="0" algn="ctr">
+                        <a:spcBef>
+                          <a:spcPts val="0"/>
+                        </a:spcBef>
+                        <a:buNone/>
+                      </a:pPr>
+                      <a:r>
+                        <a:rPr lang="en">
+                          <a:solidFill>
+                            <a:srgbClr val="FFFFFF"/>
+                          </a:solidFill>
+                          <a:latin typeface="Roboto Slab"/>
+                          <a:ea typeface="Roboto Slab"/>
+                          <a:cs typeface="Roboto Slab"/>
+                          <a:sym typeface="Roboto Slab"/>
+                        </a:rPr>
+                        <a:t>25</a:t>
+                      </a:r>
+                    </a:p>
+                  </a:txBody>
+                  <a:tcPr marT="91425" marB="91425" marR="91425" marL="91425"/>
+                </a:tc>
+                <a:tc>
+                  <a:txBody>
+                    <a:bodyPr>
+                      <a:noAutofit/>
+                    </a:bodyPr>
+                    <a:lstStyle/>
+                    <a:p>
+                      <a:pPr lvl="0" algn="ctr">
+                        <a:spcBef>
+                          <a:spcPts val="0"/>
+                        </a:spcBef>
+                        <a:buNone/>
+                      </a:pPr>
+                      <a:r>
+                        <a:rPr lang="en">
+                          <a:solidFill>
+                            <a:srgbClr val="FFFFFF"/>
+                          </a:solidFill>
+                          <a:latin typeface="Roboto Slab"/>
+                          <a:ea typeface="Roboto Slab"/>
+                          <a:cs typeface="Roboto Slab"/>
+                          <a:sym typeface="Roboto Slab"/>
+                        </a:rPr>
+                        <a:t>25</a:t>
+                      </a:r>
+                    </a:p>
+                  </a:txBody>
+                  <a:tcPr marT="91425" marB="91425" marR="91425" marL="91425"/>
+                </a:tc>
+                <a:tc>
+                  <a:txBody>
+                    <a:bodyPr>
+                      <a:noAutofit/>
+                    </a:bodyPr>
+                    <a:lstStyle/>
+                    <a:p>
+                      <a:pPr lvl="0" algn="ctr">
+                        <a:spcBef>
+                          <a:spcPts val="0"/>
+                        </a:spcBef>
+                        <a:buNone/>
+                      </a:pPr>
+                      <a:r>
+                        <a:rPr lang="en">
+                          <a:solidFill>
+                            <a:srgbClr val="FFFFFF"/>
+                          </a:solidFill>
+                          <a:latin typeface="Roboto Slab"/>
+                          <a:ea typeface="Roboto Slab"/>
+                          <a:cs typeface="Roboto Slab"/>
+                          <a:sym typeface="Roboto Slab"/>
+                        </a:rPr>
+                        <a:t>25</a:t>
+                      </a:r>
+                    </a:p>
+                  </a:txBody>
+                  <a:tcPr marT="91425" marB="91425" marR="91425" marL="91425"/>
+                </a:tc>
+                <a:tc>
+                  <a:txBody>
+                    <a:bodyPr>
+                      <a:noAutofit/>
+                    </a:bodyPr>
+                    <a:lstStyle/>
+                    <a:p>
+                      <a:pPr lvl="0" algn="ctr">
+                        <a:spcBef>
+                          <a:spcPts val="0"/>
+                        </a:spcBef>
+                        <a:buNone/>
+                      </a:pPr>
+                      <a:r>
+                        <a:rPr lang="en">
+                          <a:solidFill>
+                            <a:srgbClr val="FFFFFF"/>
+                          </a:solidFill>
+                          <a:latin typeface="Roboto Slab"/>
+                          <a:ea typeface="Roboto Slab"/>
+                          <a:cs typeface="Roboto Slab"/>
+                          <a:sym typeface="Roboto Slab"/>
+                        </a:rPr>
+                        <a:t>29</a:t>
+                      </a:r>
+                    </a:p>
+                  </a:txBody>
+                  <a:tcPr marT="91425" marB="91425" marR="91425" marL="91425"/>
+                </a:tc>
+                <a:tc>
+                  <a:txBody>
+                    <a:bodyPr>
+                      <a:noAutofit/>
+                    </a:bodyPr>
+                    <a:lstStyle/>
+                    <a:p>
+                      <a:pPr lvl="0" algn="ctr">
+                        <a:spcBef>
+                          <a:spcPts val="0"/>
+                        </a:spcBef>
+                        <a:buNone/>
+                      </a:pPr>
+                      <a:r>
+                        <a:rPr lang="en">
+                          <a:solidFill>
+                            <a:srgbClr val="FFFFFF"/>
+                          </a:solidFill>
+                          <a:latin typeface="Roboto Slab"/>
+                          <a:ea typeface="Roboto Slab"/>
+                          <a:cs typeface="Roboto Slab"/>
+                          <a:sym typeface="Roboto Slab"/>
+                        </a:rPr>
+                        <a:t>37</a:t>
+                      </a:r>
+                    </a:p>
+                  </a:txBody>
+                  <a:tcPr marT="91425" marB="91425" marR="91425" marL="91425"/>
+                </a:tc>
+                <a:tc>
+                  <a:txBody>
+                    <a:bodyPr>
+                      <a:noAutofit/>
+                    </a:bodyPr>
+                    <a:lstStyle/>
+                    <a:p>
+                      <a:pPr lvl="0" algn="ctr">
+                        <a:spcBef>
+                          <a:spcPts val="0"/>
+                        </a:spcBef>
+                        <a:buNone/>
+                      </a:pPr>
+                      <a:r>
+                        <a:rPr lang="en">
+                          <a:solidFill>
+                            <a:srgbClr val="FFFFFF"/>
+                          </a:solidFill>
+                          <a:latin typeface="Roboto Slab"/>
+                          <a:ea typeface="Roboto Slab"/>
+                          <a:cs typeface="Roboto Slab"/>
+                          <a:sym typeface="Roboto Slab"/>
+                        </a:rPr>
+                        <a:t>0</a:t>
+                      </a:r>
+                    </a:p>
+                  </a:txBody>
+                  <a:tcPr marT="91425" marB="91425" marR="91425" marL="91425"/>
+                </a:tc>
+                <a:tc>
+                  <a:txBody>
+                    <a:bodyPr>
+                      <a:noAutofit/>
+                    </a:bodyPr>
+                    <a:lstStyle/>
+                    <a:p>
+                      <a:pPr lvl="0" algn="ctr">
+                        <a:spcBef>
+                          <a:spcPts val="0"/>
+                        </a:spcBef>
+                        <a:buNone/>
+                      </a:pPr>
+                      <a:r>
+                        <a:rPr lang="en">
+                          <a:solidFill>
+                            <a:srgbClr val="FFFFFF"/>
+                          </a:solidFill>
+                          <a:latin typeface="Roboto Slab"/>
+                          <a:ea typeface="Roboto Slab"/>
+                          <a:cs typeface="Roboto Slab"/>
+                          <a:sym typeface="Roboto Slab"/>
+                        </a:rPr>
+                        <a:t>50</a:t>
+                      </a:r>
+                    </a:p>
+                  </a:txBody>
+                  <a:tcPr marT="91425" marB="91425" marR="91425" marL="91425"/>
+                </a:tc>
+                <a:tc>
+                  <a:txBody>
+                    <a:bodyPr>
+                      <a:noAutofit/>
+                    </a:bodyPr>
+                    <a:lstStyle/>
+                    <a:p>
+                      <a:pPr lvl="0" algn="ctr">
+                        <a:spcBef>
+                          <a:spcPts val="0"/>
+                        </a:spcBef>
+                        <a:buNone/>
+                      </a:pPr>
+                      <a:r>
+                        <a:rPr lang="en">
+                          <a:solidFill>
+                            <a:srgbClr val="FFFFFF"/>
+                          </a:solidFill>
+                          <a:latin typeface="Roboto Slab"/>
+                          <a:ea typeface="Roboto Slab"/>
+                          <a:cs typeface="Roboto Slab"/>
+                          <a:sym typeface="Roboto Slab"/>
+                        </a:rPr>
+                        <a:t>18</a:t>
+                      </a:r>
+                    </a:p>
+                  </a:txBody>
+                  <a:tcPr marT="91425" marB="91425" marR="91425" marL="91425"/>
+                </a:tc>
+                <a:tc>
+                  <a:txBody>
+                    <a:bodyPr>
+                      <a:noAutofit/>
+                    </a:bodyPr>
+                    <a:lstStyle/>
+                    <a:p>
+                      <a:pPr lvl="0" algn="ctr">
+                        <a:spcBef>
+                          <a:spcPts val="0"/>
+                        </a:spcBef>
+                        <a:buNone/>
+                      </a:pPr>
+                      <a:r>
+                        <a:rPr lang="en">
+                          <a:solidFill>
+                            <a:srgbClr val="FFFFFF"/>
+                          </a:solidFill>
+                          <a:latin typeface="Roboto Slab"/>
+                          <a:ea typeface="Roboto Slab"/>
+                          <a:cs typeface="Roboto Slab"/>
+                          <a:sym typeface="Roboto Slab"/>
+                        </a:rPr>
+                        <a:t>31</a:t>
+                      </a:r>
+                    </a:p>
+                  </a:txBody>
+                  <a:tcPr marT="91425" marB="91425" marR="91425" marL="91425"/>
+                </a:tc>
+                <a:tc>
+                  <a:txBody>
+                    <a:bodyPr>
+                      <a:noAutofit/>
+                    </a:bodyPr>
+                    <a:lstStyle/>
+                    <a:p>
+                      <a:pPr lvl="0" algn="ctr">
+                        <a:spcBef>
+                          <a:spcPts val="0"/>
+                        </a:spcBef>
+                        <a:buNone/>
+                      </a:pPr>
+                      <a:r>
+                        <a:rPr lang="en">
+                          <a:solidFill>
+                            <a:srgbClr val="FFFFFF"/>
+                          </a:solidFill>
+                          <a:latin typeface="Roboto Slab"/>
+                          <a:ea typeface="Roboto Slab"/>
+                          <a:cs typeface="Roboto Slab"/>
+                          <a:sym typeface="Roboto Slab"/>
+                        </a:rPr>
+                        <a:t>25</a:t>
+                      </a:r>
+                    </a:p>
+                  </a:txBody>
+                  <a:tcPr marT="91425" marB="91425" marR="91425" marL="91425"/>
+                </a:tc>
+                <a:tc>
+                  <a:txBody>
+                    <a:bodyPr>
+                      <a:noAutofit/>
+                    </a:bodyPr>
+                    <a:lstStyle/>
+                    <a:p>
+                      <a:pPr lvl="0" algn="ctr">
+                        <a:spcBef>
+                          <a:spcPts val="0"/>
+                        </a:spcBef>
+                        <a:buNone/>
+                      </a:pPr>
+                      <a:r>
+                        <a:rPr lang="en">
+                          <a:solidFill>
+                            <a:srgbClr val="FFFFFF"/>
+                          </a:solidFill>
+                          <a:latin typeface="Roboto Slab"/>
+                          <a:ea typeface="Roboto Slab"/>
+                          <a:cs typeface="Roboto Slab"/>
+                          <a:sym typeface="Roboto Slab"/>
+                        </a:rPr>
+                        <a:t>25</a:t>
+                      </a:r>
+                    </a:p>
+                  </a:txBody>
+                  <a:tcPr marT="91425" marB="91425" marR="91425" marL="91425"/>
+                </a:tc>
+              </a:tr>
+            </a:tbl>
+          </a:graphicData>
+        </a:graphic>
+      </p:graphicFrame>
+      <p:cxnSp>
+        <p:nvCxnSpPr>
+          <p:cNvPr id="177" name="Shape 177"/>
+          <p:cNvCxnSpPr/>
+          <p:nvPr/>
+        </p:nvCxnSpPr>
+        <p:spPr>
+          <a:xfrm>
+            <a:off x="695600" y="246850"/>
+            <a:ext cx="273600" cy="0"/>
+          </a:xfrm>
+          <a:prstGeom prst="straightConnector1">
+            <a:avLst/>
+          </a:prstGeom>
+          <a:noFill/>
+          <a:ln cap="flat" cmpd="sng" w="9525">
+            <a:solidFill>
+              <a:srgbClr val="FFFFFF"/>
+            </a:solidFill>
+            <a:prstDash val="solid"/>
+            <a:round/>
+            <a:headEnd len="lg" w="lg" type="none"/>
+            <a:tailEnd len="lg" w="lg" type="triangle"/>
+          </a:ln>
+        </p:spPr>
+      </p:cxnSp>
+      <p:cxnSp>
+        <p:nvCxnSpPr>
+          <p:cNvPr id="178" name="Shape 178"/>
+          <p:cNvCxnSpPr/>
+          <p:nvPr/>
+        </p:nvCxnSpPr>
+        <p:spPr>
+          <a:xfrm>
+            <a:off x="742650" y="378675"/>
+            <a:ext cx="7800" cy="226800"/>
+          </a:xfrm>
+          <a:prstGeom prst="straightConnector1">
+            <a:avLst/>
+          </a:prstGeom>
+          <a:noFill/>
+          <a:ln cap="flat" cmpd="sng" w="9525">
+            <a:solidFill>
+              <a:srgbClr val="FFFFFF"/>
+            </a:solidFill>
+            <a:prstDash val="solid"/>
+            <a:round/>
+            <a:headEnd len="lg" w="lg" type="none"/>
+            <a:tailEnd len="lg" w="lg" type="triangle"/>
+          </a:ln>
+        </p:spPr>
+      </p:cxnSp>
+    </p:spTree>
+  </p:cSld>
+  <p:clrMapOvr>
+    <a:masterClrMapping/>
+  </p:clrMapOvr>
+</p:sld>
+</file>
+
+<file path=ppt/slides/slide17.xml><?xml version="1.0" encoding="utf-8"?>
+<p:sld xmlns:a="http://schemas.openxmlformats.org/drawingml/2006/main" xmlns:r="http://schemas.openxmlformats.org/officeDocument/2006/relationships" xmlns:mc="http://schemas.openxmlformats.org/markup-compatibility/2006" xmlns:mv="urn:schemas-microsoft-com:mac:vml" xmlns:p="http://schemas.openxmlformats.org/presentationml/2006/main" xmlns:c="http://schemas.openxmlformats.org/drawingml/2006/chart" xmlns:dgm="http://schemas.openxmlformats.org/drawingml/2006/diagram" xmlns:o="urn:schemas-microsoft-com:office:office" xmlns:v="urn:schemas-microsoft-com:vml" xmlns:pvml="urn:schemas-microsoft-com:office:powerpoint" xmlns:com="http://schemas.openxmlformats.org/drawingml/2006/compatibility" xmlns:p14="http://schemas.microsoft.com/office/powerpoint/2010/main" xmlns:p15="http://schemas.microsoft.com/office/powerpoint/2012/main">
+  <p:cSld>
+    <p:spTree>
+      <p:nvGrpSpPr>
+        <p:cNvPr id="182" name="Shape 182"/>
+        <p:cNvGrpSpPr/>
+        <p:nvPr/>
+      </p:nvGrpSpPr>
+      <p:grpSpPr>
+        <a:xfrm>
+          <a:off x="0" y="0"/>
+          <a:ext cx="0" cy="0"/>
+          <a:chOff x="0" y="0"/>
+          <a:chExt cx="0" cy="0"/>
+        </a:xfrm>
+      </p:grpSpPr>
+      <p:sp>
+        <p:nvSpPr>
+          <p:cNvPr id="183" name="Shape 183"/>
           <p:cNvSpPr txBox="1"/>
           <p:nvPr>
             <p:ph type="title"/>
@@ -7299,103 +11933,6 @@
             </a:pPr>
             <a:r>
               <a:rPr lang="en"/>
-              <a:t>Results </a:t>
-            </a:r>
-          </a:p>
-        </p:txBody>
-      </p:sp>
-      <p:sp>
-        <p:nvSpPr>
-          <p:cNvPr id="156" name="Shape 156"/>
-          <p:cNvSpPr txBox="1"/>
-          <p:nvPr>
-            <p:ph idx="1" type="body"/>
-          </p:nvPr>
-        </p:nvSpPr>
-        <p:spPr>
-          <a:xfrm>
-            <a:off x="387900" y="1489824"/>
-            <a:ext cx="8368200" cy="3078900"/>
-          </a:xfrm>
-          <a:prstGeom prst="rect">
-            <a:avLst/>
-          </a:prstGeom>
-        </p:spPr>
-        <p:txBody>
-          <a:bodyPr anchorCtr="0" anchor="t" bIns="91425" lIns="91425" rIns="91425" wrap="square" tIns="91425">
-            <a:noAutofit/>
-          </a:bodyPr>
-          <a:lstStyle/>
-          <a:p>
-            <a:pPr lvl="0">
-              <a:spcBef>
-                <a:spcPts val="0"/>
-              </a:spcBef>
-              <a:buNone/>
-            </a:pPr>
-            <a:r>
-              <a:t/>
-            </a:r>
-            <a:endParaRPr/>
-          </a:p>
-        </p:txBody>
-      </p:sp>
-    </p:spTree>
-  </p:cSld>
-  <p:clrMapOvr>
-    <a:masterClrMapping/>
-  </p:clrMapOvr>
-</p:sld>
-</file>
-
-<file path=ppt/slides/slide16.xml><?xml version="1.0" encoding="utf-8"?>
-<p:sld xmlns:a="http://schemas.openxmlformats.org/drawingml/2006/main" xmlns:r="http://schemas.openxmlformats.org/officeDocument/2006/relationships" xmlns:mc="http://schemas.openxmlformats.org/markup-compatibility/2006" xmlns:mv="urn:schemas-microsoft-com:mac:vml" xmlns:p="http://schemas.openxmlformats.org/presentationml/2006/main" xmlns:c="http://schemas.openxmlformats.org/drawingml/2006/chart" xmlns:dgm="http://schemas.openxmlformats.org/drawingml/2006/diagram" xmlns:o="urn:schemas-microsoft-com:office:office" xmlns:v="urn:schemas-microsoft-com:vml" xmlns:pvml="urn:schemas-microsoft-com:office:powerpoint" xmlns:com="http://schemas.openxmlformats.org/drawingml/2006/compatibility" xmlns:p14="http://schemas.microsoft.com/office/powerpoint/2010/main" xmlns:p15="http://schemas.microsoft.com/office/powerpoint/2012/main">
-  <p:cSld>
-    <p:spTree>
-      <p:nvGrpSpPr>
-        <p:cNvPr id="160" name="Shape 160"/>
-        <p:cNvGrpSpPr/>
-        <p:nvPr/>
-      </p:nvGrpSpPr>
-      <p:grpSpPr>
-        <a:xfrm>
-          <a:off x="0" y="0"/>
-          <a:ext cx="0" cy="0"/>
-          <a:chOff x="0" y="0"/>
-          <a:chExt cx="0" cy="0"/>
-        </a:xfrm>
-      </p:grpSpPr>
-      <p:sp>
-        <p:nvSpPr>
-          <p:cNvPr id="161" name="Shape 161"/>
-          <p:cNvSpPr txBox="1"/>
-          <p:nvPr>
-            <p:ph type="title"/>
-          </p:nvPr>
-        </p:nvSpPr>
-        <p:spPr>
-          <a:xfrm>
-            <a:off x="387900" y="458025"/>
-            <a:ext cx="8368200" cy="686100"/>
-          </a:xfrm>
-          <a:prstGeom prst="rect">
-            <a:avLst/>
-          </a:prstGeom>
-        </p:spPr>
-        <p:txBody>
-          <a:bodyPr anchorCtr="0" anchor="b" bIns="91425" lIns="91425" rIns="91425" wrap="square" tIns="91425">
-            <a:noAutofit/>
-          </a:bodyPr>
-          <a:lstStyle/>
-          <a:p>
-            <a:pPr lvl="0">
-              <a:spcBef>
-                <a:spcPts val="0"/>
-              </a:spcBef>
-              <a:buNone/>
-            </a:pPr>
-            <a:r>
-              <a:rPr lang="en"/>
               <a:t>Improvements &amp; Further Work</a:t>
             </a:r>
           </a:p>
@@ -7403,7 +11940,7 @@
       </p:sp>
       <p:sp>
         <p:nvSpPr>
-          <p:cNvPr id="162" name="Shape 162"/>
+          <p:cNvPr id="184" name="Shape 184"/>
           <p:cNvSpPr txBox="1"/>
           <p:nvPr>
             <p:ph idx="1" type="body"/>
@@ -7434,11 +11971,12 @@
               <a:spcAft>
                 <a:spcPts val="0"/>
               </a:spcAft>
-              <a:buSzPct val="100000"/>
+              <a:buSzPts val="1800"/>
+              <a:buChar char="●"/>
             </a:pPr>
             <a:r>
               <a:rPr lang="en"/>
-              <a:t>Use better image transformations for deep learning approaches. </a:t>
+              <a:t>Use image transformations for deep learning approaches. </a:t>
             </a:r>
           </a:p>
           <a:p>
@@ -7452,7 +11990,8 @@
               <a:spcAft>
                 <a:spcPts val="0"/>
               </a:spcAft>
-              <a:buSzPct val="100000"/>
+              <a:buSzPts val="1800"/>
+              <a:buChar char="●"/>
             </a:pPr>
             <a:r>
               <a:rPr lang="en"/>
@@ -7467,11 +12006,12 @@
               <a:spcBef>
                 <a:spcPts val="0"/>
               </a:spcBef>
-              <a:buSzPct val="100000"/>
+              <a:buSzPts val="1800"/>
+              <a:buChar char="●"/>
             </a:pPr>
             <a:r>
               <a:rPr lang="en"/>
-              <a:t>Increase training dataset per artist - widen the number of classes &amp; images per class as Wikipedia is rich in this regard. </a:t>
+              <a:t>Increase training dataset: add more images per class as Wikiart is rich in this regard. </a:t>
             </a:r>
           </a:p>
         </p:txBody>
@@ -7484,12 +12024,12 @@
 </p:sld>
 </file>
 
-<file path=ppt/slides/slide17.xml><?xml version="1.0" encoding="utf-8"?>
+<file path=ppt/slides/slide18.xml><?xml version="1.0" encoding="utf-8"?>
 <p:sld xmlns:a="http://schemas.openxmlformats.org/drawingml/2006/main" xmlns:r="http://schemas.openxmlformats.org/officeDocument/2006/relationships" xmlns:mc="http://schemas.openxmlformats.org/markup-compatibility/2006" xmlns:mv="urn:schemas-microsoft-com:mac:vml" xmlns:p="http://schemas.openxmlformats.org/presentationml/2006/main" xmlns:c="http://schemas.openxmlformats.org/drawingml/2006/chart" xmlns:dgm="http://schemas.openxmlformats.org/drawingml/2006/diagram" xmlns:o="urn:schemas-microsoft-com:office:office" xmlns:v="urn:schemas-microsoft-com:vml" xmlns:pvml="urn:schemas-microsoft-com:office:powerpoint" xmlns:com="http://schemas.openxmlformats.org/drawingml/2006/compatibility" xmlns:p14="http://schemas.microsoft.com/office/powerpoint/2010/main" xmlns:p15="http://schemas.microsoft.com/office/powerpoint/2012/main">
   <p:cSld>
     <p:spTree>
       <p:nvGrpSpPr>
-        <p:cNvPr id="166" name="Shape 166"/>
+        <p:cNvPr id="188" name="Shape 188"/>
         <p:cNvGrpSpPr/>
         <p:nvPr/>
       </p:nvGrpSpPr>
@@ -7503,7 +12043,7 @@
       </p:grpSpPr>
       <p:sp>
         <p:nvSpPr>
-          <p:cNvPr id="167" name="Shape 167"/>
+          <p:cNvPr id="189" name="Shape 189"/>
           <p:cNvSpPr txBox="1"/>
           <p:nvPr>
             <p:ph type="title"/>
@@ -7539,7 +12079,7 @@
       </p:sp>
       <p:sp>
         <p:nvSpPr>
-          <p:cNvPr id="168" name="Shape 168"/>
+          <p:cNvPr id="190" name="Shape 190"/>
           <p:cNvSpPr txBox="1"/>
           <p:nvPr>
             <p:ph idx="1" type="body"/>
@@ -7982,7 +12522,8 @@
               <a:spcAft>
                 <a:spcPts val="0"/>
               </a:spcAft>
-              <a:buSzPct val="100000"/>
+              <a:buSzPts val="1800"/>
+              <a:buChar char="●"/>
             </a:pPr>
             <a:r>
               <a:rPr lang="en"/>
@@ -8000,7 +12541,8 @@
               <a:spcAft>
                 <a:spcPts val="0"/>
               </a:spcAft>
-              <a:buSzPct val="100000"/>
+              <a:buSzPts val="1800"/>
+              <a:buChar char="●"/>
             </a:pPr>
             <a:r>
               <a:rPr lang="en"/>
@@ -8018,7 +12560,8 @@
               <a:spcAft>
                 <a:spcPts val="0"/>
               </a:spcAft>
-              <a:buSzPct val="100000"/>
+              <a:buSzPts val="1800"/>
+              <a:buChar char="●"/>
             </a:pPr>
             <a:r>
               <a:rPr lang="en"/>
@@ -8033,11 +12576,12 @@
               <a:spcBef>
                 <a:spcPts val="0"/>
               </a:spcBef>
-              <a:buSzPct val="100000"/>
+              <a:buSzPts val="1800"/>
+              <a:buChar char="●"/>
             </a:pPr>
             <a:r>
               <a:rPr lang="en"/>
-              <a:t>Subset of 15 artists and 40 paintings per artist.</a:t>
+              <a:t>We extract a subset of 15 artists and 40 paintings per artist.</a:t>
             </a:r>
           </a:p>
         </p:txBody>
@@ -8136,7 +12680,7 @@
               <a:spcAft>
                 <a:spcPts val="0"/>
               </a:spcAft>
-              <a:buSzPct val="100000"/>
+              <a:buSzPts val="1800"/>
               <a:buChar char="●"/>
             </a:pPr>
             <a:r>
@@ -8155,7 +12699,7 @@
               <a:spcAft>
                 <a:spcPts val="0"/>
               </a:spcAft>
-              <a:buSzPct val="100000"/>
+              <a:buSzPts val="1800"/>
               <a:buChar char="●"/>
             </a:pPr>
             <a:r>
@@ -8171,7 +12715,7 @@
               <a:spcBef>
                 <a:spcPts val="0"/>
               </a:spcBef>
-              <a:buSzPct val="100000"/>
+              <a:buSzPts val="1800"/>
               <a:buChar char="●"/>
             </a:pPr>
             <a:r>
@@ -8272,7 +12816,8 @@
               <a:spcAft>
                 <a:spcPts val="0"/>
               </a:spcAft>
-              <a:buSzPct val="100000"/>
+              <a:buSzPts val="1800"/>
+              <a:buChar char="●"/>
             </a:pPr>
             <a:r>
               <a:rPr lang="en"/>
@@ -8287,7 +12832,8 @@
               <a:spcAft>
                 <a:spcPts val="0"/>
               </a:spcAft>
-              <a:buSzPct val="100000"/>
+              <a:buSzPts val="1400"/>
+              <a:buChar char="○"/>
             </a:pPr>
             <a:r>
               <a:rPr lang="en"/>
@@ -8302,7 +12848,8 @@
               <a:spcAft>
                 <a:spcPts val="0"/>
               </a:spcAft>
-              <a:buSzPct val="100000"/>
+              <a:buSzPts val="1400"/>
+              <a:buChar char="○"/>
             </a:pPr>
             <a:r>
               <a:rPr lang="en"/>
@@ -8317,7 +12864,8 @@
               <a:spcAft>
                 <a:spcPts val="0"/>
               </a:spcAft>
-              <a:buSzPct val="100000"/>
+              <a:buSzPts val="1800"/>
+              <a:buChar char="●"/>
             </a:pPr>
             <a:r>
               <a:rPr lang="en"/>
@@ -8332,7 +12880,8 @@
               <a:spcAft>
                 <a:spcPts val="0"/>
               </a:spcAft>
-              <a:buSzPct val="100000"/>
+              <a:buSzPts val="1400"/>
+              <a:buChar char="○"/>
             </a:pPr>
             <a:r>
               <a:rPr lang="en"/>
@@ -8347,7 +12896,8 @@
               <a:spcAft>
                 <a:spcPts val="0"/>
               </a:spcAft>
-              <a:buSzPct val="100000"/>
+              <a:buSzPts val="1400"/>
+              <a:buChar char="○"/>
             </a:pPr>
             <a:r>
               <a:rPr lang="en"/>
@@ -8362,7 +12912,8 @@
               <a:spcAft>
                 <a:spcPts val="0"/>
               </a:spcAft>
-              <a:buSzPct val="100000"/>
+              <a:buSzPts val="1400"/>
+              <a:buChar char="○"/>
             </a:pPr>
             <a:r>
               <a:rPr lang="en"/>
@@ -8377,7 +12928,8 @@
               <a:spcAft>
                 <a:spcPts val="0"/>
               </a:spcAft>
-              <a:buSzPct val="100000"/>
+              <a:buSzPts val="1400"/>
+              <a:buChar char="○"/>
             </a:pPr>
             <a:r>
               <a:rPr lang="en"/>
@@ -8392,7 +12944,8 @@
               <a:spcAft>
                 <a:spcPts val="0"/>
               </a:spcAft>
-              <a:buSzPct val="100000"/>
+              <a:buSzPts val="1400"/>
+              <a:buChar char="○"/>
             </a:pPr>
             <a:r>
               <a:rPr lang="en"/>
@@ -8407,7 +12960,8 @@
               <a:spcAft>
                 <a:spcPts val="0"/>
               </a:spcAft>
-              <a:buSzPct val="100000"/>
+              <a:buSzPts val="1400"/>
+              <a:buChar char="○"/>
             </a:pPr>
             <a:r>
               <a:rPr lang="en"/>
@@ -8419,7 +12973,8 @@
               <a:spcBef>
                 <a:spcPts val="0"/>
               </a:spcBef>
-              <a:buSzPct val="100000"/>
+              <a:buSzPts val="1800"/>
+              <a:buChar char="●"/>
             </a:pPr>
             <a:r>
               <a:rPr lang="en"/>
@@ -8522,7 +13077,8 @@
               <a:spcAft>
                 <a:spcPts val="0"/>
               </a:spcAft>
-              <a:buSzPct val="100000"/>
+              <a:buSzPts val="1800"/>
+              <a:buChar char="●"/>
             </a:pPr>
             <a:r>
               <a:rPr lang="en"/>
@@ -8540,7 +13096,8 @@
               <a:spcAft>
                 <a:spcPts val="0"/>
               </a:spcAft>
-              <a:buSzPct val="100000"/>
+              <a:buSzPts val="1800"/>
+              <a:buChar char="●"/>
             </a:pPr>
             <a:r>
               <a:rPr lang="en"/>
@@ -8558,11 +13115,12 @@
               <a:spcAft>
                 <a:spcPts val="0"/>
               </a:spcAft>
-              <a:buSzPct val="100000"/>
+              <a:buSzPts val="1800"/>
+              <a:buChar char="●"/>
             </a:pPr>
             <a:r>
               <a:rPr lang="en"/>
-              <a:t>Use 60% of the data for training, 40% for test. </a:t>
+              <a:t>Use 60% of the data for training (360 images), 40% for test (240 images). </a:t>
             </a:r>
           </a:p>
           <a:p>
@@ -8573,7 +13131,8 @@
               <a:spcBef>
                 <a:spcPts val="0"/>
               </a:spcBef>
-              <a:buSzPct val="100000"/>
+              <a:buSzPts val="1800"/>
+              <a:buChar char="●"/>
             </a:pPr>
             <a:r>
               <a:rPr lang="en"/>
@@ -8623,8 +13182,8 @@
         </p:blipFill>
         <p:spPr>
           <a:xfrm>
-            <a:off x="2459962" y="76200"/>
-            <a:ext cx="3971363" cy="4991101"/>
+            <a:off x="2337275" y="76200"/>
+            <a:ext cx="4094050" cy="4991101"/>
           </a:xfrm>
           <a:prstGeom prst="rect">
             <a:avLst/>
@@ -9038,93 +13597,559 @@
           </a:p>
         </p:txBody>
       </p:sp>
-      <p:sp>
-        <p:nvSpPr>
+      <p:pic>
+        <p:nvPicPr>
           <p:cNvPr id="110" name="Shape 110"/>
-          <p:cNvSpPr txBox="1"/>
-          <p:nvPr>
-            <p:ph idx="1" type="body"/>
-          </p:nvPr>
-        </p:nvSpPr>
+          <p:cNvPicPr preferRelativeResize="0"/>
+          <p:nvPr/>
+        </p:nvPicPr>
+        <p:blipFill>
+          <a:blip r:embed="rId3">
+            <a:alphaModFix/>
+          </a:blip>
+          <a:stretch>
+            <a:fillRect/>
+          </a:stretch>
+        </p:blipFill>
         <p:spPr>
           <a:xfrm>
-            <a:off x="387900" y="1278925"/>
-            <a:ext cx="8368200" cy="3424500"/>
+            <a:off x="652850" y="2162663"/>
+            <a:ext cx="1721175" cy="1275376"/>
           </a:xfrm>
           <a:prstGeom prst="rect">
             <a:avLst/>
           </a:prstGeom>
+          <a:noFill/>
+          <a:ln>
+            <a:noFill/>
+          </a:ln>
+        </p:spPr>
+      </p:pic>
+      <p:pic>
+        <p:nvPicPr>
+          <p:cNvPr id="111" name="Shape 111"/>
+          <p:cNvPicPr preferRelativeResize="0"/>
+          <p:nvPr/>
+        </p:nvPicPr>
+        <p:blipFill>
+          <a:blip r:embed="rId4">
+            <a:alphaModFix/>
+          </a:blip>
+          <a:stretch>
+            <a:fillRect/>
+          </a:stretch>
+        </p:blipFill>
+        <p:spPr>
+          <a:xfrm>
+            <a:off x="2658475" y="1356300"/>
+            <a:ext cx="1878025" cy="1391600"/>
+          </a:xfrm>
+          <a:prstGeom prst="rect">
+            <a:avLst/>
+          </a:prstGeom>
+          <a:noFill/>
+          <a:ln>
+            <a:noFill/>
+          </a:ln>
+        </p:spPr>
+      </p:pic>
+      <p:sp>
+        <p:nvSpPr>
+          <p:cNvPr id="112" name="Shape 112"/>
+          <p:cNvSpPr txBox="1"/>
+          <p:nvPr/>
+        </p:nvSpPr>
+        <p:spPr>
+          <a:xfrm>
+            <a:off x="3188838" y="2198575"/>
+            <a:ext cx="730500" cy="461400"/>
+          </a:xfrm>
+          <a:prstGeom prst="rect">
+            <a:avLst/>
+          </a:prstGeom>
+          <a:noFill/>
+          <a:ln>
+            <a:noFill/>
+          </a:ln>
         </p:spPr>
         <p:txBody>
-          <a:bodyPr anchorCtr="0" anchor="t" bIns="91425" lIns="91425" rIns="91425" wrap="square" tIns="91425">
+          <a:bodyPr anchorCtr="0" anchor="ctr" bIns="91425" lIns="91425" rIns="91425" wrap="square" tIns="91425">
             <a:noAutofit/>
           </a:bodyPr>
           <a:lstStyle/>
           <a:p>
-            <a:pPr indent="-141287" lvl="0" marL="228600" rtl="0">
-              <a:lnSpc>
-                <a:spcPct val="100000"/>
-              </a:lnSpc>
-              <a:spcBef>
-                <a:spcPts val="0"/>
-              </a:spcBef>
-              <a:spcAft>
-                <a:spcPts val="0"/>
-              </a:spcAft>
-              <a:buSzPct val="100000"/>
-              <a:buFont typeface="Roboto Slab"/>
-              <a:buChar char="•"/>
+            <a:pPr lvl="0" rtl="0">
+              <a:spcBef>
+                <a:spcPts val="0"/>
+              </a:spcBef>
+              <a:buNone/>
             </a:pPr>
             <a:r>
-              <a:rPr lang="en" sz="1400">
+              <a:rPr lang="en">
+                <a:solidFill>
+                  <a:schemeClr val="dk1"/>
+                </a:solidFill>
                 <a:latin typeface="Roboto Slab"/>
                 <a:ea typeface="Roboto Slab"/>
                 <a:cs typeface="Roboto Slab"/>
                 <a:sym typeface="Roboto Slab"/>
               </a:rPr>
-              <a:t>Brightness:  Implemented by using  Image.convert(‘L’)  in PIL (Python Image Lib). </a:t>
+              <a:t>EDGE</a:t>
             </a:r>
           </a:p>
+        </p:txBody>
+      </p:sp>
+      <p:sp>
+        <p:nvSpPr>
+          <p:cNvPr id="113" name="Shape 113"/>
+          <p:cNvSpPr txBox="1"/>
+          <p:nvPr/>
+        </p:nvSpPr>
+        <p:spPr>
+          <a:xfrm>
+            <a:off x="5239500" y="2162675"/>
+            <a:ext cx="991200" cy="461400"/>
+          </a:xfrm>
+          <a:prstGeom prst="rect">
+            <a:avLst/>
+          </a:prstGeom>
+          <a:noFill/>
+          <a:ln>
+            <a:noFill/>
+          </a:ln>
+        </p:spPr>
+        <p:txBody>
+          <a:bodyPr anchorCtr="0" anchor="ctr" bIns="91425" lIns="91425" rIns="91425" wrap="square" tIns="91425">
+            <a:noAutofit/>
+          </a:bodyPr>
+          <a:lstStyle/>
           <a:p>
             <a:pPr lvl="0" rtl="0">
-              <a:lnSpc>
-                <a:spcPct val="100000"/>
-              </a:lnSpc>
-              <a:spcBef>
-                <a:spcPts val="0"/>
-              </a:spcBef>
-              <a:spcAft>
-                <a:spcPts val="0"/>
-              </a:spcAft>
+              <a:spcBef>
+                <a:spcPts val="0"/>
+              </a:spcBef>
               <a:buNone/>
             </a:pPr>
             <a:r>
-              <a:rPr lang="en" sz="1400">
+              <a:rPr lang="en">
+                <a:solidFill>
+                  <a:schemeClr val="dk1"/>
+                </a:solidFill>
                 <a:latin typeface="Roboto Slab"/>
                 <a:ea typeface="Roboto Slab"/>
                 <a:cs typeface="Roboto Slab"/>
                 <a:sym typeface="Roboto Slab"/>
               </a:rPr>
-              <a:t>                                 ‘L’ mode means  translating a color image to black and white</a:t>
+              <a:t>BRIGHT</a:t>
             </a:r>
           </a:p>
+        </p:txBody>
+      </p:sp>
+      <p:pic>
+        <p:nvPicPr>
+          <p:cNvPr id="114" name="Shape 114"/>
+          <p:cNvPicPr preferRelativeResize="0"/>
+          <p:nvPr/>
+        </p:nvPicPr>
+        <p:blipFill>
+          <a:blip r:embed="rId5">
+            <a:alphaModFix/>
+          </a:blip>
+          <a:stretch>
+            <a:fillRect/>
+          </a:stretch>
+        </p:blipFill>
+        <p:spPr>
+          <a:xfrm>
+            <a:off x="6809825" y="1370275"/>
+            <a:ext cx="1878035" cy="1391626"/>
+          </a:xfrm>
+          <a:prstGeom prst="rect">
+            <a:avLst/>
+          </a:prstGeom>
+          <a:noFill/>
+          <a:ln>
+            <a:noFill/>
+          </a:ln>
+        </p:spPr>
+      </p:pic>
+      <p:sp>
+        <p:nvSpPr>
+          <p:cNvPr id="115" name="Shape 115"/>
+          <p:cNvSpPr txBox="1"/>
+          <p:nvPr/>
+        </p:nvSpPr>
+        <p:spPr>
+          <a:xfrm>
+            <a:off x="7248200" y="2198575"/>
+            <a:ext cx="1190700" cy="461400"/>
+          </a:xfrm>
+          <a:prstGeom prst="rect">
+            <a:avLst/>
+          </a:prstGeom>
+          <a:noFill/>
+          <a:ln>
+            <a:noFill/>
+          </a:ln>
+        </p:spPr>
+        <p:txBody>
+          <a:bodyPr anchorCtr="0" anchor="ctr" bIns="91425" lIns="91425" rIns="91425" wrap="square" tIns="91425">
+            <a:noAutofit/>
+          </a:bodyPr>
+          <a:lstStyle/>
           <a:p>
             <a:pPr lvl="0" rtl="0">
-              <a:lnSpc>
-                <a:spcPct val="100000"/>
-              </a:lnSpc>
-              <a:spcBef>
-                <a:spcPts val="0"/>
-              </a:spcBef>
-              <a:spcAft>
-                <a:spcPts val="0"/>
-              </a:spcAft>
+              <a:spcBef>
+                <a:spcPts val="0"/>
+              </a:spcBef>
+              <a:buNone/>
+            </a:pPr>
+            <a:r>
+              <a:rPr lang="en">
+                <a:solidFill>
+                  <a:schemeClr val="dk1"/>
+                </a:solidFill>
+                <a:latin typeface="Roboto Slab"/>
+                <a:ea typeface="Roboto Slab"/>
+                <a:cs typeface="Roboto Slab"/>
+                <a:sym typeface="Roboto Slab"/>
+              </a:rPr>
+              <a:t>SMOOTH</a:t>
+            </a:r>
+          </a:p>
+        </p:txBody>
+      </p:sp>
+      <p:pic>
+        <p:nvPicPr>
+          <p:cNvPr id="116" name="Shape 116"/>
+          <p:cNvPicPr preferRelativeResize="0"/>
+          <p:nvPr/>
+        </p:nvPicPr>
+        <p:blipFill>
+          <a:blip r:embed="rId6">
+            <a:alphaModFix/>
+          </a:blip>
+          <a:stretch>
+            <a:fillRect/>
+          </a:stretch>
+        </p:blipFill>
+        <p:spPr>
+          <a:xfrm>
+            <a:off x="2658475" y="2998400"/>
+            <a:ext cx="1878025" cy="1391617"/>
+          </a:xfrm>
+          <a:prstGeom prst="rect">
+            <a:avLst/>
+          </a:prstGeom>
+          <a:noFill/>
+          <a:ln>
+            <a:noFill/>
+          </a:ln>
+        </p:spPr>
+      </p:pic>
+      <p:sp>
+        <p:nvSpPr>
+          <p:cNvPr id="117" name="Shape 117"/>
+          <p:cNvSpPr txBox="1"/>
+          <p:nvPr/>
+        </p:nvSpPr>
+        <p:spPr>
+          <a:xfrm>
+            <a:off x="3090900" y="3874975"/>
+            <a:ext cx="991200" cy="461400"/>
+          </a:xfrm>
+          <a:prstGeom prst="rect">
+            <a:avLst/>
+          </a:prstGeom>
+          <a:noFill/>
+          <a:ln>
+            <a:noFill/>
+          </a:ln>
+        </p:spPr>
+        <p:txBody>
+          <a:bodyPr anchorCtr="0" anchor="ctr" bIns="91425" lIns="91425" rIns="91425" wrap="square" tIns="91425">
+            <a:noAutofit/>
+          </a:bodyPr>
+          <a:lstStyle/>
+          <a:p>
+            <a:pPr lvl="0" rtl="0">
+              <a:spcBef>
+                <a:spcPts val="0"/>
+              </a:spcBef>
+              <a:buNone/>
+            </a:pPr>
+            <a:r>
+              <a:rPr lang="en">
+                <a:solidFill>
+                  <a:schemeClr val="dk1"/>
+                </a:solidFill>
+                <a:latin typeface="Roboto Slab"/>
+                <a:ea typeface="Roboto Slab"/>
+                <a:cs typeface="Roboto Slab"/>
+                <a:sym typeface="Roboto Slab"/>
+              </a:rPr>
+              <a:t>EMBOSS</a:t>
+            </a:r>
+          </a:p>
+        </p:txBody>
+      </p:sp>
+      <p:pic>
+        <p:nvPicPr>
+          <p:cNvPr id="118" name="Shape 118"/>
+          <p:cNvPicPr preferRelativeResize="0"/>
+          <p:nvPr/>
+        </p:nvPicPr>
+        <p:blipFill>
+          <a:blip r:embed="rId7">
+            <a:alphaModFix/>
+          </a:blip>
+          <a:stretch>
+            <a:fillRect/>
+          </a:stretch>
+        </p:blipFill>
+        <p:spPr>
+          <a:xfrm>
+            <a:off x="4765100" y="2998400"/>
+            <a:ext cx="1847075" cy="1391626"/>
+          </a:xfrm>
+          <a:prstGeom prst="rect">
+            <a:avLst/>
+          </a:prstGeom>
+          <a:noFill/>
+          <a:ln>
+            <a:noFill/>
+          </a:ln>
+        </p:spPr>
+      </p:pic>
+      <p:sp>
+        <p:nvSpPr>
+          <p:cNvPr id="119" name="Shape 119"/>
+          <p:cNvSpPr txBox="1"/>
+          <p:nvPr/>
+        </p:nvSpPr>
+        <p:spPr>
+          <a:xfrm>
+            <a:off x="5148300" y="3874975"/>
+            <a:ext cx="1082400" cy="461400"/>
+          </a:xfrm>
+          <a:prstGeom prst="rect">
+            <a:avLst/>
+          </a:prstGeom>
+          <a:noFill/>
+          <a:ln>
+            <a:noFill/>
+          </a:ln>
+        </p:spPr>
+        <p:txBody>
+          <a:bodyPr anchorCtr="0" anchor="ctr" bIns="91425" lIns="91425" rIns="91425" wrap="square" tIns="91425">
+            <a:noAutofit/>
+          </a:bodyPr>
+          <a:lstStyle/>
+          <a:p>
+            <a:pPr lvl="0" rtl="0">
+              <a:spcBef>
+                <a:spcPts val="0"/>
+              </a:spcBef>
+              <a:buNone/>
+            </a:pPr>
+            <a:r>
+              <a:rPr lang="en">
+                <a:latin typeface="Roboto Slab"/>
+                <a:ea typeface="Roboto Slab"/>
+                <a:cs typeface="Roboto Slab"/>
+                <a:sym typeface="Roboto Slab"/>
+              </a:rPr>
+              <a:t>CONTOUR</a:t>
+            </a:r>
+          </a:p>
+        </p:txBody>
+      </p:sp>
+      <p:pic>
+        <p:nvPicPr>
+          <p:cNvPr id="120" name="Shape 120"/>
+          <p:cNvPicPr preferRelativeResize="0"/>
+          <p:nvPr/>
+        </p:nvPicPr>
+        <p:blipFill>
+          <a:blip r:embed="rId8">
+            <a:alphaModFix/>
+          </a:blip>
+          <a:stretch>
+            <a:fillRect/>
+          </a:stretch>
+        </p:blipFill>
+        <p:spPr>
+          <a:xfrm>
+            <a:off x="6840775" y="2998400"/>
+            <a:ext cx="1847075" cy="1368677"/>
+          </a:xfrm>
+          <a:prstGeom prst="rect">
+            <a:avLst/>
+          </a:prstGeom>
+          <a:noFill/>
+          <a:ln>
+            <a:noFill/>
+          </a:ln>
+        </p:spPr>
+      </p:pic>
+      <p:sp>
+        <p:nvSpPr>
+          <p:cNvPr id="121" name="Shape 121"/>
+          <p:cNvSpPr txBox="1"/>
+          <p:nvPr/>
+        </p:nvSpPr>
+        <p:spPr>
+          <a:xfrm>
+            <a:off x="7358100" y="3874975"/>
+            <a:ext cx="991200" cy="461400"/>
+          </a:xfrm>
+          <a:prstGeom prst="rect">
+            <a:avLst/>
+          </a:prstGeom>
+          <a:noFill/>
+          <a:ln>
+            <a:noFill/>
+          </a:ln>
+        </p:spPr>
+        <p:txBody>
+          <a:bodyPr anchorCtr="0" anchor="ctr" bIns="91425" lIns="91425" rIns="91425" wrap="square" tIns="91425">
+            <a:noAutofit/>
+          </a:bodyPr>
+          <a:lstStyle/>
+          <a:p>
+            <a:pPr lvl="0" rtl="0">
+              <a:spcBef>
+                <a:spcPts val="0"/>
+              </a:spcBef>
+              <a:buNone/>
+            </a:pPr>
+            <a:r>
+              <a:rPr lang="en">
+                <a:solidFill>
+                  <a:schemeClr val="dk1"/>
+                </a:solidFill>
+                <a:latin typeface="Roboto Slab"/>
+                <a:ea typeface="Roboto Slab"/>
+                <a:cs typeface="Roboto Slab"/>
+                <a:sym typeface="Roboto Slab"/>
+              </a:rPr>
+              <a:t>  BLUR</a:t>
+            </a:r>
+          </a:p>
+        </p:txBody>
+      </p:sp>
+      <p:sp>
+        <p:nvSpPr>
+          <p:cNvPr id="122" name="Shape 122"/>
+          <p:cNvSpPr txBox="1"/>
+          <p:nvPr/>
+        </p:nvSpPr>
+        <p:spPr>
+          <a:xfrm>
+            <a:off x="805247" y="2998400"/>
+            <a:ext cx="1504800" cy="461400"/>
+          </a:xfrm>
+          <a:prstGeom prst="rect">
+            <a:avLst/>
+          </a:prstGeom>
+          <a:noFill/>
+          <a:ln>
+            <a:noFill/>
+          </a:ln>
+        </p:spPr>
+        <p:txBody>
+          <a:bodyPr anchorCtr="0" anchor="ctr" bIns="91425" lIns="91425" rIns="91425" wrap="square" tIns="91425">
+            <a:noAutofit/>
+          </a:bodyPr>
+          <a:lstStyle/>
+          <a:p>
+            <a:pPr lvl="0" rtl="0">
+              <a:spcBef>
+                <a:spcPts val="0"/>
+              </a:spcBef>
+              <a:buNone/>
+            </a:pPr>
+            <a:r>
+              <a:rPr lang="en">
+                <a:solidFill>
+                  <a:schemeClr val="dk1"/>
+                </a:solidFill>
+                <a:latin typeface="Roboto Slab"/>
+                <a:ea typeface="Roboto Slab"/>
+                <a:cs typeface="Roboto Slab"/>
+                <a:sym typeface="Roboto Slab"/>
+              </a:rPr>
+              <a:t>Original Image</a:t>
+            </a:r>
+          </a:p>
+        </p:txBody>
+      </p:sp>
+      <p:pic>
+        <p:nvPicPr>
+          <p:cNvPr id="123" name="Shape 123"/>
+          <p:cNvPicPr preferRelativeResize="0"/>
+          <p:nvPr/>
+        </p:nvPicPr>
+        <p:blipFill>
+          <a:blip r:embed="rId9">
+            <a:alphaModFix/>
+          </a:blip>
+          <a:stretch>
+            <a:fillRect/>
+          </a:stretch>
+        </p:blipFill>
+        <p:spPr>
+          <a:xfrm>
+            <a:off x="4749625" y="1379212"/>
+            <a:ext cx="1847075" cy="1368684"/>
+          </a:xfrm>
+          <a:prstGeom prst="rect">
+            <a:avLst/>
+          </a:prstGeom>
+          <a:noFill/>
+          <a:ln>
+            <a:noFill/>
+          </a:ln>
+        </p:spPr>
+      </p:pic>
+      <p:sp>
+        <p:nvSpPr>
+          <p:cNvPr id="124" name="Shape 124"/>
+          <p:cNvSpPr txBox="1"/>
+          <p:nvPr/>
+        </p:nvSpPr>
+        <p:spPr>
+          <a:xfrm>
+            <a:off x="652850" y="4640525"/>
+            <a:ext cx="7489800" cy="267000"/>
+          </a:xfrm>
+          <a:prstGeom prst="rect">
+            <a:avLst/>
+          </a:prstGeom>
+          <a:noFill/>
+          <a:ln>
+            <a:noFill/>
+          </a:ln>
+        </p:spPr>
+        <p:txBody>
+          <a:bodyPr anchorCtr="0" anchor="ctr" bIns="91425" lIns="91425" rIns="91425" wrap="square" tIns="91425">
+            <a:noAutofit/>
+          </a:bodyPr>
+          <a:lstStyle/>
+          <a:p>
+            <a:pPr lvl="0">
+              <a:spcBef>
+                <a:spcPts val="0"/>
+              </a:spcBef>
               <a:buNone/>
             </a:pPr>
             <a:r>
               <a:t/>
             </a:r>
-            <a:endParaRPr sz="1400">
+            <a:endParaRPr>
+              <a:solidFill>
+                <a:schemeClr val="dk1"/>
+              </a:solidFill>
               <a:latin typeface="Roboto Slab"/>
               <a:ea typeface="Roboto Slab"/>
               <a:cs typeface="Roboto Slab"/>
@@ -9132,198 +14157,69 @@
             </a:endParaRPr>
           </a:p>
           <a:p>
-            <a:pPr indent="-127000" lvl="0" marL="228600" rtl="0">
-              <a:lnSpc>
-                <a:spcPct val="100000"/>
-              </a:lnSpc>
-              <a:spcBef>
-                <a:spcPts val="0"/>
-              </a:spcBef>
-              <a:spcAft>
-                <a:spcPts val="0"/>
-              </a:spcAft>
-              <a:buSzPct val="100000"/>
-              <a:buFont typeface="Roboto Slab"/>
-              <a:buChar char="•"/>
+            <a:pPr lvl="0" rtl="0">
+              <a:spcBef>
+                <a:spcPts val="0"/>
+              </a:spcBef>
+              <a:buNone/>
             </a:pPr>
             <a:r>
-              <a:rPr lang="en" sz="1400">
+              <a:rPr lang="en">
+                <a:solidFill>
+                  <a:schemeClr val="dk1"/>
+                </a:solidFill>
                 <a:latin typeface="Roboto Slab"/>
                 <a:ea typeface="Roboto Slab"/>
                 <a:cs typeface="Roboto Slab"/>
                 <a:sym typeface="Roboto Slab"/>
               </a:rPr>
-              <a:t>Edge: Implemented by cvtColor(COLOR_BGR2GRAY)  and cornerHarris(gray, 2, 3, 0.04) in OpenCV.</a:t>
+              <a:t>Original Image : arkhip-kuindzhi’s painting, Red Sunset</a:t>
             </a:r>
           </a:p>
+        </p:txBody>
+      </p:sp>
+      <p:sp>
+        <p:nvSpPr>
+          <p:cNvPr id="125" name="Shape 125"/>
+          <p:cNvSpPr txBox="1"/>
+          <p:nvPr/>
+        </p:nvSpPr>
+        <p:spPr>
+          <a:xfrm>
+            <a:off x="5224500" y="2198575"/>
+            <a:ext cx="991200" cy="461400"/>
+          </a:xfrm>
+          <a:prstGeom prst="rect">
+            <a:avLst/>
+          </a:prstGeom>
+          <a:noFill/>
+          <a:ln>
+            <a:noFill/>
+          </a:ln>
+        </p:spPr>
+        <p:txBody>
+          <a:bodyPr anchorCtr="0" anchor="ctr" bIns="91425" lIns="91425" rIns="91425" wrap="square" tIns="91425">
+            <a:noAutofit/>
+          </a:bodyPr>
+          <a:lstStyle/>
           <a:p>
-            <a:pPr indent="-141287" lvl="0" marL="228600" rtl="0">
-              <a:lnSpc>
-                <a:spcPct val="100000"/>
-              </a:lnSpc>
-              <a:spcBef>
-                <a:spcPts val="1000"/>
-              </a:spcBef>
-              <a:spcAft>
-                <a:spcPts val="0"/>
-              </a:spcAft>
-              <a:buSzPct val="100000"/>
-              <a:buFont typeface="Roboto Slab"/>
-              <a:buChar char="•"/>
+            <a:pPr lvl="0" rtl="0">
+              <a:spcBef>
+                <a:spcPts val="0"/>
+              </a:spcBef>
+              <a:buNone/>
             </a:pPr>
             <a:r>
-              <a:rPr lang="en" sz="1400">
+              <a:rPr lang="en">
+                <a:solidFill>
+                  <a:schemeClr val="dk1"/>
+                </a:solidFill>
                 <a:latin typeface="Roboto Slab"/>
                 <a:ea typeface="Roboto Slab"/>
                 <a:cs typeface="Roboto Slab"/>
                 <a:sym typeface="Roboto Slab"/>
               </a:rPr>
-              <a:t>Contour : used ImageFilter.CONTOUR in PIL</a:t>
-            </a:r>
-            <a:br>
-              <a:rPr lang="en" sz="1400">
-                <a:latin typeface="Roboto Slab"/>
-                <a:ea typeface="Roboto Slab"/>
-                <a:cs typeface="Roboto Slab"/>
-                <a:sym typeface="Roboto Slab"/>
-              </a:rPr>
-            </a:br>
-          </a:p>
-          <a:p>
-            <a:pPr indent="-127000" lvl="0" marL="228600" rtl="0">
-              <a:lnSpc>
-                <a:spcPct val="100000"/>
-              </a:lnSpc>
-              <a:spcBef>
-                <a:spcPts val="0"/>
-              </a:spcBef>
-              <a:spcAft>
-                <a:spcPts val="0"/>
-              </a:spcAft>
-              <a:buSzPct val="100000"/>
-              <a:buFont typeface="Roboto Slab"/>
-              <a:buChar char="•"/>
-            </a:pPr>
-            <a:r>
-              <a:rPr lang="en" sz="1400">
-                <a:latin typeface="Roboto Slab"/>
-                <a:ea typeface="Roboto Slab"/>
-                <a:cs typeface="Roboto Slab"/>
-                <a:sym typeface="Roboto Slab"/>
-              </a:rPr>
-              <a:t>Emboss : used ImageFilter.EMBOSS. Each</a:t>
-            </a:r>
-            <a:r>
-              <a:rPr lang="en" sz="1400" u="sng">
-                <a:solidFill>
-                  <a:srgbClr val="B8FA56"/>
-                </a:solidFill>
-                <a:latin typeface="Roboto Slab"/>
-                <a:ea typeface="Roboto Slab"/>
-                <a:cs typeface="Roboto Slab"/>
-                <a:sym typeface="Roboto Slab"/>
-                <a:hlinkClick r:id="rId3"/>
-              </a:rPr>
-              <a:t> </a:t>
-            </a:r>
-            <a:r>
-              <a:rPr lang="en" sz="1400">
-                <a:latin typeface="Roboto Slab"/>
-                <a:ea typeface="Roboto Slab"/>
-                <a:cs typeface="Roboto Slab"/>
-                <a:sym typeface="Roboto Slab"/>
-              </a:rPr>
-              <a:t>pixel of an image is replaced either by a highlight or </a:t>
-            </a:r>
-          </a:p>
-          <a:p>
-            <a:pPr lvl="0" rtl="0">
-              <a:lnSpc>
-                <a:spcPct val="100000"/>
-              </a:lnSpc>
-              <a:spcBef>
-                <a:spcPts val="0"/>
-              </a:spcBef>
-              <a:spcAft>
-                <a:spcPts val="0"/>
-              </a:spcAft>
-              <a:buNone/>
-            </a:pPr>
-            <a:r>
-              <a:rPr lang="en" sz="1400">
-                <a:latin typeface="Roboto Slab"/>
-                <a:ea typeface="Roboto Slab"/>
-                <a:cs typeface="Roboto Slab"/>
-                <a:sym typeface="Roboto Slab"/>
-              </a:rPr>
-              <a:t>                          a shadow, depending on light/dark boundaries on the original image</a:t>
-            </a:r>
-          </a:p>
-          <a:p>
-            <a:pPr indent="-127000" lvl="0" marL="228600" rtl="0">
-              <a:lnSpc>
-                <a:spcPct val="120000"/>
-              </a:lnSpc>
-              <a:spcBef>
-                <a:spcPts val="1000"/>
-              </a:spcBef>
-              <a:spcAft>
-                <a:spcPts val="0"/>
-              </a:spcAft>
-              <a:buSzPct val="100000"/>
-              <a:buFont typeface="Roboto Slab"/>
-              <a:buChar char="•"/>
-            </a:pPr>
-            <a:r>
-              <a:rPr lang="en" sz="1400">
-                <a:latin typeface="Roboto Slab"/>
-                <a:ea typeface="Roboto Slab"/>
-                <a:cs typeface="Roboto Slab"/>
-                <a:sym typeface="Roboto Slab"/>
-              </a:rPr>
-              <a:t>Blurriness : Implemented by cvtColor(COLOR_BGR2GRAY)  and Laplacian. The Laplacian  </a:t>
-            </a:r>
-            <a:br>
-              <a:rPr lang="en" sz="1400">
-                <a:latin typeface="Roboto Slab"/>
-                <a:ea typeface="Roboto Slab"/>
-                <a:cs typeface="Roboto Slab"/>
-                <a:sym typeface="Roboto Slab"/>
-              </a:rPr>
-            </a:br>
-            <a:r>
-              <a:rPr lang="en" sz="1400">
-                <a:latin typeface="Roboto Slab"/>
-                <a:ea typeface="Roboto Slab"/>
-                <a:cs typeface="Roboto Slab"/>
-                <a:sym typeface="Roboto Slab"/>
-              </a:rPr>
-              <a:t>                        highlights regions of an image containing rapid intensity changes in OpenCV.</a:t>
-            </a:r>
-          </a:p>
-          <a:p>
-            <a:pPr indent="-127000" lvl="0" marL="228600" rtl="0">
-              <a:lnSpc>
-                <a:spcPct val="120000"/>
-              </a:lnSpc>
-              <a:spcBef>
-                <a:spcPts val="1000"/>
-              </a:spcBef>
-              <a:spcAft>
-                <a:spcPts val="0"/>
-              </a:spcAft>
-              <a:buSzPct val="100000"/>
-              <a:buFont typeface="Roboto Slab"/>
-              <a:buChar char="•"/>
-            </a:pPr>
-            <a:r>
-              <a:rPr lang="en" sz="1400">
-                <a:latin typeface="Roboto Slab"/>
-                <a:ea typeface="Roboto Slab"/>
-                <a:cs typeface="Roboto Slab"/>
-                <a:sym typeface="Roboto Slab"/>
-              </a:rPr>
-              <a:t>Detail : used ImageFilter.DETAIL in PIL</a:t>
+              <a:t>BRIGHT</a:t>
             </a:r>
           </a:p>
         </p:txBody>
@@ -9341,7 +14237,7 @@
   <p:cSld>
     <p:spTree>
       <p:nvGrpSpPr>
-        <p:cNvPr id="114" name="Shape 114"/>
+        <p:cNvPr id="129" name="Shape 129"/>
         <p:cNvGrpSpPr/>
         <p:nvPr/>
       </p:nvGrpSpPr>
@@ -9355,7 +14251,7 @@
       </p:grpSpPr>
       <p:sp>
         <p:nvSpPr>
-          <p:cNvPr id="115" name="Shape 115"/>
+          <p:cNvPr id="130" name="Shape 130"/>
           <p:cNvSpPr txBox="1"/>
           <p:nvPr>
             <p:ph type="title"/>
@@ -9384,14 +14280,14 @@
             </a:pPr>
             <a:r>
               <a:rPr lang="en"/>
-              <a:t>SVM/Random Forest</a:t>
+              <a:t>SVM &amp; Random Forest</a:t>
             </a:r>
           </a:p>
         </p:txBody>
       </p:sp>
       <p:sp>
         <p:nvSpPr>
-          <p:cNvPr id="116" name="Shape 116"/>
+          <p:cNvPr id="131" name="Shape 131"/>
           <p:cNvSpPr txBox="1"/>
           <p:nvPr>
             <p:ph idx="1" type="body"/>
@@ -9412,18 +14308,6 @@
           </a:bodyPr>
           <a:lstStyle/>
           <a:p>
-            <a:pPr lvl="0">
-              <a:spcBef>
-                <a:spcPts val="0"/>
-              </a:spcBef>
-              <a:buNone/>
-            </a:pPr>
-            <a:r>
-              <a:rPr lang="en"/>
-              <a:t>&lt; Jay’s models &amp; material &gt;</a:t>
-            </a:r>
-          </a:p>
-          <a:p>
             <a:pPr indent="-147637" lvl="0" marL="228600" rtl="0">
               <a:lnSpc>
                 <a:spcPct val="100000"/>
@@ -9434,22 +14318,18 @@
               <a:spcAft>
                 <a:spcPts val="0"/>
               </a:spcAft>
-              <a:buSzPct val="100000"/>
+              <a:buSzPts val="1500"/>
               <a:buFont typeface="Arial"/>
               <a:buChar char="•"/>
             </a:pPr>
             <a:r>
               <a:rPr lang="en" sz="1500">
-                <a:latin typeface="Questrial"/>
-                <a:ea typeface="Questrial"/>
-                <a:cs typeface="Questrial"/>
-                <a:sym typeface="Questrial"/>
+                <a:latin typeface="Roboto Slab"/>
+                <a:ea typeface="Roboto Slab"/>
+                <a:cs typeface="Roboto Slab"/>
+                <a:sym typeface="Roboto Slab"/>
               </a:rPr>
-              <a:t>Feature selection : Recursive Elimination </a:t>
-            </a:r>
-            <a:r>
-              <a:rPr lang="en" sz="1500"/>
-              <a:t>Feature Cross-Validated</a:t>
+              <a:t>Feature selection : Recursive Elimination Feature Cross-Validated</a:t>
             </a:r>
           </a:p>
           <a:p>
@@ -9460,7 +14340,12 @@
               <a:buNone/>
             </a:pPr>
             <a:r>
-              <a:rPr lang="en" sz="1500"/>
+              <a:rPr lang="en" sz="1500">
+                <a:latin typeface="Roboto Slab"/>
+                <a:ea typeface="Roboto Slab"/>
+                <a:cs typeface="Roboto Slab"/>
+                <a:sym typeface="Roboto Slab"/>
+              </a:rPr>
               <a:t>                                       selection of the best number of features</a:t>
             </a:r>
           </a:p>
@@ -9475,16 +14360,16 @@
               <a:spcAft>
                 <a:spcPts val="0"/>
               </a:spcAft>
-              <a:buSzPct val="100000"/>
-              <a:buFont typeface="Arial"/>
+              <a:buSzPts val="1500"/>
+              <a:buFont typeface="Roboto Slab"/>
               <a:buChar char="•"/>
             </a:pPr>
             <a:r>
               <a:rPr lang="en" sz="1500">
-                <a:latin typeface="Questrial"/>
-                <a:ea typeface="Questrial"/>
-                <a:cs typeface="Questrial"/>
-                <a:sym typeface="Questrial"/>
+                <a:latin typeface="Roboto Slab"/>
+                <a:ea typeface="Roboto Slab"/>
+                <a:cs typeface="Roboto Slab"/>
+                <a:sym typeface="Roboto Slab"/>
               </a:rPr>
               <a:t>Optimal Parameter Search : GridSearchCV</a:t>
             </a:r>
@@ -9506,10 +14391,10 @@
               <a:t/>
             </a:r>
             <a:endParaRPr sz="1500">
-              <a:latin typeface="Questrial"/>
-              <a:ea typeface="Questrial"/>
-              <a:cs typeface="Questrial"/>
-              <a:sym typeface="Questrial"/>
+              <a:latin typeface="Roboto Slab"/>
+              <a:ea typeface="Roboto Slab"/>
+              <a:cs typeface="Roboto Slab"/>
+              <a:sym typeface="Roboto Slab"/>
             </a:endParaRPr>
           </a:p>
           <a:p>
@@ -9523,22 +14408,18 @@
               <a:spcAft>
                 <a:spcPts val="0"/>
               </a:spcAft>
-              <a:buSzPct val="100000"/>
+              <a:buSzPts val="1500"/>
               <a:buFont typeface="Questrial"/>
               <a:buChar char="•"/>
             </a:pPr>
             <a:r>
               <a:rPr lang="en" sz="1500">
-                <a:latin typeface="Questrial"/>
-                <a:ea typeface="Questrial"/>
-                <a:cs typeface="Questrial"/>
-                <a:sym typeface="Questrial"/>
+                <a:latin typeface="Roboto Slab"/>
+                <a:ea typeface="Roboto Slab"/>
+                <a:cs typeface="Roboto Slab"/>
+                <a:sym typeface="Roboto Slab"/>
               </a:rPr>
-              <a:t>Cross Validation : </a:t>
-            </a:r>
-            <a:r>
-              <a:rPr lang="en" sz="1500"/>
-              <a:t>StratifiedKFold( 3 folds)</a:t>
+              <a:t>Cross Validation : StratifiedKFold( 3 folds)</a:t>
             </a:r>
           </a:p>
           <a:p>
@@ -9558,10 +14439,10 @@
               <a:t/>
             </a:r>
             <a:endParaRPr sz="1500">
-              <a:latin typeface="Questrial"/>
-              <a:ea typeface="Questrial"/>
-              <a:cs typeface="Questrial"/>
-              <a:sym typeface="Questrial"/>
+              <a:latin typeface="Roboto Slab"/>
+              <a:ea typeface="Roboto Slab"/>
+              <a:cs typeface="Roboto Slab"/>
+              <a:sym typeface="Roboto Slab"/>
             </a:endParaRPr>
           </a:p>
           <a:p>
@@ -9575,16 +14456,16 @@
               <a:spcAft>
                 <a:spcPts val="0"/>
               </a:spcAft>
-              <a:buSzPct val="100000"/>
-              <a:buFont typeface="Questrial"/>
+              <a:buSzPts val="1500"/>
+              <a:buFont typeface="Roboto Slab"/>
               <a:buChar char="•"/>
             </a:pPr>
             <a:r>
               <a:rPr lang="en" sz="1500">
-                <a:latin typeface="Questrial"/>
-                <a:ea typeface="Questrial"/>
-                <a:cs typeface="Questrial"/>
-                <a:sym typeface="Questrial"/>
+                <a:latin typeface="Roboto Slab"/>
+                <a:ea typeface="Roboto Slab"/>
+                <a:cs typeface="Roboto Slab"/>
+                <a:sym typeface="Roboto Slab"/>
               </a:rPr>
               <a:t>Train and Predict Model </a:t>
             </a:r>
@@ -9600,18 +14481,18 @@
               <a:spcAft>
                 <a:spcPts val="0"/>
               </a:spcAft>
-              <a:buSzPct val="100000"/>
-              <a:buFont typeface="Questrial"/>
+              <a:buSzPts val="1500"/>
+              <a:buFont typeface="Roboto Slab"/>
               <a:buChar char="•"/>
             </a:pPr>
             <a:r>
               <a:rPr lang="en" sz="1500">
-                <a:latin typeface="Questrial"/>
-                <a:ea typeface="Questrial"/>
-                <a:cs typeface="Questrial"/>
-                <a:sym typeface="Questrial"/>
+                <a:latin typeface="Roboto Slab"/>
+                <a:ea typeface="Roboto Slab"/>
+                <a:cs typeface="Roboto Slab"/>
+                <a:sym typeface="Roboto Slab"/>
               </a:rPr>
-              <a:t>Support Vector Machine : </a:t>
+              <a:t>Support Vector Machine </a:t>
             </a:r>
           </a:p>
           <a:p>
@@ -9625,16 +14506,16 @@
               <a:spcAft>
                 <a:spcPts val="0"/>
               </a:spcAft>
-              <a:buSzPct val="100000"/>
-              <a:buFont typeface="Questrial"/>
+              <a:buSzPts val="1500"/>
+              <a:buFont typeface="Roboto Slab"/>
               <a:buChar char="•"/>
             </a:pPr>
             <a:r>
               <a:rPr lang="en" sz="1500">
-                <a:latin typeface="Questrial"/>
-                <a:ea typeface="Questrial"/>
-                <a:cs typeface="Questrial"/>
-                <a:sym typeface="Questrial"/>
+                <a:latin typeface="Roboto Slab"/>
+                <a:ea typeface="Roboto Slab"/>
+                <a:cs typeface="Roboto Slab"/>
+                <a:sym typeface="Roboto Slab"/>
               </a:rPr>
               <a:t>Random Forest</a:t>
             </a:r>
@@ -9647,7 +14528,12 @@
               <a:buNone/>
             </a:pPr>
             <a:r>
-              <a:rPr lang="en"/>
+              <a:rPr lang="en">
+                <a:latin typeface="Roboto Slab"/>
+                <a:ea typeface="Roboto Slab"/>
+                <a:cs typeface="Roboto Slab"/>
+                <a:sym typeface="Roboto Slab"/>
+              </a:rPr>
               <a:t> </a:t>
             </a:r>
           </a:p>

--- a/CS688_ProjectPresentation.pptx
+++ b/CS688_ProjectPresentation.pptx
@@ -6616,7 +6616,7 @@
             <a:tbl>
               <a:tblPr>
                 <a:noFill/>
-                <a:tableStyleId>{0E698BE7-EC0E-44A5-98A6-8F536189F404}</a:tableStyleId>
+                <a:tableStyleId>{7F63CBA0-0911-4D7F-9609-D5D0AB325C68}</a:tableStyleId>
               </a:tblPr>
               <a:tblGrid>
                 <a:gridCol w="4108075"/>
@@ -7652,7 +7652,7 @@
             <a:tbl>
               <a:tblPr>
                 <a:noFill/>
-                <a:tableStyleId>{0E698BE7-EC0E-44A5-98A6-8F536189F404}</a:tableStyleId>
+                <a:tableStyleId>{7F63CBA0-0911-4D7F-9609-D5D0AB325C68}</a:tableStyleId>
               </a:tblPr>
               <a:tblGrid>
                 <a:gridCol w="1947400"/>
@@ -8422,7 +8422,7 @@
             <a:tbl>
               <a:tblPr>
                 <a:noFill/>
-                <a:tableStyleId>{0E698BE7-EC0E-44A5-98A6-8F536189F404}</a:tableStyleId>
+                <a:tableStyleId>{7F63CBA0-0911-4D7F-9609-D5D0AB325C68}</a:tableStyleId>
               </a:tblPr>
               <a:tblGrid>
                 <a:gridCol w="1208550"/>
